--- a/Configurations/pinpairformal5.pptx
+++ b/Configurations/pinpairformal5.pptx
@@ -5349,8 +5349,8 @@
           </p:nvSpPr>
           <p:spPr>
             <a:xfrm>
-              <a:off x="1806602" y="4852239"/>
-              <a:ext cx="1787703" cy="323165"/>
+              <a:off x="1425902" y="4852239"/>
+              <a:ext cx="2168404" cy="323165"/>
             </a:xfrm>
             <a:prstGeom prst="rect">
               <a:avLst/>
@@ -5364,8 +5364,12 @@
             <a:lstStyle/>
             <a:p>
               <a:r>
+                <a:rPr lang="en-US" sz="1500" smtClean="0"/>
+                <a:t>Decelerator Axis (mm</a:t>
+              </a:r>
+              <a:r>
                 <a:rPr lang="en-US" sz="1500" dirty="0"/>
-                <a:t>Distance (mm)</a:t>
+                <a:t>)</a:t>
               </a:r>
             </a:p>
           </p:txBody>
@@ -7065,8 +7069,8 @@
             </p:nvSpPr>
             <p:spPr>
               <a:xfrm>
-                <a:off x="5593070" y="4848875"/>
-                <a:ext cx="1787703" cy="323165"/>
+                <a:off x="5210742" y="4848875"/>
+                <a:ext cx="2170032" cy="323165"/>
               </a:xfrm>
               <a:prstGeom prst="rect">
                 <a:avLst/>
@@ -7080,8 +7084,12 @@
               <a:lstStyle/>
               <a:p>
                 <a:r>
+                  <a:rPr lang="en-US" sz="1500" smtClean="0"/>
+                  <a:t>Decelerator Axis (mm</a:t>
+                </a:r>
+                <a:r>
                   <a:rPr lang="en-US" sz="1500" dirty="0"/>
-                  <a:t>Distance (mm)</a:t>
+                  <a:t>)</a:t>
                 </a:r>
               </a:p>
             </p:txBody>
@@ -8592,8 +8600,8 @@
         </p:nvSpPr>
         <p:spPr>
           <a:xfrm rot="16200000">
-            <a:off x="-737087" y="1820054"/>
-            <a:ext cx="1787703" cy="323165"/>
+            <a:off x="-1209438" y="975171"/>
+            <a:ext cx="2800137" cy="323165"/>
           </a:xfrm>
           <a:prstGeom prst="rect">
             <a:avLst/>
@@ -8607,37 +8615,12 @@
           <a:lstStyle/>
           <a:p>
             <a:r>
-              <a:rPr lang="en-US" sz="1500" dirty="0"/>
-              <a:t>Distance (mm)</a:t>
+              <a:rPr lang="en-US" sz="1500" smtClean="0"/>
+              <a:t>Distance from Axis (mm</a:t>
             </a:r>
-          </a:p>
-        </p:txBody>
-      </p:sp>
-      <p:sp>
-        <p:nvSpPr>
-          <p:cNvPr id="482" name="TextBox 481"/>
-          <p:cNvSpPr txBox="1"/>
-          <p:nvPr/>
-        </p:nvSpPr>
-        <p:spPr>
-          <a:xfrm rot="16200000">
-            <a:off x="-724739" y="318658"/>
-            <a:ext cx="1787703" cy="323165"/>
-          </a:xfrm>
-          <a:prstGeom prst="rect">
-            <a:avLst/>
-          </a:prstGeom>
-          <a:noFill/>
-        </p:spPr>
-        <p:txBody>
-          <a:bodyPr wrap="square" rtlCol="0">
-            <a:spAutoFit/>
-          </a:bodyPr>
-          <a:lstStyle/>
-          <a:p>
             <a:r>
               <a:rPr lang="en-US" sz="1500" dirty="0"/>
-              <a:t>Distance (mm)</a:t>
+              <a:t>)</a:t>
             </a:r>
           </a:p>
         </p:txBody>
@@ -10545,8 +10528,8 @@
               </p:nvSpPr>
               <p:spPr>
                 <a:xfrm>
-                  <a:off x="9322253" y="3976215"/>
-                  <a:ext cx="1345284" cy="323165"/>
+                  <a:off x="9033296" y="3976215"/>
+                  <a:ext cx="2070591" cy="323165"/>
                 </a:xfrm>
                 <a:prstGeom prst="rect">
                   <a:avLst/>
@@ -10560,12 +10543,12 @@
                 <a:lstStyle/>
                 <a:p>
                   <a:r>
-                    <a:rPr lang="en-US" sz="1500"/>
-                    <a:t>Distance </a:t>
+                    <a:rPr lang="en-US" sz="1500" dirty="0" smtClean="0"/>
+                    <a:t>Decelerator Axis (mm</a:t>
                   </a:r>
                   <a:r>
                     <a:rPr lang="en-US" sz="1500" dirty="0"/>
-                    <a:t>(mm)</a:t>
+                    <a:t>)</a:t>
                   </a:r>
                 </a:p>
               </p:txBody>

--- a/Configurations/pinpairformal5.pptx
+++ b/Configurations/pinpairformal5.pptx
@@ -3362,6 +3362,35 @@
       </p:grpSpPr>
       <p:pic>
         <p:nvPicPr>
+          <p:cNvPr id="252" name="Picture 251"/>
+          <p:cNvPicPr>
+            <a:picLocks noChangeAspect="1"/>
+          </p:cNvPicPr>
+          <p:nvPr/>
+        </p:nvPicPr>
+        <p:blipFill rotWithShape="1">
+          <a:blip r:embed="rId3" cstate="print">
+            <a:extLst>
+              <a:ext uri="{28A0092B-C50C-407E-A947-70E740481C1C}">
+                <a14:useLocalDpi xmlns:a14="http://schemas.microsoft.com/office/drawing/2010/main" val="0"/>
+              </a:ext>
+            </a:extLst>
+          </a:blip>
+          <a:srcRect l="5407" t="34263" r="48004" b="40316"/>
+          <a:stretch/>
+        </p:blipFill>
+        <p:spPr>
+          <a:xfrm>
+            <a:off x="473286" y="3161401"/>
+            <a:ext cx="3787256" cy="813555"/>
+          </a:xfrm>
+          <a:prstGeom prst="rect">
+            <a:avLst/>
+          </a:prstGeom>
+        </p:spPr>
+      </p:pic>
+      <p:pic>
+        <p:nvPicPr>
           <p:cNvPr id="717" name="Picture 716"/>
           <p:cNvPicPr>
             <a:picLocks noChangeAspect="1"/>
@@ -4878,35 +4907,6 @@
           </a:p>
         </p:txBody>
       </p:sp>
-      <p:pic>
-        <p:nvPicPr>
-          <p:cNvPr id="252" name="Picture 251"/>
-          <p:cNvPicPr>
-            <a:picLocks noChangeAspect="1"/>
-          </p:cNvPicPr>
-          <p:nvPr/>
-        </p:nvPicPr>
-        <p:blipFill rotWithShape="1">
-          <a:blip r:embed="rId3" cstate="print">
-            <a:extLst>
-              <a:ext uri="{28A0092B-C50C-407E-A947-70E740481C1C}">
-                <a14:useLocalDpi xmlns:a14="http://schemas.microsoft.com/office/drawing/2010/main" val="0"/>
-              </a:ext>
-            </a:extLst>
-          </a:blip>
-          <a:srcRect l="5407" t="34263" r="48004" b="40316"/>
-          <a:stretch/>
-        </p:blipFill>
-        <p:spPr>
-          <a:xfrm>
-            <a:off x="473286" y="3161401"/>
-            <a:ext cx="3787256" cy="813555"/>
-          </a:xfrm>
-          <a:prstGeom prst="rect">
-            <a:avLst/>
-          </a:prstGeom>
-        </p:spPr>
-      </p:pic>
       <p:sp>
         <p:nvSpPr>
           <p:cNvPr id="253" name="TextBox 252"/>
@@ -7084,7 +7084,7 @@
               <a:lstStyle/>
               <a:p>
                 <a:r>
-                  <a:rPr lang="en-US" sz="1500" smtClean="0"/>
+                  <a:rPr lang="en-US" sz="1500" dirty="0" smtClean="0"/>
                   <a:t>Decelerator Axis (mm</a:t>
                 </a:r>
                 <a:r>
@@ -9518,8 +9518,8 @@
         </p:nvSpPr>
         <p:spPr>
           <a:xfrm rot="16200000">
-            <a:off x="11563409" y="1120606"/>
-            <a:ext cx="2085239" cy="323165"/>
+            <a:off x="11386896" y="1297119"/>
+            <a:ext cx="2438266" cy="323165"/>
           </a:xfrm>
           <a:prstGeom prst="rect">
             <a:avLst/>
@@ -9534,7 +9534,35 @@
           <a:p>
             <a:r>
               <a:rPr lang="en-US" sz="1500" dirty="0"/>
-              <a:t>E-Field Norm (kV/cm)</a:t>
+              <a:t>E-Field </a:t>
+            </a:r>
+            <a:r>
+              <a:rPr lang="en-US" sz="1500" dirty="0" smtClean="0"/>
+              <a:t>Norm </a:t>
+            </a:r>
+            <a:r>
+              <a:rPr lang="en-US" sz="1500" dirty="0"/>
+              <a:t>|</a:t>
+            </a:r>
+            <a:r>
+              <a:rPr lang="en-US" sz="1500" i="1" dirty="0">
+                <a:latin typeface="Times New Roman" charset="0"/>
+                <a:ea typeface="Times New Roman" charset="0"/>
+                <a:cs typeface="Times New Roman" charset="0"/>
+              </a:rPr>
+              <a:t>E</a:t>
+            </a:r>
+            <a:r>
+              <a:rPr lang="en-US" sz="1500" dirty="0"/>
+              <a:t>|</a:t>
+            </a:r>
+            <a:r>
+              <a:rPr lang="en-US" sz="1500" dirty="0" smtClean="0"/>
+              <a:t> </a:t>
+            </a:r>
+            <a:r>
+              <a:rPr lang="en-US" sz="1500" dirty="0"/>
+              <a:t>(kV/cm)</a:t>
             </a:r>
           </a:p>
         </p:txBody>
@@ -13731,8 +13759,8 @@
         </p:nvSpPr>
         <p:spPr>
           <a:xfrm>
-            <a:off x="9387219" y="1554472"/>
-            <a:ext cx="1787703" cy="323165"/>
+            <a:off x="9006840" y="1605271"/>
+            <a:ext cx="2082183" cy="323165"/>
           </a:xfrm>
           <a:prstGeom prst="rect">
             <a:avLst/>
@@ -13746,8 +13774,12 @@
           <a:lstStyle/>
           <a:p>
             <a:r>
+              <a:rPr lang="en-US" sz="1500" dirty="0" smtClean="0"/>
+              <a:t>Decelerator Axis (mm</a:t>
+            </a:r>
+            <a:r>
               <a:rPr lang="en-US" sz="1500" dirty="0"/>
-              <a:t>Distance (mm)</a:t>
+              <a:t>)</a:t>
             </a:r>
           </a:p>
         </p:txBody>

--- a/Configurations/pinpairformal5.pptx
+++ b/Configurations/pinpairformal5.pptx
@@ -3463,761 +3463,134 @@
           </a:p>
         </p:txBody>
       </p:sp>
+      <p:pic>
+        <p:nvPicPr>
+          <p:cNvPr id="276" name="Picture 275"/>
+          <p:cNvPicPr>
+            <a:picLocks noChangeAspect="1"/>
+          </p:cNvPicPr>
+          <p:nvPr/>
+        </p:nvPicPr>
+        <p:blipFill>
+          <a:blip r:embed="rId4">
+            <a:extLst>
+              <a:ext uri="{28A0092B-C50C-407E-A947-70E740481C1C}">
+                <a14:useLocalDpi xmlns:a14="http://schemas.microsoft.com/office/drawing/2010/main" val="0"/>
+              </a:ext>
+            </a:extLst>
+          </a:blip>
+          <a:stretch>
+            <a:fillRect/>
+          </a:stretch>
+        </p:blipFill>
+        <p:spPr>
+          <a:xfrm rot="10800000">
+            <a:off x="518305" y="1534033"/>
+            <a:ext cx="3657600" cy="1371600"/>
+          </a:xfrm>
+          <a:prstGeom prst="rect">
+            <a:avLst/>
+          </a:prstGeom>
+          <a:ln w="28575" cap="sq">
+            <a:solidFill>
+              <a:schemeClr val="tx1"/>
+            </a:solidFill>
+            <a:prstDash val="solid"/>
+            <a:miter lim="800000"/>
+          </a:ln>
+          <a:effectLst/>
+        </p:spPr>
+      </p:pic>
+      <p:sp>
+        <p:nvSpPr>
+          <p:cNvPr id="285" name="TextBox 284"/>
+          <p:cNvSpPr txBox="1"/>
+          <p:nvPr/>
+        </p:nvSpPr>
+        <p:spPr>
+          <a:xfrm>
+            <a:off x="468227" y="1974595"/>
+            <a:ext cx="1021404" cy="461665"/>
+          </a:xfrm>
+          <a:prstGeom prst="rect">
+            <a:avLst/>
+          </a:prstGeom>
+          <a:noFill/>
+        </p:spPr>
+        <p:txBody>
+          <a:bodyPr wrap="square" rtlCol="0">
+            <a:spAutoFit/>
+          </a:bodyPr>
+          <a:lstStyle/>
+          <a:p>
+            <a:r>
+              <a:rPr lang="en-US" sz="2400" dirty="0">
+                <a:ln w="19050">
+                  <a:noFill/>
+                </a:ln>
+                <a:solidFill>
+                  <a:schemeClr val="bg1"/>
+                </a:solidFill>
+                <a:effectLst>
+                  <a:glow rad="63500">
+                    <a:schemeClr val="tx1"/>
+                  </a:glow>
+                </a:effectLst>
+              </a:rPr>
+              <a:t>A'</a:t>
+            </a:r>
+          </a:p>
+        </p:txBody>
+      </p:sp>
+      <p:pic>
+        <p:nvPicPr>
+          <p:cNvPr id="299" name="Picture 298"/>
+          <p:cNvPicPr>
+            <a:picLocks noChangeAspect="1"/>
+          </p:cNvPicPr>
+          <p:nvPr/>
+        </p:nvPicPr>
+        <p:blipFill>
+          <a:blip r:embed="rId5">
+            <a:extLst>
+              <a:ext uri="{28A0092B-C50C-407E-A947-70E740481C1C}">
+                <a14:useLocalDpi xmlns:a14="http://schemas.microsoft.com/office/drawing/2010/main" val="0"/>
+              </a:ext>
+            </a:extLst>
+          </a:blip>
+          <a:stretch>
+            <a:fillRect/>
+          </a:stretch>
+        </p:blipFill>
+        <p:spPr>
+          <a:xfrm rot="10800000">
+            <a:off x="522516" y="51632"/>
+            <a:ext cx="3657600" cy="1371600"/>
+          </a:xfrm>
+          <a:prstGeom prst="rect">
+            <a:avLst/>
+          </a:prstGeom>
+          <a:ln w="28575">
+            <a:solidFill>
+              <a:schemeClr val="tx1"/>
+            </a:solidFill>
+          </a:ln>
+        </p:spPr>
+      </p:pic>
       <p:grpSp>
         <p:nvGrpSpPr>
-          <p:cNvPr id="275" name="Group 274"/>
+          <p:cNvPr id="19" name="Group 18"/>
           <p:cNvGrpSpPr/>
           <p:nvPr/>
         </p:nvGrpSpPr>
         <p:grpSpPr>
           <a:xfrm>
-            <a:off x="468227" y="1448511"/>
-            <a:ext cx="3707678" cy="1475998"/>
-            <a:chOff x="454519" y="36920"/>
-            <a:chExt cx="3707678" cy="1475998"/>
+            <a:off x="788890" y="1477020"/>
+            <a:ext cx="3032642" cy="1441709"/>
+            <a:chOff x="788669" y="-4485"/>
+            <a:chExt cx="3032642" cy="1441709"/>
           </a:xfrm>
         </p:grpSpPr>
-        <p:pic>
-          <p:nvPicPr>
-            <p:cNvPr id="276" name="Picture 275"/>
-            <p:cNvPicPr>
-              <a:picLocks noChangeAspect="1"/>
-            </p:cNvPicPr>
-            <p:nvPr/>
-          </p:nvPicPr>
-          <p:blipFill>
-            <a:blip r:embed="rId4">
-              <a:extLst>
-                <a:ext uri="{28A0092B-C50C-407E-A947-70E740481C1C}">
-                  <a14:useLocalDpi xmlns:a14="http://schemas.microsoft.com/office/drawing/2010/main" val="0"/>
-                </a:ext>
-              </a:extLst>
-            </a:blip>
-            <a:stretch>
-              <a:fillRect/>
-            </a:stretch>
-          </p:blipFill>
-          <p:spPr>
-            <a:xfrm>
-              <a:off x="504597" y="122442"/>
-              <a:ext cx="3657600" cy="1371600"/>
-            </a:xfrm>
-            <a:prstGeom prst="rect">
-              <a:avLst/>
-            </a:prstGeom>
-            <a:ln w="28575" cap="sq">
-              <a:solidFill>
-                <a:schemeClr val="tx1"/>
-              </a:solidFill>
-              <a:prstDash val="solid"/>
-              <a:miter lim="800000"/>
-            </a:ln>
-            <a:effectLst/>
-          </p:spPr>
-        </p:pic>
-        <p:sp>
-          <p:nvSpPr>
-            <p:cNvPr id="277" name="TextBox 276"/>
-            <p:cNvSpPr txBox="1"/>
-            <p:nvPr/>
-          </p:nvSpPr>
-          <p:spPr>
-            <a:xfrm>
-              <a:off x="1707875" y="36920"/>
-              <a:ext cx="502920" cy="461665"/>
-            </a:xfrm>
-            <a:prstGeom prst="rect">
-              <a:avLst/>
-            </a:prstGeom>
-            <a:noFill/>
-          </p:spPr>
-          <p:txBody>
-            <a:bodyPr wrap="square" rtlCol="0">
-              <a:spAutoFit/>
-            </a:bodyPr>
-            <a:lstStyle/>
-            <a:p>
-              <a:r>
-                <a:rPr lang="en-US" sz="2400" dirty="0">
-                  <a:solidFill>
-                    <a:schemeClr val="bg1"/>
-                  </a:solidFill>
-                </a:rPr>
-                <a:t>+</a:t>
-              </a:r>
-            </a:p>
-          </p:txBody>
-        </p:sp>
-        <p:sp>
-          <p:nvSpPr>
-            <p:cNvPr id="278" name="TextBox 277"/>
-            <p:cNvSpPr txBox="1"/>
-            <p:nvPr/>
-          </p:nvSpPr>
-          <p:spPr>
-            <a:xfrm>
-              <a:off x="3531470" y="36920"/>
-              <a:ext cx="283862" cy="461665"/>
-            </a:xfrm>
-            <a:prstGeom prst="rect">
-              <a:avLst/>
-            </a:prstGeom>
-            <a:noFill/>
-          </p:spPr>
-          <p:txBody>
-            <a:bodyPr wrap="square" rtlCol="0">
-              <a:spAutoFit/>
-            </a:bodyPr>
-            <a:lstStyle/>
-            <a:p>
-              <a:r>
-                <a:rPr lang="en-US" sz="2400" dirty="0">
-                  <a:solidFill>
-                    <a:schemeClr val="bg1"/>
-                  </a:solidFill>
-                </a:rPr>
-                <a:t>+</a:t>
-              </a:r>
-            </a:p>
-          </p:txBody>
-        </p:sp>
-        <p:sp>
-          <p:nvSpPr>
-            <p:cNvPr id="279" name="TextBox 278"/>
-            <p:cNvSpPr txBox="1"/>
-            <p:nvPr/>
-          </p:nvSpPr>
-          <p:spPr>
-            <a:xfrm>
-              <a:off x="3509798" y="1143586"/>
-              <a:ext cx="386060" cy="369332"/>
-            </a:xfrm>
-            <a:prstGeom prst="rect">
-              <a:avLst/>
-            </a:prstGeom>
-            <a:noFill/>
-          </p:spPr>
-          <p:txBody>
-            <a:bodyPr wrap="square" rtlCol="0">
-              <a:spAutoFit/>
-            </a:bodyPr>
-            <a:lstStyle/>
-            <a:p>
-              <a:r>
-                <a:rPr lang="en-US" b="1" dirty="0">
-                  <a:solidFill>
-                    <a:schemeClr val="bg1"/>
-                  </a:solidFill>
-                </a:rPr>
-                <a:t>—</a:t>
-              </a:r>
-            </a:p>
-          </p:txBody>
-        </p:sp>
-        <p:sp>
-          <p:nvSpPr>
-            <p:cNvPr id="280" name="TextBox 279"/>
-            <p:cNvSpPr txBox="1"/>
-            <p:nvPr/>
-          </p:nvSpPr>
-          <p:spPr>
-            <a:xfrm>
-              <a:off x="1682295" y="1143586"/>
-              <a:ext cx="765810" cy="369332"/>
-            </a:xfrm>
-            <a:prstGeom prst="rect">
-              <a:avLst/>
-            </a:prstGeom>
-            <a:noFill/>
-          </p:spPr>
-          <p:txBody>
-            <a:bodyPr wrap="square" rtlCol="0">
-              <a:spAutoFit/>
-            </a:bodyPr>
-            <a:lstStyle/>
-            <a:p>
-              <a:r>
-                <a:rPr lang="en-US" b="1" dirty="0">
-                  <a:solidFill>
-                    <a:schemeClr val="bg1"/>
-                  </a:solidFill>
-                </a:rPr>
-                <a:t>—</a:t>
-              </a:r>
-            </a:p>
-          </p:txBody>
-        </p:sp>
-        <p:grpSp>
-          <p:nvGrpSpPr>
-            <p:cNvPr id="281" name="Group 280"/>
-            <p:cNvGrpSpPr/>
-            <p:nvPr/>
-          </p:nvGrpSpPr>
-          <p:grpSpPr>
-            <a:xfrm>
-              <a:off x="2691045" y="1287771"/>
-              <a:ext cx="197575" cy="80962"/>
-              <a:chOff x="3371850" y="2904422"/>
-              <a:chExt cx="197575" cy="80962"/>
-            </a:xfrm>
-          </p:grpSpPr>
-          <p:cxnSp>
-            <p:nvCxnSpPr>
-              <p:cNvPr id="295" name="Straight Connector 294"/>
-              <p:cNvCxnSpPr/>
-              <p:nvPr/>
-            </p:nvCxnSpPr>
-            <p:spPr>
-              <a:xfrm>
-                <a:off x="3371850" y="2904422"/>
-                <a:ext cx="197575" cy="0"/>
-              </a:xfrm>
-              <a:prstGeom prst="line">
-                <a:avLst/>
-              </a:prstGeom>
-              <a:ln w="22225">
-                <a:solidFill>
-                  <a:schemeClr val="bg1"/>
-                </a:solidFill>
-              </a:ln>
-            </p:spPr>
-            <p:style>
-              <a:lnRef idx="1">
-                <a:schemeClr val="accent1"/>
-              </a:lnRef>
-              <a:fillRef idx="0">
-                <a:schemeClr val="accent1"/>
-              </a:fillRef>
-              <a:effectRef idx="0">
-                <a:schemeClr val="accent1"/>
-              </a:effectRef>
-              <a:fontRef idx="minor">
-                <a:schemeClr val="tx1"/>
-              </a:fontRef>
-            </p:style>
-          </p:cxnSp>
-          <p:cxnSp>
-            <p:nvCxnSpPr>
-              <p:cNvPr id="296" name="Straight Connector 295"/>
-              <p:cNvCxnSpPr/>
-              <p:nvPr/>
-            </p:nvCxnSpPr>
-            <p:spPr>
-              <a:xfrm>
-                <a:off x="3397485" y="2944903"/>
-                <a:ext cx="146304" cy="0"/>
-              </a:xfrm>
-              <a:prstGeom prst="line">
-                <a:avLst/>
-              </a:prstGeom>
-              <a:ln w="22225">
-                <a:solidFill>
-                  <a:schemeClr val="bg1"/>
-                </a:solidFill>
-              </a:ln>
-            </p:spPr>
-            <p:style>
-              <a:lnRef idx="1">
-                <a:schemeClr val="accent1"/>
-              </a:lnRef>
-              <a:fillRef idx="0">
-                <a:schemeClr val="accent1"/>
-              </a:fillRef>
-              <a:effectRef idx="0">
-                <a:schemeClr val="accent1"/>
-              </a:effectRef>
-              <a:fontRef idx="minor">
-                <a:schemeClr val="tx1"/>
-              </a:fontRef>
-            </p:style>
-          </p:cxnSp>
-          <p:cxnSp>
-            <p:nvCxnSpPr>
-              <p:cNvPr id="297" name="Straight Connector 296"/>
-              <p:cNvCxnSpPr/>
-              <p:nvPr/>
-            </p:nvCxnSpPr>
-            <p:spPr>
-              <a:xfrm>
-                <a:off x="3424917" y="2985384"/>
-                <a:ext cx="91440" cy="0"/>
-              </a:xfrm>
-              <a:prstGeom prst="line">
-                <a:avLst/>
-              </a:prstGeom>
-              <a:ln w="22225">
-                <a:solidFill>
-                  <a:schemeClr val="bg1"/>
-                </a:solidFill>
-              </a:ln>
-            </p:spPr>
-            <p:style>
-              <a:lnRef idx="1">
-                <a:schemeClr val="accent1"/>
-              </a:lnRef>
-              <a:fillRef idx="0">
-                <a:schemeClr val="accent1"/>
-              </a:fillRef>
-              <a:effectRef idx="0">
-                <a:schemeClr val="accent1"/>
-              </a:effectRef>
-              <a:fontRef idx="minor">
-                <a:schemeClr val="tx1"/>
-              </a:fontRef>
-            </p:style>
-          </p:cxnSp>
-        </p:grpSp>
-        <p:grpSp>
-          <p:nvGrpSpPr>
-            <p:cNvPr id="282" name="Group 281"/>
-            <p:cNvGrpSpPr/>
-            <p:nvPr/>
-          </p:nvGrpSpPr>
-          <p:grpSpPr>
-            <a:xfrm>
-              <a:off x="867210" y="1287771"/>
-              <a:ext cx="197575" cy="80962"/>
-              <a:chOff x="3371850" y="2904422"/>
-              <a:chExt cx="197575" cy="80962"/>
-            </a:xfrm>
-          </p:grpSpPr>
-          <p:cxnSp>
-            <p:nvCxnSpPr>
-              <p:cNvPr id="292" name="Straight Connector 291"/>
-              <p:cNvCxnSpPr/>
-              <p:nvPr/>
-            </p:nvCxnSpPr>
-            <p:spPr>
-              <a:xfrm>
-                <a:off x="3371850" y="2904422"/>
-                <a:ext cx="197575" cy="0"/>
-              </a:xfrm>
-              <a:prstGeom prst="line">
-                <a:avLst/>
-              </a:prstGeom>
-              <a:ln w="22225">
-                <a:solidFill>
-                  <a:schemeClr val="bg1"/>
-                </a:solidFill>
-              </a:ln>
-            </p:spPr>
-            <p:style>
-              <a:lnRef idx="1">
-                <a:schemeClr val="accent1"/>
-              </a:lnRef>
-              <a:fillRef idx="0">
-                <a:schemeClr val="accent1"/>
-              </a:fillRef>
-              <a:effectRef idx="0">
-                <a:schemeClr val="accent1"/>
-              </a:effectRef>
-              <a:fontRef idx="minor">
-                <a:schemeClr val="tx1"/>
-              </a:fontRef>
-            </p:style>
-          </p:cxnSp>
-          <p:cxnSp>
-            <p:nvCxnSpPr>
-              <p:cNvPr id="293" name="Straight Connector 292"/>
-              <p:cNvCxnSpPr/>
-              <p:nvPr/>
-            </p:nvCxnSpPr>
-            <p:spPr>
-              <a:xfrm>
-                <a:off x="3397485" y="2944903"/>
-                <a:ext cx="146304" cy="0"/>
-              </a:xfrm>
-              <a:prstGeom prst="line">
-                <a:avLst/>
-              </a:prstGeom>
-              <a:ln w="22225">
-                <a:solidFill>
-                  <a:schemeClr val="bg1"/>
-                </a:solidFill>
-              </a:ln>
-            </p:spPr>
-            <p:style>
-              <a:lnRef idx="1">
-                <a:schemeClr val="accent1"/>
-              </a:lnRef>
-              <a:fillRef idx="0">
-                <a:schemeClr val="accent1"/>
-              </a:fillRef>
-              <a:effectRef idx="0">
-                <a:schemeClr val="accent1"/>
-              </a:effectRef>
-              <a:fontRef idx="minor">
-                <a:schemeClr val="tx1"/>
-              </a:fontRef>
-            </p:style>
-          </p:cxnSp>
-          <p:cxnSp>
-            <p:nvCxnSpPr>
-              <p:cNvPr id="294" name="Straight Connector 293"/>
-              <p:cNvCxnSpPr/>
-              <p:nvPr/>
-            </p:nvCxnSpPr>
-            <p:spPr>
-              <a:xfrm>
-                <a:off x="3424917" y="2985384"/>
-                <a:ext cx="91440" cy="0"/>
-              </a:xfrm>
-              <a:prstGeom prst="line">
-                <a:avLst/>
-              </a:prstGeom>
-              <a:ln w="22225">
-                <a:solidFill>
-                  <a:schemeClr val="bg1"/>
-                </a:solidFill>
-              </a:ln>
-            </p:spPr>
-            <p:style>
-              <a:lnRef idx="1">
-                <a:schemeClr val="accent1"/>
-              </a:lnRef>
-              <a:fillRef idx="0">
-                <a:schemeClr val="accent1"/>
-              </a:fillRef>
-              <a:effectRef idx="0">
-                <a:schemeClr val="accent1"/>
-              </a:effectRef>
-              <a:fontRef idx="minor">
-                <a:schemeClr val="tx1"/>
-              </a:fontRef>
-            </p:style>
-          </p:cxnSp>
-        </p:grpSp>
-        <p:grpSp>
-          <p:nvGrpSpPr>
-            <p:cNvPr id="283" name="Group 282"/>
-            <p:cNvGrpSpPr/>
-            <p:nvPr/>
-          </p:nvGrpSpPr>
-          <p:grpSpPr>
-            <a:xfrm>
-              <a:off x="2691045" y="227271"/>
-              <a:ext cx="197575" cy="80962"/>
-              <a:chOff x="3371850" y="2904422"/>
-              <a:chExt cx="197575" cy="80962"/>
-            </a:xfrm>
-          </p:grpSpPr>
-          <p:cxnSp>
-            <p:nvCxnSpPr>
-              <p:cNvPr id="289" name="Straight Connector 288"/>
-              <p:cNvCxnSpPr/>
-              <p:nvPr/>
-            </p:nvCxnSpPr>
-            <p:spPr>
-              <a:xfrm>
-                <a:off x="3371850" y="2904422"/>
-                <a:ext cx="197575" cy="0"/>
-              </a:xfrm>
-              <a:prstGeom prst="line">
-                <a:avLst/>
-              </a:prstGeom>
-              <a:ln w="22225">
-                <a:solidFill>
-                  <a:schemeClr val="bg1"/>
-                </a:solidFill>
-              </a:ln>
-            </p:spPr>
-            <p:style>
-              <a:lnRef idx="1">
-                <a:schemeClr val="accent1"/>
-              </a:lnRef>
-              <a:fillRef idx="0">
-                <a:schemeClr val="accent1"/>
-              </a:fillRef>
-              <a:effectRef idx="0">
-                <a:schemeClr val="accent1"/>
-              </a:effectRef>
-              <a:fontRef idx="minor">
-                <a:schemeClr val="tx1"/>
-              </a:fontRef>
-            </p:style>
-          </p:cxnSp>
-          <p:cxnSp>
-            <p:nvCxnSpPr>
-              <p:cNvPr id="290" name="Straight Connector 289"/>
-              <p:cNvCxnSpPr/>
-              <p:nvPr/>
-            </p:nvCxnSpPr>
-            <p:spPr>
-              <a:xfrm>
-                <a:off x="3397485" y="2944903"/>
-                <a:ext cx="146304" cy="0"/>
-              </a:xfrm>
-              <a:prstGeom prst="line">
-                <a:avLst/>
-              </a:prstGeom>
-              <a:ln w="22225">
-                <a:solidFill>
-                  <a:schemeClr val="bg1"/>
-                </a:solidFill>
-              </a:ln>
-            </p:spPr>
-            <p:style>
-              <a:lnRef idx="1">
-                <a:schemeClr val="accent1"/>
-              </a:lnRef>
-              <a:fillRef idx="0">
-                <a:schemeClr val="accent1"/>
-              </a:fillRef>
-              <a:effectRef idx="0">
-                <a:schemeClr val="accent1"/>
-              </a:effectRef>
-              <a:fontRef idx="minor">
-                <a:schemeClr val="tx1"/>
-              </a:fontRef>
-            </p:style>
-          </p:cxnSp>
-          <p:cxnSp>
-            <p:nvCxnSpPr>
-              <p:cNvPr id="291" name="Straight Connector 290"/>
-              <p:cNvCxnSpPr/>
-              <p:nvPr/>
-            </p:nvCxnSpPr>
-            <p:spPr>
-              <a:xfrm>
-                <a:off x="3424917" y="2985384"/>
-                <a:ext cx="91440" cy="0"/>
-              </a:xfrm>
-              <a:prstGeom prst="line">
-                <a:avLst/>
-              </a:prstGeom>
-              <a:ln w="22225">
-                <a:solidFill>
-                  <a:schemeClr val="bg1"/>
-                </a:solidFill>
-              </a:ln>
-            </p:spPr>
-            <p:style>
-              <a:lnRef idx="1">
-                <a:schemeClr val="accent1"/>
-              </a:lnRef>
-              <a:fillRef idx="0">
-                <a:schemeClr val="accent1"/>
-              </a:fillRef>
-              <a:effectRef idx="0">
-                <a:schemeClr val="accent1"/>
-              </a:effectRef>
-              <a:fontRef idx="minor">
-                <a:schemeClr val="tx1"/>
-              </a:fontRef>
-            </p:style>
-          </p:cxnSp>
-        </p:grpSp>
-        <p:grpSp>
-          <p:nvGrpSpPr>
-            <p:cNvPr id="284" name="Group 283"/>
-            <p:cNvGrpSpPr/>
-            <p:nvPr/>
-          </p:nvGrpSpPr>
-          <p:grpSpPr>
-            <a:xfrm>
-              <a:off x="867210" y="227271"/>
-              <a:ext cx="197575" cy="80962"/>
-              <a:chOff x="3371850" y="2904422"/>
-              <a:chExt cx="197575" cy="80962"/>
-            </a:xfrm>
-          </p:grpSpPr>
-          <p:cxnSp>
-            <p:nvCxnSpPr>
-              <p:cNvPr id="286" name="Straight Connector 285"/>
-              <p:cNvCxnSpPr/>
-              <p:nvPr/>
-            </p:nvCxnSpPr>
-            <p:spPr>
-              <a:xfrm>
-                <a:off x="3371850" y="2904422"/>
-                <a:ext cx="197575" cy="0"/>
-              </a:xfrm>
-              <a:prstGeom prst="line">
-                <a:avLst/>
-              </a:prstGeom>
-              <a:ln w="22225">
-                <a:solidFill>
-                  <a:schemeClr val="bg1"/>
-                </a:solidFill>
-              </a:ln>
-            </p:spPr>
-            <p:style>
-              <a:lnRef idx="1">
-                <a:schemeClr val="accent1"/>
-              </a:lnRef>
-              <a:fillRef idx="0">
-                <a:schemeClr val="accent1"/>
-              </a:fillRef>
-              <a:effectRef idx="0">
-                <a:schemeClr val="accent1"/>
-              </a:effectRef>
-              <a:fontRef idx="minor">
-                <a:schemeClr val="tx1"/>
-              </a:fontRef>
-            </p:style>
-          </p:cxnSp>
-          <p:cxnSp>
-            <p:nvCxnSpPr>
-              <p:cNvPr id="287" name="Straight Connector 286"/>
-              <p:cNvCxnSpPr/>
-              <p:nvPr/>
-            </p:nvCxnSpPr>
-            <p:spPr>
-              <a:xfrm>
-                <a:off x="3397485" y="2944903"/>
-                <a:ext cx="146304" cy="0"/>
-              </a:xfrm>
-              <a:prstGeom prst="line">
-                <a:avLst/>
-              </a:prstGeom>
-              <a:ln w="22225">
-                <a:solidFill>
-                  <a:schemeClr val="bg1"/>
-                </a:solidFill>
-              </a:ln>
-            </p:spPr>
-            <p:style>
-              <a:lnRef idx="1">
-                <a:schemeClr val="accent1"/>
-              </a:lnRef>
-              <a:fillRef idx="0">
-                <a:schemeClr val="accent1"/>
-              </a:fillRef>
-              <a:effectRef idx="0">
-                <a:schemeClr val="accent1"/>
-              </a:effectRef>
-              <a:fontRef idx="minor">
-                <a:schemeClr val="tx1"/>
-              </a:fontRef>
-            </p:style>
-          </p:cxnSp>
-          <p:cxnSp>
-            <p:nvCxnSpPr>
-              <p:cNvPr id="288" name="Straight Connector 287"/>
-              <p:cNvCxnSpPr/>
-              <p:nvPr/>
-            </p:nvCxnSpPr>
-            <p:spPr>
-              <a:xfrm>
-                <a:off x="3424917" y="2985384"/>
-                <a:ext cx="91440" cy="0"/>
-              </a:xfrm>
-              <a:prstGeom prst="line">
-                <a:avLst/>
-              </a:prstGeom>
-              <a:ln w="22225">
-                <a:solidFill>
-                  <a:schemeClr val="bg1"/>
-                </a:solidFill>
-              </a:ln>
-            </p:spPr>
-            <p:style>
-              <a:lnRef idx="1">
-                <a:schemeClr val="accent1"/>
-              </a:lnRef>
-              <a:fillRef idx="0">
-                <a:schemeClr val="accent1"/>
-              </a:fillRef>
-              <a:effectRef idx="0">
-                <a:schemeClr val="accent1"/>
-              </a:effectRef>
-              <a:fontRef idx="minor">
-                <a:schemeClr val="tx1"/>
-              </a:fontRef>
-            </p:style>
-          </p:cxnSp>
-        </p:grpSp>
-        <p:sp>
-          <p:nvSpPr>
-            <p:cNvPr id="285" name="TextBox 284"/>
-            <p:cNvSpPr txBox="1"/>
-            <p:nvPr/>
-          </p:nvSpPr>
-          <p:spPr>
-            <a:xfrm>
-              <a:off x="454519" y="563004"/>
-              <a:ext cx="1021404" cy="461665"/>
-            </a:xfrm>
-            <a:prstGeom prst="rect">
-              <a:avLst/>
-            </a:prstGeom>
-            <a:noFill/>
-          </p:spPr>
-          <p:txBody>
-            <a:bodyPr wrap="square" rtlCol="0">
-              <a:spAutoFit/>
-            </a:bodyPr>
-            <a:lstStyle/>
-            <a:p>
-              <a:r>
-                <a:rPr lang="en-US" sz="2400" dirty="0">
-                  <a:ln w="19050">
-                    <a:noFill/>
-                  </a:ln>
-                  <a:solidFill>
-                    <a:schemeClr val="bg1"/>
-                  </a:solidFill>
-                  <a:effectLst>
-                    <a:glow rad="63500">
-                      <a:schemeClr val="tx1"/>
-                    </a:glow>
-                  </a:effectLst>
-                </a:rPr>
-                <a:t>A'</a:t>
-              </a:r>
-            </a:p>
-          </p:txBody>
-        </p:sp>
-      </p:grpSp>
-      <p:grpSp>
-        <p:nvGrpSpPr>
-          <p:cNvPr id="298" name="Group 297"/>
-          <p:cNvGrpSpPr/>
-          <p:nvPr/>
-        </p:nvGrpSpPr>
-        <p:grpSpPr>
-          <a:xfrm>
-            <a:off x="472438" y="-4485"/>
-            <a:ext cx="3707678" cy="1441709"/>
-            <a:chOff x="454519" y="1552752"/>
-            <a:chExt cx="3707678" cy="1441709"/>
-          </a:xfrm>
-        </p:grpSpPr>
-        <p:pic>
-          <p:nvPicPr>
-            <p:cNvPr id="299" name="Picture 298"/>
-            <p:cNvPicPr>
-              <a:picLocks noChangeAspect="1"/>
-            </p:cNvPicPr>
-            <p:nvPr/>
-          </p:nvPicPr>
-          <p:blipFill>
-            <a:blip r:embed="rId5">
-              <a:extLst>
-                <a:ext uri="{28A0092B-C50C-407E-A947-70E740481C1C}">
-                  <a14:useLocalDpi xmlns:a14="http://schemas.microsoft.com/office/drawing/2010/main" val="0"/>
-                </a:ext>
-              </a:extLst>
-            </a:blip>
-            <a:stretch>
-              <a:fillRect/>
-            </a:stretch>
-          </p:blipFill>
-          <p:spPr>
-            <a:xfrm>
-              <a:off x="504597" y="1608869"/>
-              <a:ext cx="3657600" cy="1371600"/>
-            </a:xfrm>
-            <a:prstGeom prst="rect">
-              <a:avLst/>
-            </a:prstGeom>
-            <a:ln w="28575">
-              <a:solidFill>
-                <a:schemeClr val="tx1"/>
-              </a:solidFill>
-            </a:ln>
-          </p:spPr>
-        </p:pic>
         <p:sp>
           <p:nvSpPr>
             <p:cNvPr id="300" name="TextBox 299"/>
@@ -4226,7 +3599,7 @@
           </p:nvSpPr>
           <p:spPr>
             <a:xfrm>
-              <a:off x="800185" y="1552752"/>
+              <a:off x="818104" y="-4485"/>
               <a:ext cx="502920" cy="461665"/>
             </a:xfrm>
             <a:prstGeom prst="rect">
@@ -4259,7 +3632,7 @@
           </p:nvSpPr>
           <p:spPr>
             <a:xfrm>
-              <a:off x="2620555" y="1552752"/>
+              <a:off x="2638474" y="-4485"/>
               <a:ext cx="502920" cy="461665"/>
             </a:xfrm>
             <a:prstGeom prst="rect">
@@ -4292,7 +3665,7 @@
           </p:nvSpPr>
           <p:spPr>
             <a:xfrm>
-              <a:off x="2597695" y="2625129"/>
+              <a:off x="2615614" y="1067892"/>
               <a:ext cx="765810" cy="369332"/>
             </a:xfrm>
             <a:prstGeom prst="rect">
@@ -4325,7 +3698,7 @@
           </p:nvSpPr>
           <p:spPr>
             <a:xfrm>
-              <a:off x="770750" y="2625129"/>
+              <a:off x="788669" y="1067892"/>
               <a:ext cx="765810" cy="369332"/>
             </a:xfrm>
             <a:prstGeom prst="rect">
@@ -4358,7 +3731,7 @@
           </p:nvGrpSpPr>
           <p:grpSpPr>
             <a:xfrm>
-              <a:off x="3605817" y="2769314"/>
+              <a:off x="3623736" y="1212077"/>
               <a:ext cx="197575" cy="80962"/>
               <a:chOff x="3371850" y="2904422"/>
               <a:chExt cx="197575" cy="80962"/>
@@ -4478,7 +3851,7 @@
           </p:nvGrpSpPr>
           <p:grpSpPr>
             <a:xfrm>
-              <a:off x="1778757" y="2769314"/>
+              <a:off x="1796676" y="1212077"/>
               <a:ext cx="197575" cy="80962"/>
               <a:chOff x="3371850" y="2904422"/>
               <a:chExt cx="197575" cy="80962"/>
@@ -4598,7 +3971,7 @@
           </p:nvGrpSpPr>
           <p:grpSpPr>
             <a:xfrm>
-              <a:off x="3605817" y="1743103"/>
+              <a:off x="3623736" y="185866"/>
               <a:ext cx="197575" cy="80962"/>
               <a:chOff x="3371850" y="2904422"/>
               <a:chExt cx="197575" cy="80962"/>
@@ -4718,7 +4091,7 @@
           </p:nvGrpSpPr>
           <p:grpSpPr>
             <a:xfrm>
-              <a:off x="1778757" y="1743103"/>
+              <a:off x="1796676" y="185866"/>
               <a:ext cx="197575" cy="80962"/>
               <a:chOff x="3371850" y="2904422"/>
               <a:chExt cx="197575" cy="80962"/>
@@ -4830,48 +4203,48 @@
             </p:style>
           </p:cxnSp>
         </p:grpSp>
-        <p:sp>
-          <p:nvSpPr>
-            <p:cNvPr id="308" name="TextBox 307"/>
-            <p:cNvSpPr txBox="1"/>
-            <p:nvPr/>
-          </p:nvSpPr>
-          <p:spPr>
-            <a:xfrm>
-              <a:off x="454519" y="2055774"/>
-              <a:ext cx="1021404" cy="461665"/>
-            </a:xfrm>
-            <a:prstGeom prst="rect">
-              <a:avLst/>
-            </a:prstGeom>
-            <a:noFill/>
-          </p:spPr>
-          <p:txBody>
-            <a:bodyPr wrap="square" rtlCol="0">
-              <a:spAutoFit/>
-            </a:bodyPr>
-            <a:lstStyle/>
-            <a:p>
-              <a:r>
-                <a:rPr lang="en-US" sz="2400" dirty="0">
-                  <a:ln w="19050">
-                    <a:noFill/>
-                  </a:ln>
-                  <a:solidFill>
-                    <a:schemeClr val="bg1"/>
-                  </a:solidFill>
-                  <a:effectLst>
-                    <a:glow rad="63500">
-                      <a:schemeClr val="tx1"/>
-                    </a:glow>
-                  </a:effectLst>
-                </a:rPr>
-                <a:t>A</a:t>
-              </a:r>
-            </a:p>
-          </p:txBody>
-        </p:sp>
       </p:grpSp>
+      <p:sp>
+        <p:nvSpPr>
+          <p:cNvPr id="308" name="TextBox 307"/>
+          <p:cNvSpPr txBox="1"/>
+          <p:nvPr/>
+        </p:nvSpPr>
+        <p:spPr>
+          <a:xfrm>
+            <a:off x="472438" y="498537"/>
+            <a:ext cx="1021404" cy="461665"/>
+          </a:xfrm>
+          <a:prstGeom prst="rect">
+            <a:avLst/>
+          </a:prstGeom>
+          <a:noFill/>
+        </p:spPr>
+        <p:txBody>
+          <a:bodyPr wrap="square" rtlCol="0">
+            <a:spAutoFit/>
+          </a:bodyPr>
+          <a:lstStyle/>
+          <a:p>
+            <a:r>
+              <a:rPr lang="en-US" sz="2400" dirty="0">
+                <a:ln w="19050">
+                  <a:noFill/>
+                </a:ln>
+                <a:solidFill>
+                  <a:schemeClr val="bg1"/>
+                </a:solidFill>
+                <a:effectLst>
+                  <a:glow rad="63500">
+                    <a:schemeClr val="tx1"/>
+                  </a:glow>
+                </a:effectLst>
+              </a:rPr>
+              <a:t>A</a:t>
+            </a:r>
+          </a:p>
+        </p:txBody>
+      </p:sp>
       <p:sp>
         <p:nvSpPr>
           <p:cNvPr id="381" name="TextBox 380"/>
@@ -4930,9 +4303,10 @@
           <a:lstStyle/>
           <a:p>
             <a:r>
-              <a:rPr lang="en-US" dirty="0"/>
-              <a:t>A'</a:t>
+              <a:rPr lang="en-US" dirty="0" smtClean="0"/>
+              <a:t>A</a:t>
             </a:r>
+            <a:endParaRPr lang="en-US" dirty="0"/>
           </a:p>
         </p:txBody>
       </p:sp>
@@ -4959,9 +4333,10 @@
           <a:lstStyle/>
           <a:p>
             <a:r>
-              <a:rPr lang="en-US" dirty="0"/>
-              <a:t>A</a:t>
+              <a:rPr lang="en-US" dirty="0" smtClean="0"/>
+              <a:t>A’</a:t>
             </a:r>
+            <a:endParaRPr lang="en-US" dirty="0"/>
           </a:p>
         </p:txBody>
       </p:sp>
@@ -4988,9 +4363,10 @@
           <a:lstStyle/>
           <a:p>
             <a:r>
-              <a:rPr lang="en-US" dirty="0"/>
-              <a:t>A'</a:t>
+              <a:rPr lang="en-US" dirty="0" smtClean="0"/>
+              <a:t>A</a:t>
             </a:r>
+            <a:endParaRPr lang="en-US" dirty="0"/>
           </a:p>
         </p:txBody>
       </p:sp>
@@ -5017,9 +4393,10 @@
           <a:lstStyle/>
           <a:p>
             <a:r>
-              <a:rPr lang="en-US" dirty="0"/>
-              <a:t>A</a:t>
+              <a:rPr lang="en-US" dirty="0" smtClean="0"/>
+              <a:t>A’</a:t>
             </a:r>
+            <a:endParaRPr lang="en-US" dirty="0"/>
           </a:p>
         </p:txBody>
       </p:sp>
@@ -10043,6 +9420,7 @@
               <a:solidFill>
                 <a:schemeClr val="tx1"/>
               </a:solidFill>
+              <a:prstDash val="dash"/>
             </a:ln>
           </p:spPr>
           <p:style>
@@ -10078,7 +9456,7 @@
               <a:solidFill>
                 <a:schemeClr val="tx1"/>
               </a:solidFill>
-              <a:prstDash val="dash"/>
+              <a:prstDash val="solid"/>
             </a:ln>
           </p:spPr>
           <p:style>
@@ -10323,27 +9701,545 @@
       </p:grpSp>
       <p:grpSp>
         <p:nvGrpSpPr>
-          <p:cNvPr id="18" name="Group 17"/>
+          <p:cNvPr id="787" name="Group 786"/>
           <p:cNvGrpSpPr/>
           <p:nvPr/>
         </p:nvGrpSpPr>
         <p:grpSpPr>
           <a:xfrm>
-            <a:off x="4224528" y="-36585"/>
-            <a:ext cx="3913608" cy="4336652"/>
-            <a:chOff x="8022901" y="-37272"/>
-            <a:chExt cx="3913608" cy="4336652"/>
+            <a:off x="4224528" y="2902628"/>
+            <a:ext cx="3902803" cy="292388"/>
+            <a:chOff x="4483764" y="4814204"/>
+            <a:chExt cx="3902803" cy="292388"/>
           </a:xfrm>
         </p:grpSpPr>
+        <p:sp>
+          <p:nvSpPr>
+            <p:cNvPr id="788" name="TextBox 787"/>
+            <p:cNvSpPr txBox="1"/>
+            <p:nvPr/>
+          </p:nvSpPr>
+          <p:spPr>
+            <a:xfrm>
+              <a:off x="4483764" y="4814204"/>
+              <a:ext cx="277640" cy="292388"/>
+            </a:xfrm>
+            <a:prstGeom prst="rect">
+              <a:avLst/>
+            </a:prstGeom>
+            <a:noFill/>
+          </p:spPr>
+          <p:txBody>
+            <a:bodyPr wrap="none" rtlCol="0">
+              <a:spAutoFit/>
+            </a:bodyPr>
+            <a:lstStyle/>
+            <a:p>
+              <a:r>
+                <a:rPr lang="en-US" sz="1300" dirty="0">
+                  <a:latin typeface="Helvetica" charset="0"/>
+                  <a:ea typeface="Helvetica" charset="0"/>
+                  <a:cs typeface="Helvetica" charset="0"/>
+                </a:rPr>
+                <a:t>0</a:t>
+              </a:r>
+            </a:p>
+          </p:txBody>
+        </p:sp>
+        <p:sp>
+          <p:nvSpPr>
+            <p:cNvPr id="789" name="TextBox 788"/>
+            <p:cNvSpPr txBox="1"/>
+            <p:nvPr/>
+          </p:nvSpPr>
+          <p:spPr>
+            <a:xfrm>
+              <a:off x="5367622" y="4814204"/>
+              <a:ext cx="277640" cy="292388"/>
+            </a:xfrm>
+            <a:prstGeom prst="rect">
+              <a:avLst/>
+            </a:prstGeom>
+            <a:noFill/>
+          </p:spPr>
+          <p:txBody>
+            <a:bodyPr wrap="none" rtlCol="0">
+              <a:spAutoFit/>
+            </a:bodyPr>
+            <a:lstStyle/>
+            <a:p>
+              <a:r>
+                <a:rPr lang="en-US" sz="1300" dirty="0">
+                  <a:latin typeface="Helvetica" charset="0"/>
+                  <a:ea typeface="Helvetica" charset="0"/>
+                  <a:cs typeface="Helvetica" charset="0"/>
+                </a:rPr>
+                <a:t>5</a:t>
+              </a:r>
+            </a:p>
+          </p:txBody>
+        </p:sp>
+        <p:sp>
+          <p:nvSpPr>
+            <p:cNvPr id="790" name="TextBox 789"/>
+            <p:cNvSpPr txBox="1"/>
+            <p:nvPr/>
+          </p:nvSpPr>
+          <p:spPr>
+            <a:xfrm>
+              <a:off x="6235714" y="4814204"/>
+              <a:ext cx="370614" cy="292388"/>
+            </a:xfrm>
+            <a:prstGeom prst="rect">
+              <a:avLst/>
+            </a:prstGeom>
+            <a:noFill/>
+          </p:spPr>
+          <p:txBody>
+            <a:bodyPr wrap="none" rtlCol="0">
+              <a:spAutoFit/>
+            </a:bodyPr>
+            <a:lstStyle/>
+            <a:p>
+              <a:r>
+                <a:rPr lang="en-US" sz="1300" dirty="0">
+                  <a:latin typeface="Helvetica" charset="0"/>
+                  <a:ea typeface="Helvetica" charset="0"/>
+                  <a:cs typeface="Helvetica" charset="0"/>
+                </a:rPr>
+                <a:t>10</a:t>
+              </a:r>
+            </a:p>
+          </p:txBody>
+        </p:sp>
+        <p:sp>
+          <p:nvSpPr>
+            <p:cNvPr id="791" name="TextBox 790"/>
+            <p:cNvSpPr txBox="1"/>
+            <p:nvPr/>
+          </p:nvSpPr>
+          <p:spPr>
+            <a:xfrm>
+              <a:off x="7141599" y="4814204"/>
+              <a:ext cx="370614" cy="292388"/>
+            </a:xfrm>
+            <a:prstGeom prst="rect">
+              <a:avLst/>
+            </a:prstGeom>
+            <a:noFill/>
+          </p:spPr>
+          <p:txBody>
+            <a:bodyPr wrap="none" rtlCol="0">
+              <a:spAutoFit/>
+            </a:bodyPr>
+            <a:lstStyle/>
+            <a:p>
+              <a:r>
+                <a:rPr lang="en-US" sz="1300" dirty="0">
+                  <a:latin typeface="Helvetica" charset="0"/>
+                  <a:ea typeface="Helvetica" charset="0"/>
+                  <a:cs typeface="Helvetica" charset="0"/>
+                </a:rPr>
+                <a:t>15</a:t>
+              </a:r>
+            </a:p>
+          </p:txBody>
+        </p:sp>
+        <p:sp>
+          <p:nvSpPr>
+            <p:cNvPr id="792" name="TextBox 791"/>
+            <p:cNvSpPr txBox="1"/>
+            <p:nvPr/>
+          </p:nvSpPr>
+          <p:spPr>
+            <a:xfrm>
+              <a:off x="8015953" y="4814204"/>
+              <a:ext cx="370614" cy="292388"/>
+            </a:xfrm>
+            <a:prstGeom prst="rect">
+              <a:avLst/>
+            </a:prstGeom>
+            <a:noFill/>
+          </p:spPr>
+          <p:txBody>
+            <a:bodyPr wrap="none" rtlCol="0">
+              <a:spAutoFit/>
+            </a:bodyPr>
+            <a:lstStyle/>
+            <a:p>
+              <a:r>
+                <a:rPr lang="en-US" sz="1300">
+                  <a:latin typeface="Helvetica" charset="0"/>
+                  <a:ea typeface="Helvetica" charset="0"/>
+                  <a:cs typeface="Helvetica" charset="0"/>
+                </a:rPr>
+                <a:t>20</a:t>
+              </a:r>
+              <a:endParaRPr lang="en-US" sz="1300" dirty="0">
+                <a:latin typeface="Helvetica" charset="0"/>
+                <a:ea typeface="Helvetica" charset="0"/>
+                <a:cs typeface="Helvetica" charset="0"/>
+              </a:endParaRPr>
+            </a:p>
+          </p:txBody>
+        </p:sp>
+      </p:grpSp>
+      <p:sp>
+        <p:nvSpPr>
+          <p:cNvPr id="836" name="TextBox 835"/>
+          <p:cNvSpPr txBox="1"/>
+          <p:nvPr/>
+        </p:nvSpPr>
+        <p:spPr>
+          <a:xfrm>
+            <a:off x="5234923" y="3976902"/>
+            <a:ext cx="2070591" cy="323165"/>
+          </a:xfrm>
+          <a:prstGeom prst="rect">
+            <a:avLst/>
+          </a:prstGeom>
+          <a:noFill/>
+        </p:spPr>
+        <p:txBody>
+          <a:bodyPr wrap="square" rtlCol="0">
+            <a:spAutoFit/>
+          </a:bodyPr>
+          <a:lstStyle/>
+          <a:p>
+            <a:r>
+              <a:rPr lang="en-US" sz="1500" dirty="0" smtClean="0"/>
+              <a:t>Decelerator Axis (mm</a:t>
+            </a:r>
+            <a:r>
+              <a:rPr lang="en-US" sz="1500" dirty="0"/>
+              <a:t>)</a:t>
+            </a:r>
+          </a:p>
+        </p:txBody>
+      </p:sp>
+      <p:pic>
+        <p:nvPicPr>
+          <p:cNvPr id="5" name="Picture 4"/>
+          <p:cNvPicPr>
+            <a:picLocks noChangeAspect="1"/>
+          </p:cNvPicPr>
+          <p:nvPr/>
+        </p:nvPicPr>
+        <p:blipFill rotWithShape="1">
+          <a:blip r:embed="rId7"/>
+          <a:srcRect t="-1699" b="-1"/>
+          <a:stretch/>
+        </p:blipFill>
+        <p:spPr>
+          <a:xfrm>
+            <a:off x="4286705" y="3137079"/>
+            <a:ext cx="3763731" cy="827531"/>
+          </a:xfrm>
+          <a:prstGeom prst="rect">
+            <a:avLst/>
+          </a:prstGeom>
+        </p:spPr>
+      </p:pic>
+      <p:grpSp>
+        <p:nvGrpSpPr>
+          <p:cNvPr id="6" name="Group 5"/>
+          <p:cNvGrpSpPr/>
+          <p:nvPr/>
+        </p:nvGrpSpPr>
+        <p:grpSpPr>
+          <a:xfrm>
+            <a:off x="4235333" y="3101505"/>
+            <a:ext cx="3902803" cy="1066464"/>
+            <a:chOff x="8033706" y="3100818"/>
+            <a:chExt cx="3902803" cy="1066464"/>
+          </a:xfrm>
+        </p:grpSpPr>
+        <p:sp>
+          <p:nvSpPr>
+            <p:cNvPr id="718" name="TextBox 717"/>
+            <p:cNvSpPr txBox="1"/>
+            <p:nvPr/>
+          </p:nvSpPr>
+          <p:spPr>
+            <a:xfrm>
+              <a:off x="8904650" y="3224960"/>
+              <a:ext cx="559559" cy="369332"/>
+            </a:xfrm>
+            <a:prstGeom prst="rect">
+              <a:avLst/>
+            </a:prstGeom>
+            <a:noFill/>
+          </p:spPr>
+          <p:txBody>
+            <a:bodyPr wrap="square" rtlCol="0">
+              <a:spAutoFit/>
+            </a:bodyPr>
+            <a:lstStyle/>
+            <a:p>
+              <a:r>
+                <a:rPr lang="en-US" dirty="0" smtClean="0"/>
+                <a:t>A</a:t>
+              </a:r>
+              <a:endParaRPr lang="en-US" dirty="0"/>
+            </a:p>
+          </p:txBody>
+        </p:sp>
+        <p:sp>
+          <p:nvSpPr>
+            <p:cNvPr id="719" name="TextBox 718"/>
+            <p:cNvSpPr txBox="1"/>
+            <p:nvPr/>
+          </p:nvSpPr>
+          <p:spPr>
+            <a:xfrm>
+              <a:off x="9816058" y="3224960"/>
+              <a:ext cx="559559" cy="369332"/>
+            </a:xfrm>
+            <a:prstGeom prst="rect">
+              <a:avLst/>
+            </a:prstGeom>
+            <a:noFill/>
+          </p:spPr>
+          <p:txBody>
+            <a:bodyPr wrap="square" rtlCol="0">
+              <a:spAutoFit/>
+            </a:bodyPr>
+            <a:lstStyle/>
+            <a:p>
+              <a:r>
+                <a:rPr lang="en-US" dirty="0" smtClean="0"/>
+                <a:t>A’</a:t>
+              </a:r>
+              <a:endParaRPr lang="en-US" dirty="0"/>
+            </a:p>
+          </p:txBody>
+        </p:sp>
+        <p:sp>
+          <p:nvSpPr>
+            <p:cNvPr id="720" name="TextBox 719"/>
+            <p:cNvSpPr txBox="1"/>
+            <p:nvPr/>
+          </p:nvSpPr>
+          <p:spPr>
+            <a:xfrm>
+              <a:off x="10727466" y="3224960"/>
+              <a:ext cx="559559" cy="369332"/>
+            </a:xfrm>
+            <a:prstGeom prst="rect">
+              <a:avLst/>
+            </a:prstGeom>
+            <a:noFill/>
+          </p:spPr>
+          <p:txBody>
+            <a:bodyPr wrap="square" rtlCol="0">
+              <a:spAutoFit/>
+            </a:bodyPr>
+            <a:lstStyle/>
+            <a:p>
+              <a:r>
+                <a:rPr lang="en-US" dirty="0" smtClean="0"/>
+                <a:t>A</a:t>
+              </a:r>
+              <a:endParaRPr lang="en-US" dirty="0"/>
+            </a:p>
+          </p:txBody>
+        </p:sp>
+        <p:sp>
+          <p:nvSpPr>
+            <p:cNvPr id="721" name="TextBox 720"/>
+            <p:cNvSpPr txBox="1"/>
+            <p:nvPr/>
+          </p:nvSpPr>
+          <p:spPr>
+            <a:xfrm>
+              <a:off x="9360354" y="3526404"/>
+              <a:ext cx="559559" cy="369332"/>
+            </a:xfrm>
+            <a:prstGeom prst="rect">
+              <a:avLst/>
+            </a:prstGeom>
+            <a:noFill/>
+          </p:spPr>
+          <p:txBody>
+            <a:bodyPr wrap="square" rtlCol="0">
+              <a:spAutoFit/>
+            </a:bodyPr>
+            <a:lstStyle/>
+            <a:p>
+              <a:r>
+                <a:rPr lang="en-US" dirty="0" smtClean="0">
+                  <a:solidFill>
+                    <a:srgbClr val="FF0000"/>
+                  </a:solidFill>
+                </a:rPr>
+                <a:t>B’</a:t>
+              </a:r>
+              <a:endParaRPr lang="en-US" dirty="0">
+                <a:solidFill>
+                  <a:srgbClr val="FF0000"/>
+                </a:solidFill>
+              </a:endParaRPr>
+            </a:p>
+          </p:txBody>
+        </p:sp>
+        <p:sp>
+          <p:nvSpPr>
+            <p:cNvPr id="722" name="TextBox 721"/>
+            <p:cNvSpPr txBox="1"/>
+            <p:nvPr/>
+          </p:nvSpPr>
+          <p:spPr>
+            <a:xfrm>
+              <a:off x="10271762" y="3526404"/>
+              <a:ext cx="559559" cy="369332"/>
+            </a:xfrm>
+            <a:prstGeom prst="rect">
+              <a:avLst/>
+            </a:prstGeom>
+            <a:noFill/>
+          </p:spPr>
+          <p:txBody>
+            <a:bodyPr wrap="square" rtlCol="0">
+              <a:spAutoFit/>
+            </a:bodyPr>
+            <a:lstStyle/>
+            <a:p>
+              <a:r>
+                <a:rPr lang="en-US" dirty="0" smtClean="0">
+                  <a:solidFill>
+                    <a:srgbClr val="FF0000"/>
+                  </a:solidFill>
+                </a:rPr>
+                <a:t>C</a:t>
+              </a:r>
+              <a:endParaRPr lang="en-US" dirty="0">
+                <a:solidFill>
+                  <a:srgbClr val="FF0000"/>
+                </a:solidFill>
+              </a:endParaRPr>
+            </a:p>
+          </p:txBody>
+        </p:sp>
+        <p:sp>
+          <p:nvSpPr>
+            <p:cNvPr id="723" name="TextBox 722"/>
+            <p:cNvSpPr txBox="1"/>
+            <p:nvPr/>
+          </p:nvSpPr>
+          <p:spPr>
+            <a:xfrm>
+              <a:off x="11183170" y="3526404"/>
+              <a:ext cx="559559" cy="369332"/>
+            </a:xfrm>
+            <a:prstGeom prst="rect">
+              <a:avLst/>
+            </a:prstGeom>
+            <a:noFill/>
+          </p:spPr>
+          <p:txBody>
+            <a:bodyPr wrap="square" rtlCol="0">
+              <a:spAutoFit/>
+            </a:bodyPr>
+            <a:lstStyle/>
+            <a:p>
+              <a:r>
+                <a:rPr lang="en-US" dirty="0" smtClean="0">
+                  <a:solidFill>
+                    <a:srgbClr val="FF0000"/>
+                  </a:solidFill>
+                </a:rPr>
+                <a:t>C’</a:t>
+              </a:r>
+              <a:endParaRPr lang="en-US" dirty="0">
+                <a:solidFill>
+                  <a:srgbClr val="FF0000"/>
+                </a:solidFill>
+              </a:endParaRPr>
+            </a:p>
+          </p:txBody>
+        </p:sp>
+        <p:sp>
+          <p:nvSpPr>
+            <p:cNvPr id="724" name="TextBox 723"/>
+            <p:cNvSpPr txBox="1"/>
+            <p:nvPr/>
+          </p:nvSpPr>
+          <p:spPr>
+            <a:xfrm>
+              <a:off x="8448946" y="3526404"/>
+              <a:ext cx="559559" cy="369332"/>
+            </a:xfrm>
+            <a:prstGeom prst="rect">
+              <a:avLst/>
+            </a:prstGeom>
+            <a:noFill/>
+          </p:spPr>
+          <p:txBody>
+            <a:bodyPr wrap="square" rtlCol="0">
+              <a:spAutoFit/>
+            </a:bodyPr>
+            <a:lstStyle/>
+            <a:p>
+              <a:r>
+                <a:rPr lang="en-US" dirty="0" smtClean="0">
+                  <a:solidFill>
+                    <a:srgbClr val="FF0000"/>
+                  </a:solidFill>
+                </a:rPr>
+                <a:t>B</a:t>
+              </a:r>
+              <a:endParaRPr lang="en-US" dirty="0">
+                <a:solidFill>
+                  <a:srgbClr val="FF0000"/>
+                </a:solidFill>
+              </a:endParaRPr>
+            </a:p>
+          </p:txBody>
+        </p:sp>
+        <p:sp>
+          <p:nvSpPr>
+            <p:cNvPr id="785" name="TextBox 784"/>
+            <p:cNvSpPr txBox="1"/>
+            <p:nvPr/>
+          </p:nvSpPr>
+          <p:spPr>
+            <a:xfrm>
+              <a:off x="8151159" y="3100818"/>
+              <a:ext cx="887143" cy="369332"/>
+            </a:xfrm>
+            <a:prstGeom prst="rect">
+              <a:avLst/>
+            </a:prstGeom>
+            <a:noFill/>
+          </p:spPr>
+          <p:txBody>
+            <a:bodyPr wrap="square" rtlCol="0">
+              <a:spAutoFit/>
+            </a:bodyPr>
+            <a:lstStyle/>
+            <a:p>
+              <a:r>
+                <a:rPr lang="en-US" dirty="0">
+                  <a:effectLst>
+                    <a:glow rad="127000">
+                      <a:schemeClr val="bg1"/>
+                    </a:glow>
+                  </a:effectLst>
+                </a:rPr>
+                <a:t>F</a:t>
+              </a:r>
+            </a:p>
+          </p:txBody>
+        </p:sp>
         <p:grpSp>
           <p:nvGrpSpPr>
-            <p:cNvPr id="787" name="Group 786"/>
+            <p:cNvPr id="830" name="Group 829"/>
             <p:cNvGrpSpPr/>
             <p:nvPr/>
           </p:nvGrpSpPr>
           <p:grpSpPr>
             <a:xfrm>
-              <a:off x="8022901" y="2901941"/>
+              <a:off x="8033706" y="3874894"/>
               <a:ext cx="3902803" cy="292388"/>
               <a:chOff x="4483764" y="4814204"/>
               <a:chExt cx="3902803" cy="292388"/>
@@ -10351,7 +10247,7 @@
           </p:grpSpPr>
           <p:sp>
             <p:nvSpPr>
-              <p:cNvPr id="788" name="TextBox 787"/>
+              <p:cNvPr id="831" name="TextBox 830"/>
               <p:cNvSpPr txBox="1"/>
               <p:nvPr/>
             </p:nvSpPr>
@@ -10384,7 +10280,7 @@
           </p:sp>
           <p:sp>
             <p:nvSpPr>
-              <p:cNvPr id="789" name="TextBox 788"/>
+              <p:cNvPr id="832" name="TextBox 831"/>
               <p:cNvSpPr txBox="1"/>
               <p:nvPr/>
             </p:nvSpPr>
@@ -10417,7 +10313,7 @@
           </p:sp>
           <p:sp>
             <p:nvSpPr>
-              <p:cNvPr id="790" name="TextBox 789"/>
+              <p:cNvPr id="833" name="TextBox 832"/>
               <p:cNvSpPr txBox="1"/>
               <p:nvPr/>
             </p:nvSpPr>
@@ -10450,7 +10346,7 @@
           </p:sp>
           <p:sp>
             <p:nvSpPr>
-              <p:cNvPr id="791" name="TextBox 790"/>
+              <p:cNvPr id="834" name="TextBox 833"/>
               <p:cNvSpPr txBox="1"/>
               <p:nvPr/>
             </p:nvSpPr>
@@ -10483,7 +10379,7 @@
           </p:sp>
           <p:sp>
             <p:nvSpPr>
-              <p:cNvPr id="792" name="TextBox 791"/>
+              <p:cNvPr id="835" name="TextBox 834"/>
               <p:cNvSpPr txBox="1"/>
               <p:nvPr/>
             </p:nvSpPr>
@@ -10504,60 +10400,1324 @@
               <a:lstStyle/>
               <a:p>
                 <a:r>
-                  <a:rPr lang="en-US" sz="1300">
+                  <a:rPr lang="en-US" sz="1300" dirty="0">
                     <a:latin typeface="Helvetica" charset="0"/>
                     <a:ea typeface="Helvetica" charset="0"/>
                     <a:cs typeface="Helvetica" charset="0"/>
                   </a:rPr>
                   <a:t>20</a:t>
                 </a:r>
-                <a:endParaRPr lang="en-US" sz="1300" dirty="0">
-                  <a:latin typeface="Helvetica" charset="0"/>
-                  <a:ea typeface="Helvetica" charset="0"/>
-                  <a:cs typeface="Helvetica" charset="0"/>
-                </a:endParaRPr>
               </a:p>
             </p:txBody>
           </p:sp>
         </p:grpSp>
+      </p:grpSp>
+      <p:grpSp>
+        <p:nvGrpSpPr>
+          <p:cNvPr id="748" name="Group 747"/>
+          <p:cNvGrpSpPr/>
+          <p:nvPr/>
+        </p:nvGrpSpPr>
+        <p:grpSpPr>
+          <a:xfrm>
+            <a:off x="4286705" y="1535364"/>
+            <a:ext cx="3702613" cy="1371600"/>
+            <a:chOff x="4268547" y="1608869"/>
+            <a:chExt cx="3702613" cy="1371600"/>
+          </a:xfrm>
+        </p:grpSpPr>
+        <p:pic>
+          <p:nvPicPr>
+            <p:cNvPr id="749" name="Picture 748"/>
+            <p:cNvPicPr>
+              <a:picLocks noChangeAspect="1"/>
+            </p:cNvPicPr>
+            <p:nvPr/>
+          </p:nvPicPr>
+          <p:blipFill>
+            <a:blip r:embed="rId8">
+              <a:extLst>
+                <a:ext uri="{28A0092B-C50C-407E-A947-70E740481C1C}">
+                  <a14:useLocalDpi xmlns:a14="http://schemas.microsoft.com/office/drawing/2010/main" val="0"/>
+                </a:ext>
+              </a:extLst>
+            </a:blip>
+            <a:stretch>
+              <a:fillRect/>
+            </a:stretch>
+          </p:blipFill>
+          <p:spPr>
+            <a:xfrm rot="10800000">
+              <a:off x="4313560" y="1608869"/>
+              <a:ext cx="3657600" cy="1371600"/>
+            </a:xfrm>
+            <a:prstGeom prst="rect">
+              <a:avLst/>
+            </a:prstGeom>
+            <a:ln w="28575">
+              <a:solidFill>
+                <a:schemeClr val="tx1"/>
+              </a:solidFill>
+            </a:ln>
+          </p:spPr>
+        </p:pic>
+        <p:sp>
+          <p:nvSpPr>
+            <p:cNvPr id="758" name="TextBox 757"/>
+            <p:cNvSpPr txBox="1"/>
+            <p:nvPr/>
+          </p:nvSpPr>
+          <p:spPr>
+            <a:xfrm>
+              <a:off x="4268547" y="2056461"/>
+              <a:ext cx="1021404" cy="461665"/>
+            </a:xfrm>
+            <a:prstGeom prst="rect">
+              <a:avLst/>
+            </a:prstGeom>
+            <a:noFill/>
+          </p:spPr>
+          <p:txBody>
+            <a:bodyPr wrap="square" rtlCol="0">
+              <a:spAutoFit/>
+            </a:bodyPr>
+            <a:lstStyle/>
+            <a:p>
+              <a:r>
+                <a:rPr lang="en-US" sz="2400" dirty="0">
+                  <a:ln w="19050">
+                    <a:noFill/>
+                  </a:ln>
+                  <a:solidFill>
+                    <a:schemeClr val="bg1"/>
+                  </a:solidFill>
+                  <a:effectLst>
+                    <a:glow rad="63500">
+                      <a:schemeClr val="tx1"/>
+                    </a:glow>
+                  </a:effectLst>
+                </a:rPr>
+                <a:t>C</a:t>
+              </a:r>
+              <a:endParaRPr lang="en-US" sz="2400" dirty="0">
+                <a:ln w="19050">
+                  <a:noFill/>
+                </a:ln>
+                <a:solidFill>
+                  <a:schemeClr val="bg1"/>
+                </a:solidFill>
+                <a:effectLst>
+                  <a:glow rad="63500">
+                    <a:schemeClr val="tx1"/>
+                  </a:glow>
+                </a:effectLst>
+              </a:endParaRPr>
+            </a:p>
+          </p:txBody>
+        </p:sp>
+      </p:grpSp>
+      <p:grpSp>
+        <p:nvGrpSpPr>
+          <p:cNvPr id="844" name="Group 843"/>
+          <p:cNvGrpSpPr/>
+          <p:nvPr/>
+        </p:nvGrpSpPr>
+        <p:grpSpPr>
+          <a:xfrm>
+            <a:off x="4693037" y="1659554"/>
+            <a:ext cx="197575" cy="80962"/>
+            <a:chOff x="9528493" y="1365979"/>
+            <a:chExt cx="197575" cy="80962"/>
+          </a:xfrm>
+        </p:grpSpPr>
+        <p:cxnSp>
+          <p:nvCxnSpPr>
+            <p:cNvPr id="845" name="Straight Connector 844"/>
+            <p:cNvCxnSpPr/>
+            <p:nvPr/>
+          </p:nvCxnSpPr>
+          <p:spPr>
+            <a:xfrm>
+              <a:off x="9528493" y="1365979"/>
+              <a:ext cx="197575" cy="0"/>
+            </a:xfrm>
+            <a:prstGeom prst="line">
+              <a:avLst/>
+            </a:prstGeom>
+            <a:ln w="22225">
+              <a:solidFill>
+                <a:schemeClr val="bg1"/>
+              </a:solidFill>
+            </a:ln>
+          </p:spPr>
+          <p:style>
+            <a:lnRef idx="1">
+              <a:schemeClr val="accent1"/>
+            </a:lnRef>
+            <a:fillRef idx="0">
+              <a:schemeClr val="accent1"/>
+            </a:fillRef>
+            <a:effectRef idx="0">
+              <a:schemeClr val="accent1"/>
+            </a:effectRef>
+            <a:fontRef idx="minor">
+              <a:schemeClr val="tx1"/>
+            </a:fontRef>
+          </p:style>
+        </p:cxnSp>
+        <p:cxnSp>
+          <p:nvCxnSpPr>
+            <p:cNvPr id="846" name="Straight Connector 845"/>
+            <p:cNvCxnSpPr/>
+            <p:nvPr/>
+          </p:nvCxnSpPr>
+          <p:spPr>
+            <a:xfrm>
+              <a:off x="9554128" y="1406460"/>
+              <a:ext cx="146304" cy="0"/>
+            </a:xfrm>
+            <a:prstGeom prst="line">
+              <a:avLst/>
+            </a:prstGeom>
+            <a:ln w="22225">
+              <a:solidFill>
+                <a:schemeClr val="bg1"/>
+              </a:solidFill>
+            </a:ln>
+          </p:spPr>
+          <p:style>
+            <a:lnRef idx="1">
+              <a:schemeClr val="accent1"/>
+            </a:lnRef>
+            <a:fillRef idx="0">
+              <a:schemeClr val="accent1"/>
+            </a:fillRef>
+            <a:effectRef idx="0">
+              <a:schemeClr val="accent1"/>
+            </a:effectRef>
+            <a:fontRef idx="minor">
+              <a:schemeClr val="tx1"/>
+            </a:fontRef>
+          </p:style>
+        </p:cxnSp>
+        <p:cxnSp>
+          <p:nvCxnSpPr>
+            <p:cNvPr id="847" name="Straight Connector 846"/>
+            <p:cNvCxnSpPr/>
+            <p:nvPr/>
+          </p:nvCxnSpPr>
+          <p:spPr>
+            <a:xfrm>
+              <a:off x="9581560" y="1446941"/>
+              <a:ext cx="91440" cy="0"/>
+            </a:xfrm>
+            <a:prstGeom prst="line">
+              <a:avLst/>
+            </a:prstGeom>
+            <a:ln w="22225">
+              <a:solidFill>
+                <a:schemeClr val="bg1"/>
+              </a:solidFill>
+            </a:ln>
+          </p:spPr>
+          <p:style>
+            <a:lnRef idx="1">
+              <a:schemeClr val="accent1"/>
+            </a:lnRef>
+            <a:fillRef idx="0">
+              <a:schemeClr val="accent1"/>
+            </a:fillRef>
+            <a:effectRef idx="0">
+              <a:schemeClr val="accent1"/>
+            </a:effectRef>
+            <a:fontRef idx="minor">
+              <a:schemeClr val="tx1"/>
+            </a:fontRef>
+          </p:style>
+        </p:cxnSp>
+      </p:grpSp>
+      <p:grpSp>
+        <p:nvGrpSpPr>
+          <p:cNvPr id="848" name="Group 847"/>
+          <p:cNvGrpSpPr/>
+          <p:nvPr/>
+        </p:nvGrpSpPr>
+        <p:grpSpPr>
+          <a:xfrm>
+            <a:off x="6527444" y="1658061"/>
+            <a:ext cx="197575" cy="80962"/>
+            <a:chOff x="9528493" y="1365979"/>
+            <a:chExt cx="197575" cy="80962"/>
+          </a:xfrm>
+        </p:grpSpPr>
+        <p:cxnSp>
+          <p:nvCxnSpPr>
+            <p:cNvPr id="849" name="Straight Connector 848"/>
+            <p:cNvCxnSpPr/>
+            <p:nvPr/>
+          </p:nvCxnSpPr>
+          <p:spPr>
+            <a:xfrm>
+              <a:off x="9528493" y="1365979"/>
+              <a:ext cx="197575" cy="0"/>
+            </a:xfrm>
+            <a:prstGeom prst="line">
+              <a:avLst/>
+            </a:prstGeom>
+            <a:ln w="22225">
+              <a:solidFill>
+                <a:schemeClr val="bg1"/>
+              </a:solidFill>
+            </a:ln>
+          </p:spPr>
+          <p:style>
+            <a:lnRef idx="1">
+              <a:schemeClr val="accent1"/>
+            </a:lnRef>
+            <a:fillRef idx="0">
+              <a:schemeClr val="accent1"/>
+            </a:fillRef>
+            <a:effectRef idx="0">
+              <a:schemeClr val="accent1"/>
+            </a:effectRef>
+            <a:fontRef idx="minor">
+              <a:schemeClr val="tx1"/>
+            </a:fontRef>
+          </p:style>
+        </p:cxnSp>
+        <p:cxnSp>
+          <p:nvCxnSpPr>
+            <p:cNvPr id="850" name="Straight Connector 849"/>
+            <p:cNvCxnSpPr/>
+            <p:nvPr/>
+          </p:nvCxnSpPr>
+          <p:spPr>
+            <a:xfrm>
+              <a:off x="9554128" y="1406460"/>
+              <a:ext cx="146304" cy="0"/>
+            </a:xfrm>
+            <a:prstGeom prst="line">
+              <a:avLst/>
+            </a:prstGeom>
+            <a:ln w="22225">
+              <a:solidFill>
+                <a:schemeClr val="bg1"/>
+              </a:solidFill>
+            </a:ln>
+          </p:spPr>
+          <p:style>
+            <a:lnRef idx="1">
+              <a:schemeClr val="accent1"/>
+            </a:lnRef>
+            <a:fillRef idx="0">
+              <a:schemeClr val="accent1"/>
+            </a:fillRef>
+            <a:effectRef idx="0">
+              <a:schemeClr val="accent1"/>
+            </a:effectRef>
+            <a:fontRef idx="minor">
+              <a:schemeClr val="tx1"/>
+            </a:fontRef>
+          </p:style>
+        </p:cxnSp>
+        <p:cxnSp>
+          <p:nvCxnSpPr>
+            <p:cNvPr id="851" name="Straight Connector 850"/>
+            <p:cNvCxnSpPr/>
+            <p:nvPr/>
+          </p:nvCxnSpPr>
+          <p:spPr>
+            <a:xfrm>
+              <a:off x="9581560" y="1446941"/>
+              <a:ext cx="91440" cy="0"/>
+            </a:xfrm>
+            <a:prstGeom prst="line">
+              <a:avLst/>
+            </a:prstGeom>
+            <a:ln w="22225">
+              <a:solidFill>
+                <a:schemeClr val="bg1"/>
+              </a:solidFill>
+            </a:ln>
+          </p:spPr>
+          <p:style>
+            <a:lnRef idx="1">
+              <a:schemeClr val="accent1"/>
+            </a:lnRef>
+            <a:fillRef idx="0">
+              <a:schemeClr val="accent1"/>
+            </a:fillRef>
+            <a:effectRef idx="0">
+              <a:schemeClr val="accent1"/>
+            </a:effectRef>
+            <a:fontRef idx="minor">
+              <a:schemeClr val="tx1"/>
+            </a:fontRef>
+          </p:style>
+        </p:cxnSp>
+      </p:grpSp>
+      <p:grpSp>
+        <p:nvGrpSpPr>
+          <p:cNvPr id="23" name="Group 22"/>
+          <p:cNvGrpSpPr/>
+          <p:nvPr/>
+        </p:nvGrpSpPr>
+        <p:grpSpPr>
+          <a:xfrm>
+            <a:off x="4686314" y="2723327"/>
+            <a:ext cx="2031982" cy="82455"/>
+            <a:chOff x="5599030" y="1641760"/>
+            <a:chExt cx="2031982" cy="82455"/>
+          </a:xfrm>
+        </p:grpSpPr>
         <p:grpSp>
           <p:nvGrpSpPr>
-            <p:cNvPr id="15" name="Group 14"/>
+            <p:cNvPr id="852" name="Group 851"/>
             <p:cNvGrpSpPr/>
             <p:nvPr/>
           </p:nvGrpSpPr>
           <p:grpSpPr>
             <a:xfrm>
-              <a:off x="8033706" y="-37272"/>
-              <a:ext cx="3902803" cy="4336652"/>
-              <a:chOff x="8033706" y="-37272"/>
-              <a:chExt cx="3902803" cy="4336652"/>
+              <a:off x="5599030" y="1643253"/>
+              <a:ext cx="197575" cy="80962"/>
+              <a:chOff x="9528493" y="1365979"/>
+              <a:chExt cx="197575" cy="80962"/>
+            </a:xfrm>
+          </p:grpSpPr>
+          <p:cxnSp>
+            <p:nvCxnSpPr>
+              <p:cNvPr id="853" name="Straight Connector 852"/>
+              <p:cNvCxnSpPr/>
+              <p:nvPr/>
+            </p:nvCxnSpPr>
+            <p:spPr>
+              <a:xfrm>
+                <a:off x="9528493" y="1365979"/>
+                <a:ext cx="197575" cy="0"/>
+              </a:xfrm>
+              <a:prstGeom prst="line">
+                <a:avLst/>
+              </a:prstGeom>
+              <a:ln w="22225">
+                <a:solidFill>
+                  <a:schemeClr val="bg1"/>
+                </a:solidFill>
+              </a:ln>
+            </p:spPr>
+            <p:style>
+              <a:lnRef idx="1">
+                <a:schemeClr val="accent1"/>
+              </a:lnRef>
+              <a:fillRef idx="0">
+                <a:schemeClr val="accent1"/>
+              </a:fillRef>
+              <a:effectRef idx="0">
+                <a:schemeClr val="accent1"/>
+              </a:effectRef>
+              <a:fontRef idx="minor">
+                <a:schemeClr val="tx1"/>
+              </a:fontRef>
+            </p:style>
+          </p:cxnSp>
+          <p:cxnSp>
+            <p:nvCxnSpPr>
+              <p:cNvPr id="854" name="Straight Connector 853"/>
+              <p:cNvCxnSpPr/>
+              <p:nvPr/>
+            </p:nvCxnSpPr>
+            <p:spPr>
+              <a:xfrm>
+                <a:off x="9554128" y="1406460"/>
+                <a:ext cx="146304" cy="0"/>
+              </a:xfrm>
+              <a:prstGeom prst="line">
+                <a:avLst/>
+              </a:prstGeom>
+              <a:ln w="22225">
+                <a:solidFill>
+                  <a:schemeClr val="bg1"/>
+                </a:solidFill>
+              </a:ln>
+            </p:spPr>
+            <p:style>
+              <a:lnRef idx="1">
+                <a:schemeClr val="accent1"/>
+              </a:lnRef>
+              <a:fillRef idx="0">
+                <a:schemeClr val="accent1"/>
+              </a:fillRef>
+              <a:effectRef idx="0">
+                <a:schemeClr val="accent1"/>
+              </a:effectRef>
+              <a:fontRef idx="minor">
+                <a:schemeClr val="tx1"/>
+              </a:fontRef>
+            </p:style>
+          </p:cxnSp>
+          <p:cxnSp>
+            <p:nvCxnSpPr>
+              <p:cNvPr id="855" name="Straight Connector 854"/>
+              <p:cNvCxnSpPr/>
+              <p:nvPr/>
+            </p:nvCxnSpPr>
+            <p:spPr>
+              <a:xfrm>
+                <a:off x="9581560" y="1446941"/>
+                <a:ext cx="91440" cy="0"/>
+              </a:xfrm>
+              <a:prstGeom prst="line">
+                <a:avLst/>
+              </a:prstGeom>
+              <a:ln w="22225">
+                <a:solidFill>
+                  <a:schemeClr val="bg1"/>
+                </a:solidFill>
+              </a:ln>
+            </p:spPr>
+            <p:style>
+              <a:lnRef idx="1">
+                <a:schemeClr val="accent1"/>
+              </a:lnRef>
+              <a:fillRef idx="0">
+                <a:schemeClr val="accent1"/>
+              </a:fillRef>
+              <a:effectRef idx="0">
+                <a:schemeClr val="accent1"/>
+              </a:effectRef>
+              <a:fontRef idx="minor">
+                <a:schemeClr val="tx1"/>
+              </a:fontRef>
+            </p:style>
+          </p:cxnSp>
+        </p:grpSp>
+        <p:grpSp>
+          <p:nvGrpSpPr>
+            <p:cNvPr id="856" name="Group 855"/>
+            <p:cNvGrpSpPr/>
+            <p:nvPr/>
+          </p:nvGrpSpPr>
+          <p:grpSpPr>
+            <a:xfrm>
+              <a:off x="7433437" y="1641760"/>
+              <a:ext cx="197575" cy="80962"/>
+              <a:chOff x="9528493" y="1365979"/>
+              <a:chExt cx="197575" cy="80962"/>
+            </a:xfrm>
+          </p:grpSpPr>
+          <p:cxnSp>
+            <p:nvCxnSpPr>
+              <p:cNvPr id="857" name="Straight Connector 856"/>
+              <p:cNvCxnSpPr/>
+              <p:nvPr/>
+            </p:nvCxnSpPr>
+            <p:spPr>
+              <a:xfrm>
+                <a:off x="9528493" y="1365979"/>
+                <a:ext cx="197575" cy="0"/>
+              </a:xfrm>
+              <a:prstGeom prst="line">
+                <a:avLst/>
+              </a:prstGeom>
+              <a:ln w="22225">
+                <a:solidFill>
+                  <a:schemeClr val="bg1"/>
+                </a:solidFill>
+              </a:ln>
+            </p:spPr>
+            <p:style>
+              <a:lnRef idx="1">
+                <a:schemeClr val="accent1"/>
+              </a:lnRef>
+              <a:fillRef idx="0">
+                <a:schemeClr val="accent1"/>
+              </a:fillRef>
+              <a:effectRef idx="0">
+                <a:schemeClr val="accent1"/>
+              </a:effectRef>
+              <a:fontRef idx="minor">
+                <a:schemeClr val="tx1"/>
+              </a:fontRef>
+            </p:style>
+          </p:cxnSp>
+          <p:cxnSp>
+            <p:nvCxnSpPr>
+              <p:cNvPr id="858" name="Straight Connector 857"/>
+              <p:cNvCxnSpPr/>
+              <p:nvPr/>
+            </p:nvCxnSpPr>
+            <p:spPr>
+              <a:xfrm>
+                <a:off x="9554128" y="1406460"/>
+                <a:ext cx="146304" cy="0"/>
+              </a:xfrm>
+              <a:prstGeom prst="line">
+                <a:avLst/>
+              </a:prstGeom>
+              <a:ln w="22225">
+                <a:solidFill>
+                  <a:schemeClr val="bg1"/>
+                </a:solidFill>
+              </a:ln>
+            </p:spPr>
+            <p:style>
+              <a:lnRef idx="1">
+                <a:schemeClr val="accent1"/>
+              </a:lnRef>
+              <a:fillRef idx="0">
+                <a:schemeClr val="accent1"/>
+              </a:fillRef>
+              <a:effectRef idx="0">
+                <a:schemeClr val="accent1"/>
+              </a:effectRef>
+              <a:fontRef idx="minor">
+                <a:schemeClr val="tx1"/>
+              </a:fontRef>
+            </p:style>
+          </p:cxnSp>
+          <p:cxnSp>
+            <p:nvCxnSpPr>
+              <p:cNvPr id="859" name="Straight Connector 858"/>
+              <p:cNvCxnSpPr/>
+              <p:nvPr/>
+            </p:nvCxnSpPr>
+            <p:spPr>
+              <a:xfrm>
+                <a:off x="9581560" y="1446941"/>
+                <a:ext cx="91440" cy="0"/>
+              </a:xfrm>
+              <a:prstGeom prst="line">
+                <a:avLst/>
+              </a:prstGeom>
+              <a:ln w="22225">
+                <a:solidFill>
+                  <a:schemeClr val="bg1"/>
+                </a:solidFill>
+              </a:ln>
+            </p:spPr>
+            <p:style>
+              <a:lnRef idx="1">
+                <a:schemeClr val="accent1"/>
+              </a:lnRef>
+              <a:fillRef idx="0">
+                <a:schemeClr val="accent1"/>
+              </a:fillRef>
+              <a:effectRef idx="0">
+                <a:schemeClr val="accent1"/>
+              </a:effectRef>
+              <a:fontRef idx="minor">
+                <a:schemeClr val="tx1"/>
+              </a:fontRef>
+            </p:style>
+          </p:cxnSp>
+        </p:grpSp>
+      </p:grpSp>
+      <p:grpSp>
+        <p:nvGrpSpPr>
+          <p:cNvPr id="860" name="Group 859"/>
+          <p:cNvGrpSpPr/>
+          <p:nvPr/>
+        </p:nvGrpSpPr>
+        <p:grpSpPr>
+          <a:xfrm>
+            <a:off x="5599030" y="2721234"/>
+            <a:ext cx="197575" cy="80962"/>
+            <a:chOff x="9528493" y="1365979"/>
+            <a:chExt cx="197575" cy="80962"/>
+          </a:xfrm>
+        </p:grpSpPr>
+        <p:cxnSp>
+          <p:nvCxnSpPr>
+            <p:cNvPr id="861" name="Straight Connector 860"/>
+            <p:cNvCxnSpPr/>
+            <p:nvPr/>
+          </p:nvCxnSpPr>
+          <p:spPr>
+            <a:xfrm>
+              <a:off x="9528493" y="1365979"/>
+              <a:ext cx="197575" cy="0"/>
+            </a:xfrm>
+            <a:prstGeom prst="line">
+              <a:avLst/>
+            </a:prstGeom>
+            <a:ln w="22225">
+              <a:solidFill>
+                <a:schemeClr val="bg1"/>
+              </a:solidFill>
+            </a:ln>
+          </p:spPr>
+          <p:style>
+            <a:lnRef idx="1">
+              <a:schemeClr val="accent1"/>
+            </a:lnRef>
+            <a:fillRef idx="0">
+              <a:schemeClr val="accent1"/>
+            </a:fillRef>
+            <a:effectRef idx="0">
+              <a:schemeClr val="accent1"/>
+            </a:effectRef>
+            <a:fontRef idx="minor">
+              <a:schemeClr val="tx1"/>
+            </a:fontRef>
+          </p:style>
+        </p:cxnSp>
+        <p:cxnSp>
+          <p:nvCxnSpPr>
+            <p:cNvPr id="862" name="Straight Connector 861"/>
+            <p:cNvCxnSpPr/>
+            <p:nvPr/>
+          </p:nvCxnSpPr>
+          <p:spPr>
+            <a:xfrm>
+              <a:off x="9554128" y="1406460"/>
+              <a:ext cx="146304" cy="0"/>
+            </a:xfrm>
+            <a:prstGeom prst="line">
+              <a:avLst/>
+            </a:prstGeom>
+            <a:ln w="22225">
+              <a:solidFill>
+                <a:schemeClr val="bg1"/>
+              </a:solidFill>
+            </a:ln>
+          </p:spPr>
+          <p:style>
+            <a:lnRef idx="1">
+              <a:schemeClr val="accent1"/>
+            </a:lnRef>
+            <a:fillRef idx="0">
+              <a:schemeClr val="accent1"/>
+            </a:fillRef>
+            <a:effectRef idx="0">
+              <a:schemeClr val="accent1"/>
+            </a:effectRef>
+            <a:fontRef idx="minor">
+              <a:schemeClr val="tx1"/>
+            </a:fontRef>
+          </p:style>
+        </p:cxnSp>
+        <p:cxnSp>
+          <p:nvCxnSpPr>
+            <p:cNvPr id="863" name="Straight Connector 862"/>
+            <p:cNvCxnSpPr/>
+            <p:nvPr/>
+          </p:nvCxnSpPr>
+          <p:spPr>
+            <a:xfrm>
+              <a:off x="9581560" y="1446941"/>
+              <a:ext cx="91440" cy="0"/>
+            </a:xfrm>
+            <a:prstGeom prst="line">
+              <a:avLst/>
+            </a:prstGeom>
+            <a:ln w="22225">
+              <a:solidFill>
+                <a:schemeClr val="bg1"/>
+              </a:solidFill>
+            </a:ln>
+          </p:spPr>
+          <p:style>
+            <a:lnRef idx="1">
+              <a:schemeClr val="accent1"/>
+            </a:lnRef>
+            <a:fillRef idx="0">
+              <a:schemeClr val="accent1"/>
+            </a:fillRef>
+            <a:effectRef idx="0">
+              <a:schemeClr val="accent1"/>
+            </a:effectRef>
+            <a:fontRef idx="minor">
+              <a:schemeClr val="tx1"/>
+            </a:fontRef>
+          </p:style>
+        </p:cxnSp>
+      </p:grpSp>
+      <p:grpSp>
+        <p:nvGrpSpPr>
+          <p:cNvPr id="864" name="Group 863"/>
+          <p:cNvGrpSpPr/>
+          <p:nvPr/>
+        </p:nvGrpSpPr>
+        <p:grpSpPr>
+          <a:xfrm>
+            <a:off x="7433437" y="2719741"/>
+            <a:ext cx="197575" cy="80962"/>
+            <a:chOff x="9528493" y="1365979"/>
+            <a:chExt cx="197575" cy="80962"/>
+          </a:xfrm>
+        </p:grpSpPr>
+        <p:cxnSp>
+          <p:nvCxnSpPr>
+            <p:cNvPr id="865" name="Straight Connector 864"/>
+            <p:cNvCxnSpPr/>
+            <p:nvPr/>
+          </p:nvCxnSpPr>
+          <p:spPr>
+            <a:xfrm>
+              <a:off x="9528493" y="1365979"/>
+              <a:ext cx="197575" cy="0"/>
+            </a:xfrm>
+            <a:prstGeom prst="line">
+              <a:avLst/>
+            </a:prstGeom>
+            <a:ln w="22225">
+              <a:solidFill>
+                <a:schemeClr val="bg1"/>
+              </a:solidFill>
+            </a:ln>
+          </p:spPr>
+          <p:style>
+            <a:lnRef idx="1">
+              <a:schemeClr val="accent1"/>
+            </a:lnRef>
+            <a:fillRef idx="0">
+              <a:schemeClr val="accent1"/>
+            </a:fillRef>
+            <a:effectRef idx="0">
+              <a:schemeClr val="accent1"/>
+            </a:effectRef>
+            <a:fontRef idx="minor">
+              <a:schemeClr val="tx1"/>
+            </a:fontRef>
+          </p:style>
+        </p:cxnSp>
+        <p:cxnSp>
+          <p:nvCxnSpPr>
+            <p:cNvPr id="866" name="Straight Connector 865"/>
+            <p:cNvCxnSpPr/>
+            <p:nvPr/>
+          </p:nvCxnSpPr>
+          <p:spPr>
+            <a:xfrm>
+              <a:off x="9554128" y="1406460"/>
+              <a:ext cx="146304" cy="0"/>
+            </a:xfrm>
+            <a:prstGeom prst="line">
+              <a:avLst/>
+            </a:prstGeom>
+            <a:ln w="22225">
+              <a:solidFill>
+                <a:schemeClr val="bg1"/>
+              </a:solidFill>
+            </a:ln>
+          </p:spPr>
+          <p:style>
+            <a:lnRef idx="1">
+              <a:schemeClr val="accent1"/>
+            </a:lnRef>
+            <a:fillRef idx="0">
+              <a:schemeClr val="accent1"/>
+            </a:fillRef>
+            <a:effectRef idx="0">
+              <a:schemeClr val="accent1"/>
+            </a:effectRef>
+            <a:fontRef idx="minor">
+              <a:schemeClr val="tx1"/>
+            </a:fontRef>
+          </p:style>
+        </p:cxnSp>
+        <p:cxnSp>
+          <p:nvCxnSpPr>
+            <p:cNvPr id="867" name="Straight Connector 866"/>
+            <p:cNvCxnSpPr/>
+            <p:nvPr/>
+          </p:nvCxnSpPr>
+          <p:spPr>
+            <a:xfrm>
+              <a:off x="9581560" y="1446941"/>
+              <a:ext cx="91440" cy="0"/>
+            </a:xfrm>
+            <a:prstGeom prst="line">
+              <a:avLst/>
+            </a:prstGeom>
+            <a:ln w="22225">
+              <a:solidFill>
+                <a:schemeClr val="bg1"/>
+              </a:solidFill>
+            </a:ln>
+          </p:spPr>
+          <p:style>
+            <a:lnRef idx="1">
+              <a:schemeClr val="accent1"/>
+            </a:lnRef>
+            <a:fillRef idx="0">
+              <a:schemeClr val="accent1"/>
+            </a:fillRef>
+            <a:effectRef idx="0">
+              <a:schemeClr val="accent1"/>
+            </a:effectRef>
+            <a:fontRef idx="minor">
+              <a:schemeClr val="tx1"/>
+            </a:fontRef>
+          </p:style>
+        </p:cxnSp>
+      </p:grpSp>
+      <p:grpSp>
+        <p:nvGrpSpPr>
+          <p:cNvPr id="359" name="Group 358"/>
+          <p:cNvGrpSpPr/>
+          <p:nvPr/>
+        </p:nvGrpSpPr>
+        <p:grpSpPr>
+          <a:xfrm>
+            <a:off x="4310502" y="1520058"/>
+            <a:ext cx="47339" cy="1396131"/>
+            <a:chOff x="8537448" y="2183518"/>
+            <a:chExt cx="265176" cy="768872"/>
+          </a:xfrm>
+        </p:grpSpPr>
+        <p:cxnSp>
+          <p:nvCxnSpPr>
+            <p:cNvPr id="366" name="Straight Connector 365"/>
+            <p:cNvCxnSpPr/>
+            <p:nvPr/>
+          </p:nvCxnSpPr>
+          <p:spPr>
+            <a:xfrm>
+              <a:off x="8537448" y="2183518"/>
+              <a:ext cx="265176" cy="0"/>
+            </a:xfrm>
+            <a:prstGeom prst="line">
+              <a:avLst/>
+            </a:prstGeom>
+            <a:ln w="22225">
+              <a:solidFill>
+                <a:schemeClr val="tx1"/>
+              </a:solidFill>
+            </a:ln>
+          </p:spPr>
+          <p:style>
+            <a:lnRef idx="1">
+              <a:schemeClr val="accent1"/>
+            </a:lnRef>
+            <a:fillRef idx="0">
+              <a:schemeClr val="accent1"/>
+            </a:fillRef>
+            <a:effectRef idx="0">
+              <a:schemeClr val="accent1"/>
+            </a:effectRef>
+            <a:fontRef idx="minor">
+              <a:schemeClr val="tx1"/>
+            </a:fontRef>
+          </p:style>
+        </p:cxnSp>
+        <p:cxnSp>
+          <p:nvCxnSpPr>
+            <p:cNvPr id="367" name="Straight Connector 366"/>
+            <p:cNvCxnSpPr/>
+            <p:nvPr/>
+          </p:nvCxnSpPr>
+          <p:spPr>
+            <a:xfrm>
+              <a:off x="8537448" y="2375736"/>
+              <a:ext cx="265176" cy="0"/>
+            </a:xfrm>
+            <a:prstGeom prst="line">
+              <a:avLst/>
+            </a:prstGeom>
+            <a:ln w="22225">
+              <a:solidFill>
+                <a:schemeClr val="tx1"/>
+              </a:solidFill>
+            </a:ln>
+          </p:spPr>
+          <p:style>
+            <a:lnRef idx="1">
+              <a:schemeClr val="accent1"/>
+            </a:lnRef>
+            <a:fillRef idx="0">
+              <a:schemeClr val="accent1"/>
+            </a:fillRef>
+            <a:effectRef idx="0">
+              <a:schemeClr val="accent1"/>
+            </a:effectRef>
+            <a:fontRef idx="minor">
+              <a:schemeClr val="tx1"/>
+            </a:fontRef>
+          </p:style>
+        </p:cxnSp>
+        <p:cxnSp>
+          <p:nvCxnSpPr>
+            <p:cNvPr id="368" name="Straight Connector 367"/>
+            <p:cNvCxnSpPr/>
+            <p:nvPr/>
+          </p:nvCxnSpPr>
+          <p:spPr>
+            <a:xfrm>
+              <a:off x="8537448" y="2567954"/>
+              <a:ext cx="265176" cy="0"/>
+            </a:xfrm>
+            <a:prstGeom prst="line">
+              <a:avLst/>
+            </a:prstGeom>
+            <a:ln w="22225">
+              <a:solidFill>
+                <a:schemeClr val="tx1"/>
+              </a:solidFill>
+            </a:ln>
+          </p:spPr>
+          <p:style>
+            <a:lnRef idx="1">
+              <a:schemeClr val="accent1"/>
+            </a:lnRef>
+            <a:fillRef idx="0">
+              <a:schemeClr val="accent1"/>
+            </a:fillRef>
+            <a:effectRef idx="0">
+              <a:schemeClr val="accent1"/>
+            </a:effectRef>
+            <a:fontRef idx="minor">
+              <a:schemeClr val="tx1"/>
+            </a:fontRef>
+          </p:style>
+        </p:cxnSp>
+        <p:cxnSp>
+          <p:nvCxnSpPr>
+            <p:cNvPr id="369" name="Straight Connector 368"/>
+            <p:cNvCxnSpPr/>
+            <p:nvPr/>
+          </p:nvCxnSpPr>
+          <p:spPr>
+            <a:xfrm>
+              <a:off x="8537448" y="2760172"/>
+              <a:ext cx="265176" cy="0"/>
+            </a:xfrm>
+            <a:prstGeom prst="line">
+              <a:avLst/>
+            </a:prstGeom>
+            <a:ln w="22225">
+              <a:solidFill>
+                <a:schemeClr val="tx1"/>
+              </a:solidFill>
+            </a:ln>
+          </p:spPr>
+          <p:style>
+            <a:lnRef idx="1">
+              <a:schemeClr val="accent1"/>
+            </a:lnRef>
+            <a:fillRef idx="0">
+              <a:schemeClr val="accent1"/>
+            </a:fillRef>
+            <a:effectRef idx="0">
+              <a:schemeClr val="accent1"/>
+            </a:effectRef>
+            <a:fontRef idx="minor">
+              <a:schemeClr val="tx1"/>
+            </a:fontRef>
+          </p:style>
+        </p:cxnSp>
+        <p:cxnSp>
+          <p:nvCxnSpPr>
+            <p:cNvPr id="370" name="Straight Connector 369"/>
+            <p:cNvCxnSpPr/>
+            <p:nvPr/>
+          </p:nvCxnSpPr>
+          <p:spPr>
+            <a:xfrm>
+              <a:off x="8537448" y="2952390"/>
+              <a:ext cx="265176" cy="0"/>
+            </a:xfrm>
+            <a:prstGeom prst="line">
+              <a:avLst/>
+            </a:prstGeom>
+            <a:ln w="22225">
+              <a:solidFill>
+                <a:schemeClr val="tx1"/>
+              </a:solidFill>
+            </a:ln>
+          </p:spPr>
+          <p:style>
+            <a:lnRef idx="1">
+              <a:schemeClr val="accent1"/>
+            </a:lnRef>
+            <a:fillRef idx="0">
+              <a:schemeClr val="accent1"/>
+            </a:fillRef>
+            <a:effectRef idx="0">
+              <a:schemeClr val="accent1"/>
+            </a:effectRef>
+            <a:fontRef idx="minor">
+              <a:schemeClr val="tx1"/>
+            </a:fontRef>
+          </p:style>
+        </p:cxnSp>
+      </p:grpSp>
+      <p:grpSp>
+        <p:nvGrpSpPr>
+          <p:cNvPr id="360" name="Group 359"/>
+          <p:cNvGrpSpPr/>
+          <p:nvPr/>
+        </p:nvGrpSpPr>
+        <p:grpSpPr>
+          <a:xfrm>
+            <a:off x="4313533" y="2870552"/>
+            <a:ext cx="3680421" cy="46383"/>
+            <a:chOff x="1957787" y="5948602"/>
+            <a:chExt cx="3647347" cy="45720"/>
+          </a:xfrm>
+        </p:grpSpPr>
+        <p:cxnSp>
+          <p:nvCxnSpPr>
+            <p:cNvPr id="361" name="Straight Connector 360"/>
+            <p:cNvCxnSpPr/>
+            <p:nvPr/>
+          </p:nvCxnSpPr>
+          <p:spPr>
+            <a:xfrm>
+              <a:off x="5605134" y="5948602"/>
+              <a:ext cx="0" cy="45720"/>
+            </a:xfrm>
+            <a:prstGeom prst="line">
+              <a:avLst/>
+            </a:prstGeom>
+            <a:ln w="22225">
+              <a:solidFill>
+                <a:schemeClr val="tx1"/>
+              </a:solidFill>
+            </a:ln>
+          </p:spPr>
+          <p:style>
+            <a:lnRef idx="1">
+              <a:schemeClr val="accent1"/>
+            </a:lnRef>
+            <a:fillRef idx="0">
+              <a:schemeClr val="accent1"/>
+            </a:fillRef>
+            <a:effectRef idx="0">
+              <a:schemeClr val="accent1"/>
+            </a:effectRef>
+            <a:fontRef idx="minor">
+              <a:schemeClr val="tx1"/>
+            </a:fontRef>
+          </p:style>
+        </p:cxnSp>
+        <p:cxnSp>
+          <p:nvCxnSpPr>
+            <p:cNvPr id="362" name="Straight Connector 361"/>
+            <p:cNvCxnSpPr/>
+            <p:nvPr/>
+          </p:nvCxnSpPr>
+          <p:spPr>
+            <a:xfrm>
+              <a:off x="1957787" y="5948602"/>
+              <a:ext cx="0" cy="45720"/>
+            </a:xfrm>
+            <a:prstGeom prst="line">
+              <a:avLst/>
+            </a:prstGeom>
+            <a:ln w="22225">
+              <a:solidFill>
+                <a:schemeClr val="tx1"/>
+              </a:solidFill>
+            </a:ln>
+          </p:spPr>
+          <p:style>
+            <a:lnRef idx="1">
+              <a:schemeClr val="accent1"/>
+            </a:lnRef>
+            <a:fillRef idx="0">
+              <a:schemeClr val="accent1"/>
+            </a:fillRef>
+            <a:effectRef idx="0">
+              <a:schemeClr val="accent1"/>
+            </a:effectRef>
+            <a:fontRef idx="minor">
+              <a:schemeClr val="tx1"/>
+            </a:fontRef>
+          </p:style>
+        </p:cxnSp>
+        <p:cxnSp>
+          <p:nvCxnSpPr>
+            <p:cNvPr id="363" name="Straight Connector 362"/>
+            <p:cNvCxnSpPr/>
+            <p:nvPr/>
+          </p:nvCxnSpPr>
+          <p:spPr>
+            <a:xfrm>
+              <a:off x="2872492" y="5948602"/>
+              <a:ext cx="0" cy="45720"/>
+            </a:xfrm>
+            <a:prstGeom prst="line">
+              <a:avLst/>
+            </a:prstGeom>
+            <a:ln w="22225">
+              <a:solidFill>
+                <a:schemeClr val="tx1"/>
+              </a:solidFill>
+            </a:ln>
+          </p:spPr>
+          <p:style>
+            <a:lnRef idx="1">
+              <a:schemeClr val="accent1"/>
+            </a:lnRef>
+            <a:fillRef idx="0">
+              <a:schemeClr val="accent1"/>
+            </a:fillRef>
+            <a:effectRef idx="0">
+              <a:schemeClr val="accent1"/>
+            </a:effectRef>
+            <a:fontRef idx="minor">
+              <a:schemeClr val="tx1"/>
+            </a:fontRef>
+          </p:style>
+        </p:cxnSp>
+        <p:cxnSp>
+          <p:nvCxnSpPr>
+            <p:cNvPr id="364" name="Straight Connector 363"/>
+            <p:cNvCxnSpPr/>
+            <p:nvPr/>
+          </p:nvCxnSpPr>
+          <p:spPr>
+            <a:xfrm>
+              <a:off x="3787197" y="5948602"/>
+              <a:ext cx="0" cy="45720"/>
+            </a:xfrm>
+            <a:prstGeom prst="line">
+              <a:avLst/>
+            </a:prstGeom>
+            <a:ln w="22225">
+              <a:solidFill>
+                <a:schemeClr val="tx1"/>
+              </a:solidFill>
+            </a:ln>
+          </p:spPr>
+          <p:style>
+            <a:lnRef idx="1">
+              <a:schemeClr val="accent1"/>
+            </a:lnRef>
+            <a:fillRef idx="0">
+              <a:schemeClr val="accent1"/>
+            </a:fillRef>
+            <a:effectRef idx="0">
+              <a:schemeClr val="accent1"/>
+            </a:effectRef>
+            <a:fontRef idx="minor">
+              <a:schemeClr val="tx1"/>
+            </a:fontRef>
+          </p:style>
+        </p:cxnSp>
+        <p:cxnSp>
+          <p:nvCxnSpPr>
+            <p:cNvPr id="365" name="Straight Connector 364"/>
+            <p:cNvCxnSpPr/>
+            <p:nvPr/>
+          </p:nvCxnSpPr>
+          <p:spPr>
+            <a:xfrm>
+              <a:off x="4701902" y="5948602"/>
+              <a:ext cx="0" cy="45720"/>
+            </a:xfrm>
+            <a:prstGeom prst="line">
+              <a:avLst/>
+            </a:prstGeom>
+            <a:ln w="22225">
+              <a:solidFill>
+                <a:schemeClr val="tx1"/>
+              </a:solidFill>
+            </a:ln>
+          </p:spPr>
+          <p:style>
+            <a:lnRef idx="1">
+              <a:schemeClr val="accent1"/>
+            </a:lnRef>
+            <a:fillRef idx="0">
+              <a:schemeClr val="accent1"/>
+            </a:fillRef>
+            <a:effectRef idx="0">
+              <a:schemeClr val="accent1"/>
+            </a:effectRef>
+            <a:fontRef idx="minor">
+              <a:schemeClr val="tx1"/>
+            </a:fontRef>
+          </p:style>
+        </p:cxnSp>
+      </p:grpSp>
+      <p:grpSp>
+        <p:nvGrpSpPr>
+          <p:cNvPr id="12" name="Group 11"/>
+          <p:cNvGrpSpPr/>
+          <p:nvPr/>
+        </p:nvGrpSpPr>
+        <p:grpSpPr>
+          <a:xfrm>
+            <a:off x="4276574" y="33955"/>
+            <a:ext cx="3721521" cy="1878230"/>
+            <a:chOff x="8074947" y="33268"/>
+            <a:chExt cx="3721521" cy="1878230"/>
+          </a:xfrm>
+        </p:grpSpPr>
+        <p:grpSp>
+          <p:nvGrpSpPr>
+            <p:cNvPr id="4" name="Group 3"/>
+            <p:cNvGrpSpPr/>
+            <p:nvPr/>
+          </p:nvGrpSpPr>
+          <p:grpSpPr>
+            <a:xfrm>
+              <a:off x="8074947" y="48250"/>
+              <a:ext cx="3712742" cy="1863248"/>
+              <a:chOff x="8053639" y="48250"/>
+              <a:chExt cx="3712742" cy="1863248"/>
             </a:xfrm>
           </p:grpSpPr>
           <p:grpSp>
             <p:nvGrpSpPr>
-              <p:cNvPr id="14" name="Group 13"/>
+              <p:cNvPr id="725" name="Group 724"/>
               <p:cNvGrpSpPr/>
               <p:nvPr/>
             </p:nvGrpSpPr>
             <p:grpSpPr>
               <a:xfrm>
-                <a:off x="8033706" y="3100818"/>
-                <a:ext cx="3902803" cy="1198562"/>
-                <a:chOff x="8033706" y="3100818"/>
-                <a:chExt cx="3902803" cy="1198562"/>
+                <a:off x="8053639" y="48250"/>
+                <a:ext cx="3712742" cy="1863248"/>
+                <a:chOff x="4258418" y="122442"/>
+                <a:chExt cx="3712742" cy="1863248"/>
               </a:xfrm>
             </p:grpSpPr>
+            <p:pic>
+              <p:nvPicPr>
+                <p:cNvPr id="726" name="Picture 725"/>
+                <p:cNvPicPr>
+                  <a:picLocks noChangeAspect="1"/>
+                </p:cNvPicPr>
+                <p:nvPr/>
+              </p:nvPicPr>
+              <p:blipFill>
+                <a:blip r:embed="rId9">
+                  <a:extLst>
+                    <a:ext uri="{28A0092B-C50C-407E-A947-70E740481C1C}">
+                      <a14:useLocalDpi xmlns:a14="http://schemas.microsoft.com/office/drawing/2010/main" val="0"/>
+                    </a:ext>
+                  </a:extLst>
+                </a:blip>
+                <a:stretch>
+                  <a:fillRect/>
+                </a:stretch>
+              </p:blipFill>
+              <p:spPr>
+                <a:xfrm rot="10800000">
+                  <a:off x="4313560" y="122442"/>
+                  <a:ext cx="3657600" cy="1371600"/>
+                </a:xfrm>
+                <a:prstGeom prst="rect">
+                  <a:avLst/>
+                </a:prstGeom>
+                <a:ln w="28575">
+                  <a:solidFill>
+                    <a:schemeClr val="tx1"/>
+                  </a:solidFill>
+                </a:ln>
+              </p:spPr>
+            </p:pic>
             <p:sp>
               <p:nvSpPr>
-                <p:cNvPr id="836" name="TextBox 835"/>
+                <p:cNvPr id="727" name="TextBox 726"/>
                 <p:cNvSpPr txBox="1"/>
                 <p:nvPr/>
               </p:nvSpPr>
               <p:spPr>
                 <a:xfrm>
-                  <a:off x="9033296" y="3976215"/>
-                  <a:ext cx="2070591" cy="323165"/>
+                  <a:off x="5524646" y="1524025"/>
+                  <a:ext cx="502920" cy="461665"/>
                 </a:xfrm>
                 <a:prstGeom prst="rect">
                   <a:avLst/>
@@ -10571,3183 +11731,1008 @@
                 <a:lstStyle/>
                 <a:p>
                   <a:r>
-                    <a:rPr lang="en-US" sz="1500" dirty="0" smtClean="0"/>
-                    <a:t>Decelerator Axis (mm</a:t>
-                  </a:r>
-                  <a:r>
-                    <a:rPr lang="en-US" sz="1500" dirty="0"/>
-                    <a:t>)</a:t>
+                    <a:rPr lang="en-US" sz="2400" dirty="0">
+                      <a:solidFill>
+                        <a:schemeClr val="bg1"/>
+                      </a:solidFill>
+                    </a:rPr>
+                    <a:t>+</a:t>
                   </a:r>
                 </a:p>
               </p:txBody>
             </p:sp>
-            <p:pic>
-              <p:nvPicPr>
-                <p:cNvPr id="5" name="Picture 4"/>
-                <p:cNvPicPr>
-                  <a:picLocks noChangeAspect="1"/>
-                </p:cNvPicPr>
+            <p:sp>
+              <p:nvSpPr>
+                <p:cNvPr id="728" name="TextBox 727"/>
+                <p:cNvSpPr txBox="1"/>
                 <p:nvPr/>
-              </p:nvPicPr>
-              <p:blipFill rotWithShape="1">
-                <a:blip r:embed="rId7"/>
-                <a:srcRect t="-1699" b="-1"/>
-                <a:stretch/>
-              </p:blipFill>
+              </p:nvSpPr>
               <p:spPr>
                 <a:xfrm>
-                  <a:off x="8085078" y="3136392"/>
-                  <a:ext cx="3763731" cy="827531"/>
+                  <a:off x="7345603" y="1524025"/>
+                  <a:ext cx="502920" cy="461665"/>
                 </a:xfrm>
                 <a:prstGeom prst="rect">
                   <a:avLst/>
                 </a:prstGeom>
+                <a:noFill/>
               </p:spPr>
-            </p:pic>
+              <p:txBody>
+                <a:bodyPr wrap="square" rtlCol="0">
+                  <a:spAutoFit/>
+                </a:bodyPr>
+                <a:lstStyle/>
+                <a:p>
+                  <a:r>
+                    <a:rPr lang="en-US" sz="2400" dirty="0">
+                      <a:solidFill>
+                        <a:schemeClr val="bg1"/>
+                      </a:solidFill>
+                    </a:rPr>
+                    <a:t>+</a:t>
+                  </a:r>
+                </a:p>
+              </p:txBody>
+            </p:sp>
+            <p:sp>
+              <p:nvSpPr>
+                <p:cNvPr id="729" name="TextBox 728"/>
+                <p:cNvSpPr txBox="1"/>
+                <p:nvPr/>
+              </p:nvSpPr>
+              <p:spPr>
+                <a:xfrm>
+                  <a:off x="4608682" y="1097420"/>
+                  <a:ext cx="502920" cy="461665"/>
+                </a:xfrm>
+                <a:prstGeom prst="rect">
+                  <a:avLst/>
+                </a:prstGeom>
+                <a:noFill/>
+              </p:spPr>
+              <p:txBody>
+                <a:bodyPr wrap="square" rtlCol="0">
+                  <a:spAutoFit/>
+                </a:bodyPr>
+                <a:lstStyle/>
+                <a:p>
+                  <a:endParaRPr lang="en-US" sz="2400" dirty="0">
+                    <a:solidFill>
+                      <a:schemeClr val="bg1"/>
+                    </a:solidFill>
+                  </a:endParaRPr>
+                </a:p>
+              </p:txBody>
+            </p:sp>
             <p:grpSp>
               <p:nvGrpSpPr>
-                <p:cNvPr id="6" name="Group 5"/>
+                <p:cNvPr id="733" name="Group 732"/>
                 <p:cNvGrpSpPr/>
                 <p:nvPr/>
               </p:nvGrpSpPr>
               <p:grpSpPr>
                 <a:xfrm>
-                  <a:off x="8033706" y="3100818"/>
-                  <a:ext cx="3902803" cy="1066464"/>
-                  <a:chOff x="8033706" y="3100818"/>
-                  <a:chExt cx="3902803" cy="1066464"/>
+                  <a:off x="7407932" y="227271"/>
+                  <a:ext cx="197575" cy="80962"/>
+                  <a:chOff x="3371850" y="2904422"/>
+                  <a:chExt cx="197575" cy="80962"/>
                 </a:xfrm>
               </p:grpSpPr>
-              <p:sp>
-                <p:nvSpPr>
-                  <p:cNvPr id="718" name="TextBox 717"/>
-                  <p:cNvSpPr txBox="1"/>
+              <p:cxnSp>
+                <p:nvCxnSpPr>
+                  <p:cNvPr id="739" name="Straight Connector 738"/>
+                  <p:cNvCxnSpPr/>
                   <p:nvPr/>
-                </p:nvSpPr>
+                </p:nvCxnSpPr>
                 <p:spPr>
                   <a:xfrm>
-                    <a:off x="8904650" y="3224960"/>
-                    <a:ext cx="559559" cy="369332"/>
+                    <a:off x="3371850" y="2904422"/>
+                    <a:ext cx="197575" cy="0"/>
                   </a:xfrm>
-                  <a:prstGeom prst="rect">
+                  <a:prstGeom prst="line">
                     <a:avLst/>
                   </a:prstGeom>
-                  <a:noFill/>
+                  <a:ln w="22225">
+                    <a:solidFill>
+                      <a:schemeClr val="bg1"/>
+                    </a:solidFill>
+                  </a:ln>
                 </p:spPr>
-                <p:txBody>
-                  <a:bodyPr wrap="square" rtlCol="0">
-                    <a:spAutoFit/>
-                  </a:bodyPr>
-                  <a:lstStyle/>
-                  <a:p>
-                    <a:r>
-                      <a:rPr lang="en-US" dirty="0"/>
-                      <a:t>A'</a:t>
-                    </a:r>
-                  </a:p>
-                </p:txBody>
-              </p:sp>
-              <p:sp>
-                <p:nvSpPr>
-                  <p:cNvPr id="719" name="TextBox 718"/>
-                  <p:cNvSpPr txBox="1"/>
+                <p:style>
+                  <a:lnRef idx="1">
+                    <a:schemeClr val="accent1"/>
+                  </a:lnRef>
+                  <a:fillRef idx="0">
+                    <a:schemeClr val="accent1"/>
+                  </a:fillRef>
+                  <a:effectRef idx="0">
+                    <a:schemeClr val="accent1"/>
+                  </a:effectRef>
+                  <a:fontRef idx="minor">
+                    <a:schemeClr val="tx1"/>
+                  </a:fontRef>
+                </p:style>
+              </p:cxnSp>
+              <p:cxnSp>
+                <p:nvCxnSpPr>
+                  <p:cNvPr id="740" name="Straight Connector 739"/>
+                  <p:cNvCxnSpPr/>
                   <p:nvPr/>
-                </p:nvSpPr>
+                </p:nvCxnSpPr>
                 <p:spPr>
                   <a:xfrm>
-                    <a:off x="9816058" y="3224960"/>
-                    <a:ext cx="559559" cy="369332"/>
+                    <a:off x="3397485" y="2944903"/>
+                    <a:ext cx="146304" cy="0"/>
                   </a:xfrm>
-                  <a:prstGeom prst="rect">
+                  <a:prstGeom prst="line">
                     <a:avLst/>
                   </a:prstGeom>
-                  <a:noFill/>
+                  <a:ln w="22225">
+                    <a:solidFill>
+                      <a:schemeClr val="bg1"/>
+                    </a:solidFill>
+                  </a:ln>
                 </p:spPr>
-                <p:txBody>
-                  <a:bodyPr wrap="square" rtlCol="0">
-                    <a:spAutoFit/>
-                  </a:bodyPr>
-                  <a:lstStyle/>
-                  <a:p>
-                    <a:r>
-                      <a:rPr lang="en-US" dirty="0"/>
-                      <a:t>A</a:t>
-                    </a:r>
-                  </a:p>
-                </p:txBody>
-              </p:sp>
-              <p:sp>
-                <p:nvSpPr>
-                  <p:cNvPr id="720" name="TextBox 719"/>
-                  <p:cNvSpPr txBox="1"/>
+                <p:style>
+                  <a:lnRef idx="1">
+                    <a:schemeClr val="accent1"/>
+                  </a:lnRef>
+                  <a:fillRef idx="0">
+                    <a:schemeClr val="accent1"/>
+                  </a:fillRef>
+                  <a:effectRef idx="0">
+                    <a:schemeClr val="accent1"/>
+                  </a:effectRef>
+                  <a:fontRef idx="minor">
+                    <a:schemeClr val="tx1"/>
+                  </a:fontRef>
+                </p:style>
+              </p:cxnSp>
+              <p:cxnSp>
+                <p:nvCxnSpPr>
+                  <p:cNvPr id="741" name="Straight Connector 740"/>
+                  <p:cNvCxnSpPr/>
                   <p:nvPr/>
-                </p:nvSpPr>
+                </p:nvCxnSpPr>
                 <p:spPr>
                   <a:xfrm>
-                    <a:off x="10727466" y="3224960"/>
-                    <a:ext cx="559559" cy="369332"/>
+                    <a:off x="3424917" y="2985384"/>
+                    <a:ext cx="91440" cy="0"/>
                   </a:xfrm>
-                  <a:prstGeom prst="rect">
+                  <a:prstGeom prst="line">
                     <a:avLst/>
                   </a:prstGeom>
-                  <a:noFill/>
+                  <a:ln w="22225">
+                    <a:solidFill>
+                      <a:schemeClr val="bg1"/>
+                    </a:solidFill>
+                  </a:ln>
                 </p:spPr>
-                <p:txBody>
-                  <a:bodyPr wrap="square" rtlCol="0">
-                    <a:spAutoFit/>
-                  </a:bodyPr>
-                  <a:lstStyle/>
-                  <a:p>
-                    <a:r>
-                      <a:rPr lang="en-US" dirty="0"/>
-                      <a:t>A'</a:t>
-                    </a:r>
-                  </a:p>
-                </p:txBody>
-              </p:sp>
-              <p:sp>
-                <p:nvSpPr>
-                  <p:cNvPr id="721" name="TextBox 720"/>
-                  <p:cNvSpPr txBox="1"/>
+                <p:style>
+                  <a:lnRef idx="1">
+                    <a:schemeClr val="accent1"/>
+                  </a:lnRef>
+                  <a:fillRef idx="0">
+                    <a:schemeClr val="accent1"/>
+                  </a:fillRef>
+                  <a:effectRef idx="0">
+                    <a:schemeClr val="accent1"/>
+                  </a:effectRef>
+                  <a:fontRef idx="minor">
+                    <a:schemeClr val="tx1"/>
+                  </a:fontRef>
+                </p:style>
+              </p:cxnSp>
+            </p:grpSp>
+            <p:grpSp>
+              <p:nvGrpSpPr>
+                <p:cNvPr id="734" name="Group 733"/>
+                <p:cNvGrpSpPr/>
+                <p:nvPr/>
+              </p:nvGrpSpPr>
+              <p:grpSpPr>
+                <a:xfrm>
+                  <a:off x="5580872" y="227271"/>
+                  <a:ext cx="197575" cy="80962"/>
+                  <a:chOff x="3371850" y="2904422"/>
+                  <a:chExt cx="197575" cy="80962"/>
+                </a:xfrm>
+              </p:grpSpPr>
+              <p:cxnSp>
+                <p:nvCxnSpPr>
+                  <p:cNvPr id="736" name="Straight Connector 735"/>
+                  <p:cNvCxnSpPr/>
                   <p:nvPr/>
-                </p:nvSpPr>
+                </p:nvCxnSpPr>
                 <p:spPr>
                   <a:xfrm>
-                    <a:off x="9360354" y="3526404"/>
-                    <a:ext cx="559559" cy="369332"/>
+                    <a:off x="3371850" y="2904422"/>
+                    <a:ext cx="197575" cy="0"/>
                   </a:xfrm>
-                  <a:prstGeom prst="rect">
+                  <a:prstGeom prst="line">
                     <a:avLst/>
                   </a:prstGeom>
-                  <a:noFill/>
+                  <a:ln w="22225">
+                    <a:solidFill>
+                      <a:schemeClr val="bg1"/>
+                    </a:solidFill>
+                  </a:ln>
                 </p:spPr>
-                <p:txBody>
-                  <a:bodyPr wrap="square" rtlCol="0">
-                    <a:spAutoFit/>
-                  </a:bodyPr>
-                  <a:lstStyle/>
-                  <a:p>
-                    <a:r>
-                      <a:rPr lang="en-US" dirty="0">
-                        <a:solidFill>
-                          <a:srgbClr val="FF0000"/>
-                        </a:solidFill>
-                      </a:rPr>
-                      <a:t>C</a:t>
-                    </a:r>
-                    <a:endParaRPr lang="en-US" dirty="0">
-                      <a:solidFill>
-                        <a:srgbClr val="FF0000"/>
-                      </a:solidFill>
-                    </a:endParaRPr>
-                  </a:p>
-                </p:txBody>
-              </p:sp>
-              <p:sp>
-                <p:nvSpPr>
-                  <p:cNvPr id="722" name="TextBox 721"/>
-                  <p:cNvSpPr txBox="1"/>
+                <p:style>
+                  <a:lnRef idx="1">
+                    <a:schemeClr val="accent1"/>
+                  </a:lnRef>
+                  <a:fillRef idx="0">
+                    <a:schemeClr val="accent1"/>
+                  </a:fillRef>
+                  <a:effectRef idx="0">
+                    <a:schemeClr val="accent1"/>
+                  </a:effectRef>
+                  <a:fontRef idx="minor">
+                    <a:schemeClr val="tx1"/>
+                  </a:fontRef>
+                </p:style>
+              </p:cxnSp>
+              <p:cxnSp>
+                <p:nvCxnSpPr>
+                  <p:cNvPr id="737" name="Straight Connector 736"/>
+                  <p:cNvCxnSpPr/>
                   <p:nvPr/>
-                </p:nvSpPr>
+                </p:nvCxnSpPr>
                 <p:spPr>
                   <a:xfrm>
-                    <a:off x="10271762" y="3526404"/>
-                    <a:ext cx="559559" cy="369332"/>
+                    <a:off x="3397485" y="2944903"/>
+                    <a:ext cx="146304" cy="0"/>
                   </a:xfrm>
-                  <a:prstGeom prst="rect">
+                  <a:prstGeom prst="line">
                     <a:avLst/>
                   </a:prstGeom>
-                  <a:noFill/>
+                  <a:ln w="22225">
+                    <a:solidFill>
+                      <a:schemeClr val="bg1"/>
+                    </a:solidFill>
+                  </a:ln>
                 </p:spPr>
-                <p:txBody>
-                  <a:bodyPr wrap="square" rtlCol="0">
-                    <a:spAutoFit/>
-                  </a:bodyPr>
-                  <a:lstStyle/>
-                  <a:p>
-                    <a:r>
-                      <a:rPr lang="en-US" dirty="0">
-                        <a:solidFill>
-                          <a:srgbClr val="FF0000"/>
-                        </a:solidFill>
-                      </a:rPr>
-                      <a:t>B'</a:t>
-                    </a:r>
-                    <a:endParaRPr lang="en-US" dirty="0">
-                      <a:solidFill>
-                        <a:srgbClr val="FF0000"/>
-                      </a:solidFill>
-                    </a:endParaRPr>
-                  </a:p>
-                </p:txBody>
-              </p:sp>
-              <p:sp>
-                <p:nvSpPr>
-                  <p:cNvPr id="723" name="TextBox 722"/>
-                  <p:cNvSpPr txBox="1"/>
+                <p:style>
+                  <a:lnRef idx="1">
+                    <a:schemeClr val="accent1"/>
+                  </a:lnRef>
+                  <a:fillRef idx="0">
+                    <a:schemeClr val="accent1"/>
+                  </a:fillRef>
+                  <a:effectRef idx="0">
+                    <a:schemeClr val="accent1"/>
+                  </a:effectRef>
+                  <a:fontRef idx="minor">
+                    <a:schemeClr val="tx1"/>
+                  </a:fontRef>
+                </p:style>
+              </p:cxnSp>
+              <p:cxnSp>
+                <p:nvCxnSpPr>
+                  <p:cNvPr id="738" name="Straight Connector 737"/>
+                  <p:cNvCxnSpPr/>
                   <p:nvPr/>
-                </p:nvSpPr>
+                </p:nvCxnSpPr>
                 <p:spPr>
                   <a:xfrm>
-                    <a:off x="11183170" y="3526404"/>
-                    <a:ext cx="559559" cy="369332"/>
+                    <a:off x="3424917" y="2985384"/>
+                    <a:ext cx="91440" cy="0"/>
                   </a:xfrm>
-                  <a:prstGeom prst="rect">
+                  <a:prstGeom prst="line">
                     <a:avLst/>
                   </a:prstGeom>
-                  <a:noFill/>
+                  <a:ln w="22225">
+                    <a:solidFill>
+                      <a:schemeClr val="bg1"/>
+                    </a:solidFill>
+                  </a:ln>
                 </p:spPr>
-                <p:txBody>
-                  <a:bodyPr wrap="square" rtlCol="0">
-                    <a:spAutoFit/>
-                  </a:bodyPr>
-                  <a:lstStyle/>
-                  <a:p>
-                    <a:r>
-                      <a:rPr lang="en-US" dirty="0">
-                        <a:solidFill>
-                          <a:srgbClr val="FF0000"/>
-                        </a:solidFill>
-                      </a:rPr>
-                      <a:t>B</a:t>
-                    </a:r>
-                    <a:endParaRPr lang="en-US" dirty="0">
+                <p:style>
+                  <a:lnRef idx="1">
+                    <a:schemeClr val="accent1"/>
+                  </a:lnRef>
+                  <a:fillRef idx="0">
+                    <a:schemeClr val="accent1"/>
+                  </a:fillRef>
+                  <a:effectRef idx="0">
+                    <a:schemeClr val="accent1"/>
+                  </a:effectRef>
+                  <a:fontRef idx="minor">
+                    <a:schemeClr val="tx1"/>
+                  </a:fontRef>
+                </p:style>
+              </p:cxnSp>
+            </p:grpSp>
+            <p:sp>
+              <p:nvSpPr>
+                <p:cNvPr id="735" name="TextBox 734"/>
+                <p:cNvSpPr txBox="1"/>
+                <p:nvPr/>
+              </p:nvSpPr>
+              <p:spPr>
+                <a:xfrm>
+                  <a:off x="4258418" y="580351"/>
+                  <a:ext cx="1021404" cy="461665"/>
+                </a:xfrm>
+                <a:prstGeom prst="rect">
+                  <a:avLst/>
+                </a:prstGeom>
+                <a:noFill/>
+              </p:spPr>
+              <p:txBody>
+                <a:bodyPr wrap="square" rtlCol="0">
+                  <a:spAutoFit/>
+                </a:bodyPr>
+                <a:lstStyle/>
+                <a:p>
+                  <a:r>
+                    <a:rPr lang="en-US" sz="2400" dirty="0">
+                      <a:ln w="19050">
+                        <a:noFill/>
+                      </a:ln>
                       <a:solidFill>
-                        <a:srgbClr val="FF0000"/>
+                        <a:schemeClr val="bg1"/>
                       </a:solidFill>
-                    </a:endParaRPr>
-                  </a:p>
-                </p:txBody>
-              </p:sp>
-              <p:sp>
-                <p:nvSpPr>
-                  <p:cNvPr id="724" name="TextBox 723"/>
-                  <p:cNvSpPr txBox="1"/>
-                  <p:nvPr/>
-                </p:nvSpPr>
-                <p:spPr>
-                  <a:xfrm>
-                    <a:off x="8448946" y="3526404"/>
-                    <a:ext cx="559559" cy="369332"/>
-                  </a:xfrm>
-                  <a:prstGeom prst="rect">
-                    <a:avLst/>
-                  </a:prstGeom>
-                  <a:noFill/>
-                </p:spPr>
-                <p:txBody>
-                  <a:bodyPr wrap="square" rtlCol="0">
-                    <a:spAutoFit/>
-                  </a:bodyPr>
-                  <a:lstStyle/>
-                  <a:p>
-                    <a:r>
-                      <a:rPr lang="en-US" dirty="0">
-                        <a:solidFill>
-                          <a:srgbClr val="FF0000"/>
-                        </a:solidFill>
-                      </a:rPr>
-                      <a:t>C'</a:t>
-                    </a:r>
-                    <a:endParaRPr lang="en-US" dirty="0">
-                      <a:solidFill>
-                        <a:srgbClr val="FF0000"/>
-                      </a:solidFill>
-                    </a:endParaRPr>
-                  </a:p>
-                </p:txBody>
-              </p:sp>
-              <p:sp>
-                <p:nvSpPr>
-                  <p:cNvPr id="785" name="TextBox 784"/>
-                  <p:cNvSpPr txBox="1"/>
-                  <p:nvPr/>
-                </p:nvSpPr>
-                <p:spPr>
-                  <a:xfrm>
-                    <a:off x="8151159" y="3100818"/>
-                    <a:ext cx="887143" cy="369332"/>
-                  </a:xfrm>
-                  <a:prstGeom prst="rect">
-                    <a:avLst/>
-                  </a:prstGeom>
-                  <a:noFill/>
-                </p:spPr>
-                <p:txBody>
-                  <a:bodyPr wrap="square" rtlCol="0">
-                    <a:spAutoFit/>
-                  </a:bodyPr>
-                  <a:lstStyle/>
-                  <a:p>
-                    <a:r>
-                      <a:rPr lang="en-US" dirty="0">
-                        <a:effectLst>
-                          <a:glow rad="127000">
-                            <a:schemeClr val="bg1"/>
-                          </a:glow>
-                        </a:effectLst>
-                      </a:rPr>
-                      <a:t>F</a:t>
-                    </a:r>
-                  </a:p>
-                </p:txBody>
-              </p:sp>
-              <p:grpSp>
-                <p:nvGrpSpPr>
-                  <p:cNvPr id="830" name="Group 829"/>
-                  <p:cNvGrpSpPr/>
-                  <p:nvPr/>
-                </p:nvGrpSpPr>
-                <p:grpSpPr>
-                  <a:xfrm>
-                    <a:off x="8033706" y="3874894"/>
-                    <a:ext cx="3902803" cy="292388"/>
-                    <a:chOff x="4483764" y="4814204"/>
-                    <a:chExt cx="3902803" cy="292388"/>
-                  </a:xfrm>
-                </p:grpSpPr>
-                <p:sp>
-                  <p:nvSpPr>
-                    <p:cNvPr id="831" name="TextBox 830"/>
-                    <p:cNvSpPr txBox="1"/>
-                    <p:nvPr/>
-                  </p:nvSpPr>
-                  <p:spPr>
-                    <a:xfrm>
-                      <a:off x="4483764" y="4814204"/>
-                      <a:ext cx="277640" cy="292388"/>
-                    </a:xfrm>
-                    <a:prstGeom prst="rect">
-                      <a:avLst/>
-                    </a:prstGeom>
-                    <a:noFill/>
-                  </p:spPr>
-                  <p:txBody>
-                    <a:bodyPr wrap="none" rtlCol="0">
-                      <a:spAutoFit/>
-                    </a:bodyPr>
-                    <a:lstStyle/>
-                    <a:p>
-                      <a:r>
-                        <a:rPr lang="en-US" sz="1300" dirty="0">
-                          <a:latin typeface="Helvetica" charset="0"/>
-                          <a:ea typeface="Helvetica" charset="0"/>
-                          <a:cs typeface="Helvetica" charset="0"/>
-                        </a:rPr>
-                        <a:t>0</a:t>
-                      </a:r>
-                    </a:p>
-                  </p:txBody>
-                </p:sp>
-                <p:sp>
-                  <p:nvSpPr>
-                    <p:cNvPr id="832" name="TextBox 831"/>
-                    <p:cNvSpPr txBox="1"/>
-                    <p:nvPr/>
-                  </p:nvSpPr>
-                  <p:spPr>
-                    <a:xfrm>
-                      <a:off x="5367622" y="4814204"/>
-                      <a:ext cx="277640" cy="292388"/>
-                    </a:xfrm>
-                    <a:prstGeom prst="rect">
-                      <a:avLst/>
-                    </a:prstGeom>
-                    <a:noFill/>
-                  </p:spPr>
-                  <p:txBody>
-                    <a:bodyPr wrap="none" rtlCol="0">
-                      <a:spAutoFit/>
-                    </a:bodyPr>
-                    <a:lstStyle/>
-                    <a:p>
-                      <a:r>
-                        <a:rPr lang="en-US" sz="1300" dirty="0">
-                          <a:latin typeface="Helvetica" charset="0"/>
-                          <a:ea typeface="Helvetica" charset="0"/>
-                          <a:cs typeface="Helvetica" charset="0"/>
-                        </a:rPr>
-                        <a:t>5</a:t>
-                      </a:r>
-                    </a:p>
-                  </p:txBody>
-                </p:sp>
-                <p:sp>
-                  <p:nvSpPr>
-                    <p:cNvPr id="833" name="TextBox 832"/>
-                    <p:cNvSpPr txBox="1"/>
-                    <p:nvPr/>
-                  </p:nvSpPr>
-                  <p:spPr>
-                    <a:xfrm>
-                      <a:off x="6235714" y="4814204"/>
-                      <a:ext cx="370614" cy="292388"/>
-                    </a:xfrm>
-                    <a:prstGeom prst="rect">
-                      <a:avLst/>
-                    </a:prstGeom>
-                    <a:noFill/>
-                  </p:spPr>
-                  <p:txBody>
-                    <a:bodyPr wrap="none" rtlCol="0">
-                      <a:spAutoFit/>
-                    </a:bodyPr>
-                    <a:lstStyle/>
-                    <a:p>
-                      <a:r>
-                        <a:rPr lang="en-US" sz="1300" dirty="0">
-                          <a:latin typeface="Helvetica" charset="0"/>
-                          <a:ea typeface="Helvetica" charset="0"/>
-                          <a:cs typeface="Helvetica" charset="0"/>
-                        </a:rPr>
-                        <a:t>10</a:t>
-                      </a:r>
-                    </a:p>
-                  </p:txBody>
-                </p:sp>
-                <p:sp>
-                  <p:nvSpPr>
-                    <p:cNvPr id="834" name="TextBox 833"/>
-                    <p:cNvSpPr txBox="1"/>
-                    <p:nvPr/>
-                  </p:nvSpPr>
-                  <p:spPr>
-                    <a:xfrm>
-                      <a:off x="7141599" y="4814204"/>
-                      <a:ext cx="370614" cy="292388"/>
-                    </a:xfrm>
-                    <a:prstGeom prst="rect">
-                      <a:avLst/>
-                    </a:prstGeom>
-                    <a:noFill/>
-                  </p:spPr>
-                  <p:txBody>
-                    <a:bodyPr wrap="none" rtlCol="0">
-                      <a:spAutoFit/>
-                    </a:bodyPr>
-                    <a:lstStyle/>
-                    <a:p>
-                      <a:r>
-                        <a:rPr lang="en-US" sz="1300" dirty="0">
-                          <a:latin typeface="Helvetica" charset="0"/>
-                          <a:ea typeface="Helvetica" charset="0"/>
-                          <a:cs typeface="Helvetica" charset="0"/>
-                        </a:rPr>
-                        <a:t>15</a:t>
-                      </a:r>
-                    </a:p>
-                  </p:txBody>
-                </p:sp>
-                <p:sp>
-                  <p:nvSpPr>
-                    <p:cNvPr id="835" name="TextBox 834"/>
-                    <p:cNvSpPr txBox="1"/>
-                    <p:nvPr/>
-                  </p:nvSpPr>
-                  <p:spPr>
-                    <a:xfrm>
-                      <a:off x="8015953" y="4814204"/>
-                      <a:ext cx="370614" cy="292388"/>
-                    </a:xfrm>
-                    <a:prstGeom prst="rect">
-                      <a:avLst/>
-                    </a:prstGeom>
-                    <a:noFill/>
-                  </p:spPr>
-                  <p:txBody>
-                    <a:bodyPr wrap="none" rtlCol="0">
-                      <a:spAutoFit/>
-                    </a:bodyPr>
-                    <a:lstStyle/>
-                    <a:p>
-                      <a:r>
-                        <a:rPr lang="en-US" sz="1300" dirty="0">
-                          <a:latin typeface="Helvetica" charset="0"/>
-                          <a:ea typeface="Helvetica" charset="0"/>
-                          <a:cs typeface="Helvetica" charset="0"/>
-                        </a:rPr>
-                        <a:t>20</a:t>
-                      </a:r>
-                    </a:p>
-                  </p:txBody>
-                </p:sp>
-              </p:grpSp>
-            </p:grpSp>
+                      <a:effectLst>
+                        <a:glow rad="63500">
+                          <a:schemeClr val="tx1"/>
+                        </a:glow>
+                      </a:effectLst>
+                    </a:rPr>
+                    <a:t>B</a:t>
+                  </a:r>
+                  <a:endParaRPr lang="en-US" sz="2400" dirty="0">
+                    <a:ln w="19050">
+                      <a:noFill/>
+                    </a:ln>
+                    <a:solidFill>
+                      <a:schemeClr val="bg1"/>
+                    </a:solidFill>
+                    <a:effectLst>
+                      <a:glow rad="63500">
+                        <a:schemeClr val="tx1"/>
+                      </a:glow>
+                    </a:effectLst>
+                  </a:endParaRPr>
+                </a:p>
+              </p:txBody>
+            </p:sp>
           </p:grpSp>
           <p:grpSp>
             <p:nvGrpSpPr>
-              <p:cNvPr id="13" name="Group 12"/>
+              <p:cNvPr id="2" name="Group 1"/>
               <p:cNvGrpSpPr/>
               <p:nvPr/>
             </p:nvGrpSpPr>
             <p:grpSpPr>
               <a:xfrm>
-                <a:off x="8074947" y="-37272"/>
-                <a:ext cx="3721521" cy="2960395"/>
-                <a:chOff x="8074947" y="-37272"/>
-                <a:chExt cx="3721521" cy="2960395"/>
+                <a:off x="8465553" y="1213579"/>
+                <a:ext cx="197575" cy="80962"/>
+                <a:chOff x="9528493" y="1365979"/>
+                <a:chExt cx="197575" cy="80962"/>
               </a:xfrm>
             </p:grpSpPr>
-            <p:grpSp>
-              <p:nvGrpSpPr>
-                <p:cNvPr id="11" name="Group 10"/>
-                <p:cNvGrpSpPr/>
+            <p:cxnSp>
+              <p:nvCxnSpPr>
+                <p:cNvPr id="837" name="Straight Connector 836"/>
+                <p:cNvCxnSpPr/>
                 <p:nvPr/>
-              </p:nvGrpSpPr>
-              <p:grpSpPr>
+              </p:nvCxnSpPr>
+              <p:spPr>
                 <a:xfrm>
-                  <a:off x="8085078" y="1519371"/>
-                  <a:ext cx="3707249" cy="1403752"/>
-                  <a:chOff x="8085078" y="1519371"/>
-                  <a:chExt cx="3707249" cy="1403752"/>
+                  <a:off x="9528493" y="1365979"/>
+                  <a:ext cx="197575" cy="0"/>
                 </a:xfrm>
-              </p:grpSpPr>
-              <p:grpSp>
-                <p:nvGrpSpPr>
-                  <p:cNvPr id="3" name="Group 2"/>
-                  <p:cNvGrpSpPr/>
-                  <p:nvPr/>
-                </p:nvGrpSpPr>
-                <p:grpSpPr>
-                  <a:xfrm>
-                    <a:off x="8085078" y="1534677"/>
-                    <a:ext cx="3702613" cy="1388446"/>
-                    <a:chOff x="8063768" y="1534677"/>
-                    <a:chExt cx="3702613" cy="1388446"/>
-                  </a:xfrm>
-                </p:grpSpPr>
-                <p:grpSp>
-                  <p:nvGrpSpPr>
-                    <p:cNvPr id="748" name="Group 747"/>
-                    <p:cNvGrpSpPr/>
-                    <p:nvPr/>
-                  </p:nvGrpSpPr>
-                  <p:grpSpPr>
-                    <a:xfrm>
-                      <a:off x="8063768" y="1534677"/>
-                      <a:ext cx="3702613" cy="1371600"/>
-                      <a:chOff x="4268547" y="1608869"/>
-                      <a:chExt cx="3702613" cy="1371600"/>
-                    </a:xfrm>
-                  </p:grpSpPr>
-                  <p:pic>
-                    <p:nvPicPr>
-                      <p:cNvPr id="749" name="Picture 748"/>
-                      <p:cNvPicPr>
-                        <a:picLocks noChangeAspect="1"/>
-                      </p:cNvPicPr>
-                      <p:nvPr/>
-                    </p:nvPicPr>
-                    <p:blipFill>
-                      <a:blip r:embed="rId8">
-                        <a:extLst>
-                          <a:ext uri="{28A0092B-C50C-407E-A947-70E740481C1C}">
-                            <a14:useLocalDpi xmlns:a14="http://schemas.microsoft.com/office/drawing/2010/main" val="0"/>
-                          </a:ext>
-                        </a:extLst>
-                      </a:blip>
-                      <a:stretch>
-                        <a:fillRect/>
-                      </a:stretch>
-                    </p:blipFill>
-                    <p:spPr>
-                      <a:xfrm>
-                        <a:off x="4313560" y="1608869"/>
-                        <a:ext cx="3657600" cy="1371600"/>
-                      </a:xfrm>
-                      <a:prstGeom prst="rect">
-                        <a:avLst/>
-                      </a:prstGeom>
-                      <a:ln w="28575">
-                        <a:solidFill>
-                          <a:schemeClr val="tx1"/>
-                        </a:solidFill>
-                      </a:ln>
-                    </p:spPr>
-                  </p:pic>
-                  <p:sp>
-                    <p:nvSpPr>
-                      <p:cNvPr id="758" name="TextBox 757"/>
-                      <p:cNvSpPr txBox="1"/>
-                      <p:nvPr/>
-                    </p:nvSpPr>
-                    <p:spPr>
-                      <a:xfrm>
-                        <a:off x="4268547" y="2056461"/>
-                        <a:ext cx="1021404" cy="461665"/>
-                      </a:xfrm>
-                      <a:prstGeom prst="rect">
-                        <a:avLst/>
-                      </a:prstGeom>
-                      <a:noFill/>
-                    </p:spPr>
-                    <p:txBody>
-                      <a:bodyPr wrap="square" rtlCol="0">
-                        <a:spAutoFit/>
-                      </a:bodyPr>
-                      <a:lstStyle/>
-                      <a:p>
-                        <a:r>
-                          <a:rPr lang="en-US" sz="2400" dirty="0">
-                            <a:ln w="19050">
-                              <a:noFill/>
-                            </a:ln>
-                            <a:solidFill>
-                              <a:schemeClr val="bg1"/>
-                            </a:solidFill>
-                            <a:effectLst>
-                              <a:glow rad="63500">
-                                <a:schemeClr val="tx1"/>
-                              </a:glow>
-                            </a:effectLst>
-                          </a:rPr>
-                          <a:t>C</a:t>
-                        </a:r>
-                        <a:endParaRPr lang="en-US" sz="2400" dirty="0">
-                          <a:ln w="19050">
-                            <a:noFill/>
-                          </a:ln>
-                          <a:solidFill>
-                            <a:schemeClr val="bg1"/>
-                          </a:solidFill>
-                          <a:effectLst>
-                            <a:glow rad="63500">
-                              <a:schemeClr val="tx1"/>
-                            </a:glow>
-                          </a:effectLst>
-                        </a:endParaRPr>
-                      </a:p>
-                    </p:txBody>
-                  </p:sp>
-                </p:grpSp>
-                <p:grpSp>
-                  <p:nvGrpSpPr>
-                    <p:cNvPr id="844" name="Group 843"/>
-                    <p:cNvGrpSpPr/>
-                    <p:nvPr/>
-                  </p:nvGrpSpPr>
-                  <p:grpSpPr>
-                    <a:xfrm>
-                      <a:off x="8470100" y="1643627"/>
-                      <a:ext cx="197575" cy="80962"/>
-                      <a:chOff x="9528493" y="1365979"/>
-                      <a:chExt cx="197575" cy="80962"/>
-                    </a:xfrm>
-                  </p:grpSpPr>
-                  <p:cxnSp>
-                    <p:nvCxnSpPr>
-                      <p:cNvPr id="845" name="Straight Connector 844"/>
-                      <p:cNvCxnSpPr/>
-                      <p:nvPr/>
-                    </p:nvCxnSpPr>
-                    <p:spPr>
-                      <a:xfrm>
-                        <a:off x="9528493" y="1365979"/>
-                        <a:ext cx="197575" cy="0"/>
-                      </a:xfrm>
-                      <a:prstGeom prst="line">
-                        <a:avLst/>
-                      </a:prstGeom>
-                      <a:ln w="22225">
-                        <a:solidFill>
-                          <a:schemeClr val="bg1"/>
-                        </a:solidFill>
-                      </a:ln>
-                    </p:spPr>
-                    <p:style>
-                      <a:lnRef idx="1">
-                        <a:schemeClr val="accent1"/>
-                      </a:lnRef>
-                      <a:fillRef idx="0">
-                        <a:schemeClr val="accent1"/>
-                      </a:fillRef>
-                      <a:effectRef idx="0">
-                        <a:schemeClr val="accent1"/>
-                      </a:effectRef>
-                      <a:fontRef idx="minor">
-                        <a:schemeClr val="tx1"/>
-                      </a:fontRef>
-                    </p:style>
-                  </p:cxnSp>
-                  <p:cxnSp>
-                    <p:nvCxnSpPr>
-                      <p:cNvPr id="846" name="Straight Connector 845"/>
-                      <p:cNvCxnSpPr/>
-                      <p:nvPr/>
-                    </p:nvCxnSpPr>
-                    <p:spPr>
-                      <a:xfrm>
-                        <a:off x="9554128" y="1406460"/>
-                        <a:ext cx="146304" cy="0"/>
-                      </a:xfrm>
-                      <a:prstGeom prst="line">
-                        <a:avLst/>
-                      </a:prstGeom>
-                      <a:ln w="22225">
-                        <a:solidFill>
-                          <a:schemeClr val="bg1"/>
-                        </a:solidFill>
-                      </a:ln>
-                    </p:spPr>
-                    <p:style>
-                      <a:lnRef idx="1">
-                        <a:schemeClr val="accent1"/>
-                      </a:lnRef>
-                      <a:fillRef idx="0">
-                        <a:schemeClr val="accent1"/>
-                      </a:fillRef>
-                      <a:effectRef idx="0">
-                        <a:schemeClr val="accent1"/>
-                      </a:effectRef>
-                      <a:fontRef idx="minor">
-                        <a:schemeClr val="tx1"/>
-                      </a:fontRef>
-                    </p:style>
-                  </p:cxnSp>
-                  <p:cxnSp>
-                    <p:nvCxnSpPr>
-                      <p:cNvPr id="847" name="Straight Connector 846"/>
-                      <p:cNvCxnSpPr/>
-                      <p:nvPr/>
-                    </p:nvCxnSpPr>
-                    <p:spPr>
-                      <a:xfrm>
-                        <a:off x="9581560" y="1446941"/>
-                        <a:ext cx="91440" cy="0"/>
-                      </a:xfrm>
-                      <a:prstGeom prst="line">
-                        <a:avLst/>
-                      </a:prstGeom>
-                      <a:ln w="22225">
-                        <a:solidFill>
-                          <a:schemeClr val="bg1"/>
-                        </a:solidFill>
-                      </a:ln>
-                    </p:spPr>
-                    <p:style>
-                      <a:lnRef idx="1">
-                        <a:schemeClr val="accent1"/>
-                      </a:lnRef>
-                      <a:fillRef idx="0">
-                        <a:schemeClr val="accent1"/>
-                      </a:fillRef>
-                      <a:effectRef idx="0">
-                        <a:schemeClr val="accent1"/>
-                      </a:effectRef>
-                      <a:fontRef idx="minor">
-                        <a:schemeClr val="tx1"/>
-                      </a:fontRef>
-                    </p:style>
-                  </p:cxnSp>
-                </p:grpSp>
-                <p:grpSp>
-                  <p:nvGrpSpPr>
-                    <p:cNvPr id="848" name="Group 847"/>
-                    <p:cNvGrpSpPr/>
-                    <p:nvPr/>
-                  </p:nvGrpSpPr>
-                  <p:grpSpPr>
-                    <a:xfrm>
-                      <a:off x="10304507" y="1642134"/>
-                      <a:ext cx="197575" cy="80962"/>
-                      <a:chOff x="9528493" y="1365979"/>
-                      <a:chExt cx="197575" cy="80962"/>
-                    </a:xfrm>
-                  </p:grpSpPr>
-                  <p:cxnSp>
-                    <p:nvCxnSpPr>
-                      <p:cNvPr id="849" name="Straight Connector 848"/>
-                      <p:cNvCxnSpPr/>
-                      <p:nvPr/>
-                    </p:nvCxnSpPr>
-                    <p:spPr>
-                      <a:xfrm>
-                        <a:off x="9528493" y="1365979"/>
-                        <a:ext cx="197575" cy="0"/>
-                      </a:xfrm>
-                      <a:prstGeom prst="line">
-                        <a:avLst/>
-                      </a:prstGeom>
-                      <a:ln w="22225">
-                        <a:solidFill>
-                          <a:schemeClr val="bg1"/>
-                        </a:solidFill>
-                      </a:ln>
-                    </p:spPr>
-                    <p:style>
-                      <a:lnRef idx="1">
-                        <a:schemeClr val="accent1"/>
-                      </a:lnRef>
-                      <a:fillRef idx="0">
-                        <a:schemeClr val="accent1"/>
-                      </a:fillRef>
-                      <a:effectRef idx="0">
-                        <a:schemeClr val="accent1"/>
-                      </a:effectRef>
-                      <a:fontRef idx="minor">
-                        <a:schemeClr val="tx1"/>
-                      </a:fontRef>
-                    </p:style>
-                  </p:cxnSp>
-                  <p:cxnSp>
-                    <p:nvCxnSpPr>
-                      <p:cNvPr id="850" name="Straight Connector 849"/>
-                      <p:cNvCxnSpPr/>
-                      <p:nvPr/>
-                    </p:nvCxnSpPr>
-                    <p:spPr>
-                      <a:xfrm>
-                        <a:off x="9554128" y="1406460"/>
-                        <a:ext cx="146304" cy="0"/>
-                      </a:xfrm>
-                      <a:prstGeom prst="line">
-                        <a:avLst/>
-                      </a:prstGeom>
-                      <a:ln w="22225">
-                        <a:solidFill>
-                          <a:schemeClr val="bg1"/>
-                        </a:solidFill>
-                      </a:ln>
-                    </p:spPr>
-                    <p:style>
-                      <a:lnRef idx="1">
-                        <a:schemeClr val="accent1"/>
-                      </a:lnRef>
-                      <a:fillRef idx="0">
-                        <a:schemeClr val="accent1"/>
-                      </a:fillRef>
-                      <a:effectRef idx="0">
-                        <a:schemeClr val="accent1"/>
-                      </a:effectRef>
-                      <a:fontRef idx="minor">
-                        <a:schemeClr val="tx1"/>
-                      </a:fontRef>
-                    </p:style>
-                  </p:cxnSp>
-                  <p:cxnSp>
-                    <p:nvCxnSpPr>
-                      <p:cNvPr id="851" name="Straight Connector 850"/>
-                      <p:cNvCxnSpPr/>
-                      <p:nvPr/>
-                    </p:nvCxnSpPr>
-                    <p:spPr>
-                      <a:xfrm>
-                        <a:off x="9581560" y="1446941"/>
-                        <a:ext cx="91440" cy="0"/>
-                      </a:xfrm>
-                      <a:prstGeom prst="line">
-                        <a:avLst/>
-                      </a:prstGeom>
-                      <a:ln w="22225">
-                        <a:solidFill>
-                          <a:schemeClr val="bg1"/>
-                        </a:solidFill>
-                      </a:ln>
-                    </p:spPr>
-                    <p:style>
-                      <a:lnRef idx="1">
-                        <a:schemeClr val="accent1"/>
-                      </a:lnRef>
-                      <a:fillRef idx="0">
-                        <a:schemeClr val="accent1"/>
-                      </a:fillRef>
-                      <a:effectRef idx="0">
-                        <a:schemeClr val="accent1"/>
-                      </a:effectRef>
-                      <a:fontRef idx="minor">
-                        <a:schemeClr val="tx1"/>
-                      </a:fontRef>
-                    </p:style>
-                  </p:cxnSp>
-                </p:grpSp>
-                <p:grpSp>
-                  <p:nvGrpSpPr>
-                    <p:cNvPr id="852" name="Group 851"/>
-                    <p:cNvGrpSpPr/>
-                    <p:nvPr/>
-                  </p:nvGrpSpPr>
-                  <p:grpSpPr>
-                    <a:xfrm>
-                      <a:off x="9376093" y="1642566"/>
-                      <a:ext cx="197575" cy="80962"/>
-                      <a:chOff x="9528493" y="1365979"/>
-                      <a:chExt cx="197575" cy="80962"/>
-                    </a:xfrm>
-                  </p:grpSpPr>
-                  <p:cxnSp>
-                    <p:nvCxnSpPr>
-                      <p:cNvPr id="853" name="Straight Connector 852"/>
-                      <p:cNvCxnSpPr/>
-                      <p:nvPr/>
-                    </p:nvCxnSpPr>
-                    <p:spPr>
-                      <a:xfrm>
-                        <a:off x="9528493" y="1365979"/>
-                        <a:ext cx="197575" cy="0"/>
-                      </a:xfrm>
-                      <a:prstGeom prst="line">
-                        <a:avLst/>
-                      </a:prstGeom>
-                      <a:ln w="22225">
-                        <a:solidFill>
-                          <a:schemeClr val="bg1"/>
-                        </a:solidFill>
-                      </a:ln>
-                    </p:spPr>
-                    <p:style>
-                      <a:lnRef idx="1">
-                        <a:schemeClr val="accent1"/>
-                      </a:lnRef>
-                      <a:fillRef idx="0">
-                        <a:schemeClr val="accent1"/>
-                      </a:fillRef>
-                      <a:effectRef idx="0">
-                        <a:schemeClr val="accent1"/>
-                      </a:effectRef>
-                      <a:fontRef idx="minor">
-                        <a:schemeClr val="tx1"/>
-                      </a:fontRef>
-                    </p:style>
-                  </p:cxnSp>
-                  <p:cxnSp>
-                    <p:nvCxnSpPr>
-                      <p:cNvPr id="854" name="Straight Connector 853"/>
-                      <p:cNvCxnSpPr/>
-                      <p:nvPr/>
-                    </p:nvCxnSpPr>
-                    <p:spPr>
-                      <a:xfrm>
-                        <a:off x="9554128" y="1406460"/>
-                        <a:ext cx="146304" cy="0"/>
-                      </a:xfrm>
-                      <a:prstGeom prst="line">
-                        <a:avLst/>
-                      </a:prstGeom>
-                      <a:ln w="22225">
-                        <a:solidFill>
-                          <a:schemeClr val="bg1"/>
-                        </a:solidFill>
-                      </a:ln>
-                    </p:spPr>
-                    <p:style>
-                      <a:lnRef idx="1">
-                        <a:schemeClr val="accent1"/>
-                      </a:lnRef>
-                      <a:fillRef idx="0">
-                        <a:schemeClr val="accent1"/>
-                      </a:fillRef>
-                      <a:effectRef idx="0">
-                        <a:schemeClr val="accent1"/>
-                      </a:effectRef>
-                      <a:fontRef idx="minor">
-                        <a:schemeClr val="tx1"/>
-                      </a:fontRef>
-                    </p:style>
-                  </p:cxnSp>
-                  <p:cxnSp>
-                    <p:nvCxnSpPr>
-                      <p:cNvPr id="855" name="Straight Connector 854"/>
-                      <p:cNvCxnSpPr/>
-                      <p:nvPr/>
-                    </p:nvCxnSpPr>
-                    <p:spPr>
-                      <a:xfrm>
-                        <a:off x="9581560" y="1446941"/>
-                        <a:ext cx="91440" cy="0"/>
-                      </a:xfrm>
-                      <a:prstGeom prst="line">
-                        <a:avLst/>
-                      </a:prstGeom>
-                      <a:ln w="22225">
-                        <a:solidFill>
-                          <a:schemeClr val="bg1"/>
-                        </a:solidFill>
-                      </a:ln>
-                    </p:spPr>
-                    <p:style>
-                      <a:lnRef idx="1">
-                        <a:schemeClr val="accent1"/>
-                      </a:lnRef>
-                      <a:fillRef idx="0">
-                        <a:schemeClr val="accent1"/>
-                      </a:fillRef>
-                      <a:effectRef idx="0">
-                        <a:schemeClr val="accent1"/>
-                      </a:effectRef>
-                      <a:fontRef idx="minor">
-                        <a:schemeClr val="tx1"/>
-                      </a:fontRef>
-                    </p:style>
-                  </p:cxnSp>
-                </p:grpSp>
-                <p:grpSp>
-                  <p:nvGrpSpPr>
-                    <p:cNvPr id="856" name="Group 855"/>
-                    <p:cNvGrpSpPr/>
-                    <p:nvPr/>
-                  </p:nvGrpSpPr>
-                  <p:grpSpPr>
-                    <a:xfrm>
-                      <a:off x="11210500" y="1641073"/>
-                      <a:ext cx="197575" cy="80962"/>
-                      <a:chOff x="9528493" y="1365979"/>
-                      <a:chExt cx="197575" cy="80962"/>
-                    </a:xfrm>
-                  </p:grpSpPr>
-                  <p:cxnSp>
-                    <p:nvCxnSpPr>
-                      <p:cNvPr id="857" name="Straight Connector 856"/>
-                      <p:cNvCxnSpPr/>
-                      <p:nvPr/>
-                    </p:nvCxnSpPr>
-                    <p:spPr>
-                      <a:xfrm>
-                        <a:off x="9528493" y="1365979"/>
-                        <a:ext cx="197575" cy="0"/>
-                      </a:xfrm>
-                      <a:prstGeom prst="line">
-                        <a:avLst/>
-                      </a:prstGeom>
-                      <a:ln w="22225">
-                        <a:solidFill>
-                          <a:schemeClr val="bg1"/>
-                        </a:solidFill>
-                      </a:ln>
-                    </p:spPr>
-                    <p:style>
-                      <a:lnRef idx="1">
-                        <a:schemeClr val="accent1"/>
-                      </a:lnRef>
-                      <a:fillRef idx="0">
-                        <a:schemeClr val="accent1"/>
-                      </a:fillRef>
-                      <a:effectRef idx="0">
-                        <a:schemeClr val="accent1"/>
-                      </a:effectRef>
-                      <a:fontRef idx="minor">
-                        <a:schemeClr val="tx1"/>
-                      </a:fontRef>
-                    </p:style>
-                  </p:cxnSp>
-                  <p:cxnSp>
-                    <p:nvCxnSpPr>
-                      <p:cNvPr id="858" name="Straight Connector 857"/>
-                      <p:cNvCxnSpPr/>
-                      <p:nvPr/>
-                    </p:nvCxnSpPr>
-                    <p:spPr>
-                      <a:xfrm>
-                        <a:off x="9554128" y="1406460"/>
-                        <a:ext cx="146304" cy="0"/>
-                      </a:xfrm>
-                      <a:prstGeom prst="line">
-                        <a:avLst/>
-                      </a:prstGeom>
-                      <a:ln w="22225">
-                        <a:solidFill>
-                          <a:schemeClr val="bg1"/>
-                        </a:solidFill>
-                      </a:ln>
-                    </p:spPr>
-                    <p:style>
-                      <a:lnRef idx="1">
-                        <a:schemeClr val="accent1"/>
-                      </a:lnRef>
-                      <a:fillRef idx="0">
-                        <a:schemeClr val="accent1"/>
-                      </a:fillRef>
-                      <a:effectRef idx="0">
-                        <a:schemeClr val="accent1"/>
-                      </a:effectRef>
-                      <a:fontRef idx="minor">
-                        <a:schemeClr val="tx1"/>
-                      </a:fontRef>
-                    </p:style>
-                  </p:cxnSp>
-                  <p:cxnSp>
-                    <p:nvCxnSpPr>
-                      <p:cNvPr id="859" name="Straight Connector 858"/>
-                      <p:cNvCxnSpPr/>
-                      <p:nvPr/>
-                    </p:nvCxnSpPr>
-                    <p:spPr>
-                      <a:xfrm>
-                        <a:off x="9581560" y="1446941"/>
-                        <a:ext cx="91440" cy="0"/>
-                      </a:xfrm>
-                      <a:prstGeom prst="line">
-                        <a:avLst/>
-                      </a:prstGeom>
-                      <a:ln w="22225">
-                        <a:solidFill>
-                          <a:schemeClr val="bg1"/>
-                        </a:solidFill>
-                      </a:ln>
-                    </p:spPr>
-                    <p:style>
-                      <a:lnRef idx="1">
-                        <a:schemeClr val="accent1"/>
-                      </a:lnRef>
-                      <a:fillRef idx="0">
-                        <a:schemeClr val="accent1"/>
-                      </a:fillRef>
-                      <a:effectRef idx="0">
-                        <a:schemeClr val="accent1"/>
-                      </a:effectRef>
-                      <a:fontRef idx="minor">
-                        <a:schemeClr val="tx1"/>
-                      </a:fontRef>
-                    </p:style>
-                  </p:cxnSp>
-                </p:grpSp>
-                <p:grpSp>
-                  <p:nvGrpSpPr>
-                    <p:cNvPr id="860" name="Group 859"/>
-                    <p:cNvGrpSpPr/>
-                    <p:nvPr/>
-                  </p:nvGrpSpPr>
-                  <p:grpSpPr>
-                    <a:xfrm>
-                      <a:off x="9376093" y="2720547"/>
-                      <a:ext cx="197575" cy="80962"/>
-                      <a:chOff x="9528493" y="1365979"/>
-                      <a:chExt cx="197575" cy="80962"/>
-                    </a:xfrm>
-                  </p:grpSpPr>
-                  <p:cxnSp>
-                    <p:nvCxnSpPr>
-                      <p:cNvPr id="861" name="Straight Connector 860"/>
-                      <p:cNvCxnSpPr/>
-                      <p:nvPr/>
-                    </p:nvCxnSpPr>
-                    <p:spPr>
-                      <a:xfrm>
-                        <a:off x="9528493" y="1365979"/>
-                        <a:ext cx="197575" cy="0"/>
-                      </a:xfrm>
-                      <a:prstGeom prst="line">
-                        <a:avLst/>
-                      </a:prstGeom>
-                      <a:ln w="22225">
-                        <a:solidFill>
-                          <a:schemeClr val="bg1"/>
-                        </a:solidFill>
-                      </a:ln>
-                    </p:spPr>
-                    <p:style>
-                      <a:lnRef idx="1">
-                        <a:schemeClr val="accent1"/>
-                      </a:lnRef>
-                      <a:fillRef idx="0">
-                        <a:schemeClr val="accent1"/>
-                      </a:fillRef>
-                      <a:effectRef idx="0">
-                        <a:schemeClr val="accent1"/>
-                      </a:effectRef>
-                      <a:fontRef idx="minor">
-                        <a:schemeClr val="tx1"/>
-                      </a:fontRef>
-                    </p:style>
-                  </p:cxnSp>
-                  <p:cxnSp>
-                    <p:nvCxnSpPr>
-                      <p:cNvPr id="862" name="Straight Connector 861"/>
-                      <p:cNvCxnSpPr/>
-                      <p:nvPr/>
-                    </p:nvCxnSpPr>
-                    <p:spPr>
-                      <a:xfrm>
-                        <a:off x="9554128" y="1406460"/>
-                        <a:ext cx="146304" cy="0"/>
-                      </a:xfrm>
-                      <a:prstGeom prst="line">
-                        <a:avLst/>
-                      </a:prstGeom>
-                      <a:ln w="22225">
-                        <a:solidFill>
-                          <a:schemeClr val="bg1"/>
-                        </a:solidFill>
-                      </a:ln>
-                    </p:spPr>
-                    <p:style>
-                      <a:lnRef idx="1">
-                        <a:schemeClr val="accent1"/>
-                      </a:lnRef>
-                      <a:fillRef idx="0">
-                        <a:schemeClr val="accent1"/>
-                      </a:fillRef>
-                      <a:effectRef idx="0">
-                        <a:schemeClr val="accent1"/>
-                      </a:effectRef>
-                      <a:fontRef idx="minor">
-                        <a:schemeClr val="tx1"/>
-                      </a:fontRef>
-                    </p:style>
-                  </p:cxnSp>
-                  <p:cxnSp>
-                    <p:nvCxnSpPr>
-                      <p:cNvPr id="863" name="Straight Connector 862"/>
-                      <p:cNvCxnSpPr/>
-                      <p:nvPr/>
-                    </p:nvCxnSpPr>
-                    <p:spPr>
-                      <a:xfrm>
-                        <a:off x="9581560" y="1446941"/>
-                        <a:ext cx="91440" cy="0"/>
-                      </a:xfrm>
-                      <a:prstGeom prst="line">
-                        <a:avLst/>
-                      </a:prstGeom>
-                      <a:ln w="22225">
-                        <a:solidFill>
-                          <a:schemeClr val="bg1"/>
-                        </a:solidFill>
-                      </a:ln>
-                    </p:spPr>
-                    <p:style>
-                      <a:lnRef idx="1">
-                        <a:schemeClr val="accent1"/>
-                      </a:lnRef>
-                      <a:fillRef idx="0">
-                        <a:schemeClr val="accent1"/>
-                      </a:fillRef>
-                      <a:effectRef idx="0">
-                        <a:schemeClr val="accent1"/>
-                      </a:effectRef>
-                      <a:fontRef idx="minor">
-                        <a:schemeClr val="tx1"/>
-                      </a:fontRef>
-                    </p:style>
-                  </p:cxnSp>
-                </p:grpSp>
-                <p:grpSp>
-                  <p:nvGrpSpPr>
-                    <p:cNvPr id="864" name="Group 863"/>
-                    <p:cNvGrpSpPr/>
-                    <p:nvPr/>
-                  </p:nvGrpSpPr>
-                  <p:grpSpPr>
-                    <a:xfrm>
-                      <a:off x="11210500" y="2719054"/>
-                      <a:ext cx="197575" cy="80962"/>
-                      <a:chOff x="9528493" y="1365979"/>
-                      <a:chExt cx="197575" cy="80962"/>
-                    </a:xfrm>
-                  </p:grpSpPr>
-                  <p:cxnSp>
-                    <p:nvCxnSpPr>
-                      <p:cNvPr id="865" name="Straight Connector 864"/>
-                      <p:cNvCxnSpPr/>
-                      <p:nvPr/>
-                    </p:nvCxnSpPr>
-                    <p:spPr>
-                      <a:xfrm>
-                        <a:off x="9528493" y="1365979"/>
-                        <a:ext cx="197575" cy="0"/>
-                      </a:xfrm>
-                      <a:prstGeom prst="line">
-                        <a:avLst/>
-                      </a:prstGeom>
-                      <a:ln w="22225">
-                        <a:solidFill>
-                          <a:schemeClr val="bg1"/>
-                        </a:solidFill>
-                      </a:ln>
-                    </p:spPr>
-                    <p:style>
-                      <a:lnRef idx="1">
-                        <a:schemeClr val="accent1"/>
-                      </a:lnRef>
-                      <a:fillRef idx="0">
-                        <a:schemeClr val="accent1"/>
-                      </a:fillRef>
-                      <a:effectRef idx="0">
-                        <a:schemeClr val="accent1"/>
-                      </a:effectRef>
-                      <a:fontRef idx="minor">
-                        <a:schemeClr val="tx1"/>
-                      </a:fontRef>
-                    </p:style>
-                  </p:cxnSp>
-                  <p:cxnSp>
-                    <p:nvCxnSpPr>
-                      <p:cNvPr id="866" name="Straight Connector 865"/>
-                      <p:cNvCxnSpPr/>
-                      <p:nvPr/>
-                    </p:nvCxnSpPr>
-                    <p:spPr>
-                      <a:xfrm>
-                        <a:off x="9554128" y="1406460"/>
-                        <a:ext cx="146304" cy="0"/>
-                      </a:xfrm>
-                      <a:prstGeom prst="line">
-                        <a:avLst/>
-                      </a:prstGeom>
-                      <a:ln w="22225">
-                        <a:solidFill>
-                          <a:schemeClr val="bg1"/>
-                        </a:solidFill>
-                      </a:ln>
-                    </p:spPr>
-                    <p:style>
-                      <a:lnRef idx="1">
-                        <a:schemeClr val="accent1"/>
-                      </a:lnRef>
-                      <a:fillRef idx="0">
-                        <a:schemeClr val="accent1"/>
-                      </a:fillRef>
-                      <a:effectRef idx="0">
-                        <a:schemeClr val="accent1"/>
-                      </a:effectRef>
-                      <a:fontRef idx="minor">
-                        <a:schemeClr val="tx1"/>
-                      </a:fontRef>
-                    </p:style>
-                  </p:cxnSp>
-                  <p:cxnSp>
-                    <p:nvCxnSpPr>
-                      <p:cNvPr id="867" name="Straight Connector 866"/>
-                      <p:cNvCxnSpPr/>
-                      <p:nvPr/>
-                    </p:nvCxnSpPr>
-                    <p:spPr>
-                      <a:xfrm>
-                        <a:off x="9581560" y="1446941"/>
-                        <a:ext cx="91440" cy="0"/>
-                      </a:xfrm>
-                      <a:prstGeom prst="line">
-                        <a:avLst/>
-                      </a:prstGeom>
-                      <a:ln w="22225">
-                        <a:solidFill>
-                          <a:schemeClr val="bg1"/>
-                        </a:solidFill>
-                      </a:ln>
-                    </p:spPr>
-                    <p:style>
-                      <a:lnRef idx="1">
-                        <a:schemeClr val="accent1"/>
-                      </a:lnRef>
-                      <a:fillRef idx="0">
-                        <a:schemeClr val="accent1"/>
-                      </a:fillRef>
-                      <a:effectRef idx="0">
-                        <a:schemeClr val="accent1"/>
-                      </a:effectRef>
-                      <a:fontRef idx="minor">
-                        <a:schemeClr val="tx1"/>
-                      </a:fontRef>
-                    </p:style>
-                  </p:cxnSp>
-                </p:grpSp>
-                <p:sp>
-                  <p:nvSpPr>
-                    <p:cNvPr id="868" name="TextBox 867"/>
-                    <p:cNvSpPr txBox="1"/>
-                    <p:nvPr/>
-                  </p:nvSpPr>
-                  <p:spPr>
-                    <a:xfrm>
-                      <a:off x="10201327" y="2553791"/>
-                      <a:ext cx="765810" cy="369332"/>
-                    </a:xfrm>
-                    <a:prstGeom prst="rect">
-                      <a:avLst/>
-                    </a:prstGeom>
-                    <a:noFill/>
-                  </p:spPr>
-                  <p:txBody>
-                    <a:bodyPr wrap="square" rtlCol="0">
-                      <a:spAutoFit/>
-                    </a:bodyPr>
-                    <a:lstStyle/>
-                    <a:p>
-                      <a:r>
-                        <a:rPr lang="en-US" b="1" dirty="0">
-                          <a:solidFill>
-                            <a:schemeClr val="bg1"/>
-                          </a:solidFill>
-                        </a:rPr>
-                        <a:t>—</a:t>
-                      </a:r>
-                    </a:p>
-                  </p:txBody>
-                </p:sp>
-                <p:sp>
-                  <p:nvSpPr>
-                    <p:cNvPr id="869" name="TextBox 868"/>
-                    <p:cNvSpPr txBox="1"/>
-                    <p:nvPr/>
-                  </p:nvSpPr>
-                  <p:spPr>
-                    <a:xfrm>
-                      <a:off x="8379657" y="2553791"/>
-                      <a:ext cx="765810" cy="369332"/>
-                    </a:xfrm>
-                    <a:prstGeom prst="rect">
-                      <a:avLst/>
-                    </a:prstGeom>
-                    <a:noFill/>
-                  </p:spPr>
-                  <p:txBody>
-                    <a:bodyPr wrap="square" rtlCol="0">
-                      <a:spAutoFit/>
-                    </a:bodyPr>
-                    <a:lstStyle/>
-                    <a:p>
-                      <a:r>
-                        <a:rPr lang="en-US" b="1" dirty="0">
-                          <a:solidFill>
-                            <a:schemeClr val="bg1"/>
-                          </a:solidFill>
-                        </a:rPr>
-                        <a:t>—</a:t>
-                      </a:r>
-                    </a:p>
-                  </p:txBody>
-                </p:sp>
-              </p:grpSp>
-              <p:grpSp>
-                <p:nvGrpSpPr>
-                  <p:cNvPr id="358" name="Group 357"/>
-                  <p:cNvGrpSpPr/>
-                  <p:nvPr/>
-                </p:nvGrpSpPr>
-                <p:grpSpPr>
-                  <a:xfrm>
-                    <a:off x="8108875" y="1519371"/>
-                    <a:ext cx="3683452" cy="1396877"/>
-                    <a:chOff x="758497" y="1596989"/>
-                    <a:chExt cx="3683452" cy="1396877"/>
-                  </a:xfrm>
-                </p:grpSpPr>
-                <p:grpSp>
-                  <p:nvGrpSpPr>
-                    <p:cNvPr id="359" name="Group 358"/>
-                    <p:cNvGrpSpPr/>
-                    <p:nvPr/>
-                  </p:nvGrpSpPr>
-                  <p:grpSpPr>
-                    <a:xfrm>
-                      <a:off x="758497" y="1596989"/>
-                      <a:ext cx="47339" cy="1396131"/>
-                      <a:chOff x="8537448" y="2183518"/>
-                      <a:chExt cx="265176" cy="768872"/>
-                    </a:xfrm>
-                  </p:grpSpPr>
-                  <p:cxnSp>
-                    <p:nvCxnSpPr>
-                      <p:cNvPr id="366" name="Straight Connector 365"/>
-                      <p:cNvCxnSpPr/>
-                      <p:nvPr/>
-                    </p:nvCxnSpPr>
-                    <p:spPr>
-                      <a:xfrm>
-                        <a:off x="8537448" y="2183518"/>
-                        <a:ext cx="265176" cy="0"/>
-                      </a:xfrm>
-                      <a:prstGeom prst="line">
-                        <a:avLst/>
-                      </a:prstGeom>
-                      <a:ln w="22225">
-                        <a:solidFill>
-                          <a:schemeClr val="tx1"/>
-                        </a:solidFill>
-                      </a:ln>
-                    </p:spPr>
-                    <p:style>
-                      <a:lnRef idx="1">
-                        <a:schemeClr val="accent1"/>
-                      </a:lnRef>
-                      <a:fillRef idx="0">
-                        <a:schemeClr val="accent1"/>
-                      </a:fillRef>
-                      <a:effectRef idx="0">
-                        <a:schemeClr val="accent1"/>
-                      </a:effectRef>
-                      <a:fontRef idx="minor">
-                        <a:schemeClr val="tx1"/>
-                      </a:fontRef>
-                    </p:style>
-                  </p:cxnSp>
-                  <p:cxnSp>
-                    <p:nvCxnSpPr>
-                      <p:cNvPr id="367" name="Straight Connector 366"/>
-                      <p:cNvCxnSpPr/>
-                      <p:nvPr/>
-                    </p:nvCxnSpPr>
-                    <p:spPr>
-                      <a:xfrm>
-                        <a:off x="8537448" y="2375736"/>
-                        <a:ext cx="265176" cy="0"/>
-                      </a:xfrm>
-                      <a:prstGeom prst="line">
-                        <a:avLst/>
-                      </a:prstGeom>
-                      <a:ln w="22225">
-                        <a:solidFill>
-                          <a:schemeClr val="tx1"/>
-                        </a:solidFill>
-                      </a:ln>
-                    </p:spPr>
-                    <p:style>
-                      <a:lnRef idx="1">
-                        <a:schemeClr val="accent1"/>
-                      </a:lnRef>
-                      <a:fillRef idx="0">
-                        <a:schemeClr val="accent1"/>
-                      </a:fillRef>
-                      <a:effectRef idx="0">
-                        <a:schemeClr val="accent1"/>
-                      </a:effectRef>
-                      <a:fontRef idx="minor">
-                        <a:schemeClr val="tx1"/>
-                      </a:fontRef>
-                    </p:style>
-                  </p:cxnSp>
-                  <p:cxnSp>
-                    <p:nvCxnSpPr>
-                      <p:cNvPr id="368" name="Straight Connector 367"/>
-                      <p:cNvCxnSpPr/>
-                      <p:nvPr/>
-                    </p:nvCxnSpPr>
-                    <p:spPr>
-                      <a:xfrm>
-                        <a:off x="8537448" y="2567954"/>
-                        <a:ext cx="265176" cy="0"/>
-                      </a:xfrm>
-                      <a:prstGeom prst="line">
-                        <a:avLst/>
-                      </a:prstGeom>
-                      <a:ln w="22225">
-                        <a:solidFill>
-                          <a:schemeClr val="tx1"/>
-                        </a:solidFill>
-                      </a:ln>
-                    </p:spPr>
-                    <p:style>
-                      <a:lnRef idx="1">
-                        <a:schemeClr val="accent1"/>
-                      </a:lnRef>
-                      <a:fillRef idx="0">
-                        <a:schemeClr val="accent1"/>
-                      </a:fillRef>
-                      <a:effectRef idx="0">
-                        <a:schemeClr val="accent1"/>
-                      </a:effectRef>
-                      <a:fontRef idx="minor">
-                        <a:schemeClr val="tx1"/>
-                      </a:fontRef>
-                    </p:style>
-                  </p:cxnSp>
-                  <p:cxnSp>
-                    <p:nvCxnSpPr>
-                      <p:cNvPr id="369" name="Straight Connector 368"/>
-                      <p:cNvCxnSpPr/>
-                      <p:nvPr/>
-                    </p:nvCxnSpPr>
-                    <p:spPr>
-                      <a:xfrm>
-                        <a:off x="8537448" y="2760172"/>
-                        <a:ext cx="265176" cy="0"/>
-                      </a:xfrm>
-                      <a:prstGeom prst="line">
-                        <a:avLst/>
-                      </a:prstGeom>
-                      <a:ln w="22225">
-                        <a:solidFill>
-                          <a:schemeClr val="tx1"/>
-                        </a:solidFill>
-                      </a:ln>
-                    </p:spPr>
-                    <p:style>
-                      <a:lnRef idx="1">
-                        <a:schemeClr val="accent1"/>
-                      </a:lnRef>
-                      <a:fillRef idx="0">
-                        <a:schemeClr val="accent1"/>
-                      </a:fillRef>
-                      <a:effectRef idx="0">
-                        <a:schemeClr val="accent1"/>
-                      </a:effectRef>
-                      <a:fontRef idx="minor">
-                        <a:schemeClr val="tx1"/>
-                      </a:fontRef>
-                    </p:style>
-                  </p:cxnSp>
-                  <p:cxnSp>
-                    <p:nvCxnSpPr>
-                      <p:cNvPr id="370" name="Straight Connector 369"/>
-                      <p:cNvCxnSpPr/>
-                      <p:nvPr/>
-                    </p:nvCxnSpPr>
-                    <p:spPr>
-                      <a:xfrm>
-                        <a:off x="8537448" y="2952390"/>
-                        <a:ext cx="265176" cy="0"/>
-                      </a:xfrm>
-                      <a:prstGeom prst="line">
-                        <a:avLst/>
-                      </a:prstGeom>
-                      <a:ln w="22225">
-                        <a:solidFill>
-                          <a:schemeClr val="tx1"/>
-                        </a:solidFill>
-                      </a:ln>
-                    </p:spPr>
-                    <p:style>
-                      <a:lnRef idx="1">
-                        <a:schemeClr val="accent1"/>
-                      </a:lnRef>
-                      <a:fillRef idx="0">
-                        <a:schemeClr val="accent1"/>
-                      </a:fillRef>
-                      <a:effectRef idx="0">
-                        <a:schemeClr val="accent1"/>
-                      </a:effectRef>
-                      <a:fontRef idx="minor">
-                        <a:schemeClr val="tx1"/>
-                      </a:fontRef>
-                    </p:style>
-                  </p:cxnSp>
-                </p:grpSp>
-                <p:grpSp>
-                  <p:nvGrpSpPr>
-                    <p:cNvPr id="360" name="Group 359"/>
-                    <p:cNvGrpSpPr/>
-                    <p:nvPr/>
-                  </p:nvGrpSpPr>
-                  <p:grpSpPr>
-                    <a:xfrm>
-                      <a:off x="761528" y="2947483"/>
-                      <a:ext cx="3680421" cy="46383"/>
-                      <a:chOff x="1957787" y="5948602"/>
-                      <a:chExt cx="3647347" cy="45720"/>
-                    </a:xfrm>
-                  </p:grpSpPr>
-                  <p:cxnSp>
-                    <p:nvCxnSpPr>
-                      <p:cNvPr id="361" name="Straight Connector 360"/>
-                      <p:cNvCxnSpPr/>
-                      <p:nvPr/>
-                    </p:nvCxnSpPr>
-                    <p:spPr>
-                      <a:xfrm>
-                        <a:off x="5605134" y="5948602"/>
-                        <a:ext cx="0" cy="45720"/>
-                      </a:xfrm>
-                      <a:prstGeom prst="line">
-                        <a:avLst/>
-                      </a:prstGeom>
-                      <a:ln w="22225">
-                        <a:solidFill>
-                          <a:schemeClr val="tx1"/>
-                        </a:solidFill>
-                      </a:ln>
-                    </p:spPr>
-                    <p:style>
-                      <a:lnRef idx="1">
-                        <a:schemeClr val="accent1"/>
-                      </a:lnRef>
-                      <a:fillRef idx="0">
-                        <a:schemeClr val="accent1"/>
-                      </a:fillRef>
-                      <a:effectRef idx="0">
-                        <a:schemeClr val="accent1"/>
-                      </a:effectRef>
-                      <a:fontRef idx="minor">
-                        <a:schemeClr val="tx1"/>
-                      </a:fontRef>
-                    </p:style>
-                  </p:cxnSp>
-                  <p:cxnSp>
-                    <p:nvCxnSpPr>
-                      <p:cNvPr id="362" name="Straight Connector 361"/>
-                      <p:cNvCxnSpPr/>
-                      <p:nvPr/>
-                    </p:nvCxnSpPr>
-                    <p:spPr>
-                      <a:xfrm>
-                        <a:off x="1957787" y="5948602"/>
-                        <a:ext cx="0" cy="45720"/>
-                      </a:xfrm>
-                      <a:prstGeom prst="line">
-                        <a:avLst/>
-                      </a:prstGeom>
-                      <a:ln w="22225">
-                        <a:solidFill>
-                          <a:schemeClr val="tx1"/>
-                        </a:solidFill>
-                      </a:ln>
-                    </p:spPr>
-                    <p:style>
-                      <a:lnRef idx="1">
-                        <a:schemeClr val="accent1"/>
-                      </a:lnRef>
-                      <a:fillRef idx="0">
-                        <a:schemeClr val="accent1"/>
-                      </a:fillRef>
-                      <a:effectRef idx="0">
-                        <a:schemeClr val="accent1"/>
-                      </a:effectRef>
-                      <a:fontRef idx="minor">
-                        <a:schemeClr val="tx1"/>
-                      </a:fontRef>
-                    </p:style>
-                  </p:cxnSp>
-                  <p:cxnSp>
-                    <p:nvCxnSpPr>
-                      <p:cNvPr id="363" name="Straight Connector 362"/>
-                      <p:cNvCxnSpPr/>
-                      <p:nvPr/>
-                    </p:nvCxnSpPr>
-                    <p:spPr>
-                      <a:xfrm>
-                        <a:off x="2872492" y="5948602"/>
-                        <a:ext cx="0" cy="45720"/>
-                      </a:xfrm>
-                      <a:prstGeom prst="line">
-                        <a:avLst/>
-                      </a:prstGeom>
-                      <a:ln w="22225">
-                        <a:solidFill>
-                          <a:schemeClr val="tx1"/>
-                        </a:solidFill>
-                      </a:ln>
-                    </p:spPr>
-                    <p:style>
-                      <a:lnRef idx="1">
-                        <a:schemeClr val="accent1"/>
-                      </a:lnRef>
-                      <a:fillRef idx="0">
-                        <a:schemeClr val="accent1"/>
-                      </a:fillRef>
-                      <a:effectRef idx="0">
-                        <a:schemeClr val="accent1"/>
-                      </a:effectRef>
-                      <a:fontRef idx="minor">
-                        <a:schemeClr val="tx1"/>
-                      </a:fontRef>
-                    </p:style>
-                  </p:cxnSp>
-                  <p:cxnSp>
-                    <p:nvCxnSpPr>
-                      <p:cNvPr id="364" name="Straight Connector 363"/>
-                      <p:cNvCxnSpPr/>
-                      <p:nvPr/>
-                    </p:nvCxnSpPr>
-                    <p:spPr>
-                      <a:xfrm>
-                        <a:off x="3787197" y="5948602"/>
-                        <a:ext cx="0" cy="45720"/>
-                      </a:xfrm>
-                      <a:prstGeom prst="line">
-                        <a:avLst/>
-                      </a:prstGeom>
-                      <a:ln w="22225">
-                        <a:solidFill>
-                          <a:schemeClr val="tx1"/>
-                        </a:solidFill>
-                      </a:ln>
-                    </p:spPr>
-                    <p:style>
-                      <a:lnRef idx="1">
-                        <a:schemeClr val="accent1"/>
-                      </a:lnRef>
-                      <a:fillRef idx="0">
-                        <a:schemeClr val="accent1"/>
-                      </a:fillRef>
-                      <a:effectRef idx="0">
-                        <a:schemeClr val="accent1"/>
-                      </a:effectRef>
-                      <a:fontRef idx="minor">
-                        <a:schemeClr val="tx1"/>
-                      </a:fontRef>
-                    </p:style>
-                  </p:cxnSp>
-                  <p:cxnSp>
-                    <p:nvCxnSpPr>
-                      <p:cNvPr id="365" name="Straight Connector 364"/>
-                      <p:cNvCxnSpPr/>
-                      <p:nvPr/>
-                    </p:nvCxnSpPr>
-                    <p:spPr>
-                      <a:xfrm>
-                        <a:off x="4701902" y="5948602"/>
-                        <a:ext cx="0" cy="45720"/>
-                      </a:xfrm>
-                      <a:prstGeom prst="line">
-                        <a:avLst/>
-                      </a:prstGeom>
-                      <a:ln w="22225">
-                        <a:solidFill>
-                          <a:schemeClr val="tx1"/>
-                        </a:solidFill>
-                      </a:ln>
-                    </p:spPr>
-                    <p:style>
-                      <a:lnRef idx="1">
-                        <a:schemeClr val="accent1"/>
-                      </a:lnRef>
-                      <a:fillRef idx="0">
-                        <a:schemeClr val="accent1"/>
-                      </a:fillRef>
-                      <a:effectRef idx="0">
-                        <a:schemeClr val="accent1"/>
-                      </a:effectRef>
-                      <a:fontRef idx="minor">
-                        <a:schemeClr val="tx1"/>
-                      </a:fontRef>
-                    </p:style>
-                  </p:cxnSp>
-                </p:grpSp>
-              </p:grpSp>
-            </p:grpSp>
-            <p:grpSp>
-              <p:nvGrpSpPr>
-                <p:cNvPr id="12" name="Group 11"/>
-                <p:cNvGrpSpPr/>
+                <a:prstGeom prst="line">
+                  <a:avLst/>
+                </a:prstGeom>
+                <a:ln w="22225">
+                  <a:solidFill>
+                    <a:schemeClr val="bg1"/>
+                  </a:solidFill>
+                </a:ln>
+              </p:spPr>
+              <p:style>
+                <a:lnRef idx="1">
+                  <a:schemeClr val="accent1"/>
+                </a:lnRef>
+                <a:fillRef idx="0">
+                  <a:schemeClr val="accent1"/>
+                </a:fillRef>
+                <a:effectRef idx="0">
+                  <a:schemeClr val="accent1"/>
+                </a:effectRef>
+                <a:fontRef idx="minor">
+                  <a:schemeClr val="tx1"/>
+                </a:fontRef>
+              </p:style>
+            </p:cxnSp>
+            <p:cxnSp>
+              <p:nvCxnSpPr>
+                <p:cNvPr id="838" name="Straight Connector 837"/>
+                <p:cNvCxnSpPr/>
                 <p:nvPr/>
-              </p:nvGrpSpPr>
-              <p:grpSpPr>
+              </p:nvCxnSpPr>
+              <p:spPr>
                 <a:xfrm>
-                  <a:off x="8074947" y="-37272"/>
-                  <a:ext cx="3721521" cy="1522165"/>
-                  <a:chOff x="8074947" y="-37272"/>
-                  <a:chExt cx="3721521" cy="1522165"/>
+                  <a:off x="9554128" y="1406460"/>
+                  <a:ext cx="146304" cy="0"/>
                 </a:xfrm>
-              </p:grpSpPr>
-              <p:grpSp>
-                <p:nvGrpSpPr>
-                  <p:cNvPr id="4" name="Group 3"/>
-                  <p:cNvGrpSpPr/>
-                  <p:nvPr/>
-                </p:nvGrpSpPr>
-                <p:grpSpPr>
-                  <a:xfrm>
-                    <a:off x="8074947" y="-37272"/>
-                    <a:ext cx="3712742" cy="1522165"/>
-                    <a:chOff x="8053639" y="-37272"/>
-                    <a:chExt cx="3712742" cy="1522165"/>
-                  </a:xfrm>
-                </p:grpSpPr>
-                <p:grpSp>
-                  <p:nvGrpSpPr>
-                    <p:cNvPr id="725" name="Group 724"/>
-                    <p:cNvGrpSpPr/>
-                    <p:nvPr/>
-                  </p:nvGrpSpPr>
-                  <p:grpSpPr>
-                    <a:xfrm>
-                      <a:off x="8053639" y="-37272"/>
-                      <a:ext cx="3712742" cy="1522165"/>
-                      <a:chOff x="4258418" y="36920"/>
-                      <a:chExt cx="3712742" cy="1522165"/>
-                    </a:xfrm>
-                  </p:grpSpPr>
-                  <p:pic>
-                    <p:nvPicPr>
-                      <p:cNvPr id="726" name="Picture 725"/>
-                      <p:cNvPicPr>
-                        <a:picLocks noChangeAspect="1"/>
-                      </p:cNvPicPr>
-                      <p:nvPr/>
-                    </p:nvPicPr>
-                    <p:blipFill>
-                      <a:blip r:embed="rId9">
-                        <a:extLst>
-                          <a:ext uri="{28A0092B-C50C-407E-A947-70E740481C1C}">
-                            <a14:useLocalDpi xmlns:a14="http://schemas.microsoft.com/office/drawing/2010/main" val="0"/>
-                          </a:ext>
-                        </a:extLst>
-                      </a:blip>
-                      <a:stretch>
-                        <a:fillRect/>
-                      </a:stretch>
-                    </p:blipFill>
-                    <p:spPr>
-                      <a:xfrm>
-                        <a:off x="4313560" y="122442"/>
-                        <a:ext cx="3657600" cy="1371600"/>
-                      </a:xfrm>
-                      <a:prstGeom prst="rect">
-                        <a:avLst/>
-                      </a:prstGeom>
-                      <a:ln w="28575">
-                        <a:solidFill>
-                          <a:schemeClr val="tx1"/>
-                        </a:solidFill>
-                      </a:ln>
-                    </p:spPr>
-                  </p:pic>
-                  <p:sp>
-                    <p:nvSpPr>
-                      <p:cNvPr id="727" name="TextBox 726"/>
-                      <p:cNvSpPr txBox="1"/>
-                      <p:nvPr/>
-                    </p:nvSpPr>
-                    <p:spPr>
-                      <a:xfrm>
-                        <a:off x="4608682" y="36920"/>
-                        <a:ext cx="502920" cy="461665"/>
-                      </a:xfrm>
-                      <a:prstGeom prst="rect">
-                        <a:avLst/>
-                      </a:prstGeom>
-                      <a:noFill/>
-                    </p:spPr>
-                    <p:txBody>
-                      <a:bodyPr wrap="square" rtlCol="0">
-                        <a:spAutoFit/>
-                      </a:bodyPr>
-                      <a:lstStyle/>
-                      <a:p>
-                        <a:r>
-                          <a:rPr lang="en-US" sz="2400" dirty="0">
-                            <a:solidFill>
-                              <a:schemeClr val="bg1"/>
-                            </a:solidFill>
-                          </a:rPr>
-                          <a:t>+</a:t>
-                        </a:r>
-                      </a:p>
-                    </p:txBody>
-                  </p:sp>
-                  <p:sp>
-                    <p:nvSpPr>
-                      <p:cNvPr id="728" name="TextBox 727"/>
-                      <p:cNvSpPr txBox="1"/>
-                      <p:nvPr/>
-                    </p:nvSpPr>
-                    <p:spPr>
-                      <a:xfrm>
-                        <a:off x="6429639" y="36920"/>
-                        <a:ext cx="502920" cy="461665"/>
-                      </a:xfrm>
-                      <a:prstGeom prst="rect">
-                        <a:avLst/>
-                      </a:prstGeom>
-                      <a:noFill/>
-                    </p:spPr>
-                    <p:txBody>
-                      <a:bodyPr wrap="square" rtlCol="0">
-                        <a:spAutoFit/>
-                      </a:bodyPr>
-                      <a:lstStyle/>
-                      <a:p>
-                        <a:r>
-                          <a:rPr lang="en-US" sz="2400" dirty="0">
-                            <a:solidFill>
-                              <a:schemeClr val="bg1"/>
-                            </a:solidFill>
-                          </a:rPr>
-                          <a:t>+</a:t>
-                        </a:r>
-                      </a:p>
-                    </p:txBody>
-                  </p:sp>
-                  <p:sp>
-                    <p:nvSpPr>
-                      <p:cNvPr id="729" name="TextBox 728"/>
-                      <p:cNvSpPr txBox="1"/>
-                      <p:nvPr/>
-                    </p:nvSpPr>
-                    <p:spPr>
-                      <a:xfrm>
-                        <a:off x="4608682" y="1097420"/>
-                        <a:ext cx="502920" cy="461665"/>
-                      </a:xfrm>
-                      <a:prstGeom prst="rect">
-                        <a:avLst/>
-                      </a:prstGeom>
-                      <a:noFill/>
-                    </p:spPr>
-                    <p:txBody>
-                      <a:bodyPr wrap="square" rtlCol="0">
-                        <a:spAutoFit/>
-                      </a:bodyPr>
-                      <a:lstStyle/>
-                      <a:p>
-                        <a:endParaRPr lang="en-US" sz="2400" dirty="0">
-                          <a:solidFill>
-                            <a:schemeClr val="bg1"/>
-                          </a:solidFill>
-                        </a:endParaRPr>
-                      </a:p>
-                    </p:txBody>
-                  </p:sp>
-                  <p:grpSp>
-                    <p:nvGrpSpPr>
-                      <p:cNvPr id="731" name="Group 730"/>
-                      <p:cNvGrpSpPr/>
-                      <p:nvPr/>
-                    </p:nvGrpSpPr>
-                    <p:grpSpPr>
-                      <a:xfrm>
-                        <a:off x="7407932" y="1287771"/>
-                        <a:ext cx="197575" cy="80962"/>
-                        <a:chOff x="3371850" y="2904422"/>
-                        <a:chExt cx="197575" cy="80962"/>
-                      </a:xfrm>
-                    </p:grpSpPr>
-                    <p:cxnSp>
-                      <p:nvCxnSpPr>
-                        <p:cNvPr id="745" name="Straight Connector 744"/>
-                        <p:cNvCxnSpPr/>
-                        <p:nvPr/>
-                      </p:nvCxnSpPr>
-                      <p:spPr>
-                        <a:xfrm>
-                          <a:off x="3371850" y="2904422"/>
-                          <a:ext cx="197575" cy="0"/>
-                        </a:xfrm>
-                        <a:prstGeom prst="line">
-                          <a:avLst/>
-                        </a:prstGeom>
-                        <a:ln w="22225">
-                          <a:solidFill>
-                            <a:schemeClr val="bg1"/>
-                          </a:solidFill>
-                        </a:ln>
-                      </p:spPr>
-                      <p:style>
-                        <a:lnRef idx="1">
-                          <a:schemeClr val="accent1"/>
-                        </a:lnRef>
-                        <a:fillRef idx="0">
-                          <a:schemeClr val="accent1"/>
-                        </a:fillRef>
-                        <a:effectRef idx="0">
-                          <a:schemeClr val="accent1"/>
-                        </a:effectRef>
-                        <a:fontRef idx="minor">
-                          <a:schemeClr val="tx1"/>
-                        </a:fontRef>
-                      </p:style>
-                    </p:cxnSp>
-                    <p:cxnSp>
-                      <p:nvCxnSpPr>
-                        <p:cNvPr id="746" name="Straight Connector 745"/>
-                        <p:cNvCxnSpPr/>
-                        <p:nvPr/>
-                      </p:nvCxnSpPr>
-                      <p:spPr>
-                        <a:xfrm>
-                          <a:off x="3397485" y="2944903"/>
-                          <a:ext cx="146304" cy="0"/>
-                        </a:xfrm>
-                        <a:prstGeom prst="line">
-                          <a:avLst/>
-                        </a:prstGeom>
-                        <a:ln w="22225">
-                          <a:solidFill>
-                            <a:schemeClr val="bg1"/>
-                          </a:solidFill>
-                        </a:ln>
-                      </p:spPr>
-                      <p:style>
-                        <a:lnRef idx="1">
-                          <a:schemeClr val="accent1"/>
-                        </a:lnRef>
-                        <a:fillRef idx="0">
-                          <a:schemeClr val="accent1"/>
-                        </a:fillRef>
-                        <a:effectRef idx="0">
-                          <a:schemeClr val="accent1"/>
-                        </a:effectRef>
-                        <a:fontRef idx="minor">
-                          <a:schemeClr val="tx1"/>
-                        </a:fontRef>
-                      </p:style>
-                    </p:cxnSp>
-                    <p:cxnSp>
-                      <p:nvCxnSpPr>
-                        <p:cNvPr id="747" name="Straight Connector 746"/>
-                        <p:cNvCxnSpPr/>
-                        <p:nvPr/>
-                      </p:nvCxnSpPr>
-                      <p:spPr>
-                        <a:xfrm>
-                          <a:off x="3424917" y="2985384"/>
-                          <a:ext cx="91440" cy="0"/>
-                        </a:xfrm>
-                        <a:prstGeom prst="line">
-                          <a:avLst/>
-                        </a:prstGeom>
-                        <a:ln w="22225">
-                          <a:solidFill>
-                            <a:schemeClr val="bg1"/>
-                          </a:solidFill>
-                        </a:ln>
-                      </p:spPr>
-                      <p:style>
-                        <a:lnRef idx="1">
-                          <a:schemeClr val="accent1"/>
-                        </a:lnRef>
-                        <a:fillRef idx="0">
-                          <a:schemeClr val="accent1"/>
-                        </a:fillRef>
-                        <a:effectRef idx="0">
-                          <a:schemeClr val="accent1"/>
-                        </a:effectRef>
-                        <a:fontRef idx="minor">
-                          <a:schemeClr val="tx1"/>
-                        </a:fontRef>
-                      </p:style>
-                    </p:cxnSp>
-                  </p:grpSp>
-                  <p:grpSp>
-                    <p:nvGrpSpPr>
-                      <p:cNvPr id="732" name="Group 731"/>
-                      <p:cNvGrpSpPr/>
-                      <p:nvPr/>
-                    </p:nvGrpSpPr>
-                    <p:grpSpPr>
-                      <a:xfrm>
-                        <a:off x="5580872" y="1287771"/>
-                        <a:ext cx="197575" cy="80962"/>
-                        <a:chOff x="3371850" y="2904422"/>
-                        <a:chExt cx="197575" cy="80962"/>
-                      </a:xfrm>
-                    </p:grpSpPr>
-                    <p:cxnSp>
-                      <p:nvCxnSpPr>
-                        <p:cNvPr id="742" name="Straight Connector 741"/>
-                        <p:cNvCxnSpPr/>
-                        <p:nvPr/>
-                      </p:nvCxnSpPr>
-                      <p:spPr>
-                        <a:xfrm>
-                          <a:off x="3371850" y="2904422"/>
-                          <a:ext cx="197575" cy="0"/>
-                        </a:xfrm>
-                        <a:prstGeom prst="line">
-                          <a:avLst/>
-                        </a:prstGeom>
-                        <a:ln w="22225">
-                          <a:solidFill>
-                            <a:schemeClr val="bg1"/>
-                          </a:solidFill>
-                        </a:ln>
-                      </p:spPr>
-                      <p:style>
-                        <a:lnRef idx="1">
-                          <a:schemeClr val="accent1"/>
-                        </a:lnRef>
-                        <a:fillRef idx="0">
-                          <a:schemeClr val="accent1"/>
-                        </a:fillRef>
-                        <a:effectRef idx="0">
-                          <a:schemeClr val="accent1"/>
-                        </a:effectRef>
-                        <a:fontRef idx="minor">
-                          <a:schemeClr val="tx1"/>
-                        </a:fontRef>
-                      </p:style>
-                    </p:cxnSp>
-                    <p:cxnSp>
-                      <p:nvCxnSpPr>
-                        <p:cNvPr id="743" name="Straight Connector 742"/>
-                        <p:cNvCxnSpPr/>
-                        <p:nvPr/>
-                      </p:nvCxnSpPr>
-                      <p:spPr>
-                        <a:xfrm>
-                          <a:off x="3397485" y="2944903"/>
-                          <a:ext cx="146304" cy="0"/>
-                        </a:xfrm>
-                        <a:prstGeom prst="line">
-                          <a:avLst/>
-                        </a:prstGeom>
-                        <a:ln w="22225">
-                          <a:solidFill>
-                            <a:schemeClr val="bg1"/>
-                          </a:solidFill>
-                        </a:ln>
-                      </p:spPr>
-                      <p:style>
-                        <a:lnRef idx="1">
-                          <a:schemeClr val="accent1"/>
-                        </a:lnRef>
-                        <a:fillRef idx="0">
-                          <a:schemeClr val="accent1"/>
-                        </a:fillRef>
-                        <a:effectRef idx="0">
-                          <a:schemeClr val="accent1"/>
-                        </a:effectRef>
-                        <a:fontRef idx="minor">
-                          <a:schemeClr val="tx1"/>
-                        </a:fontRef>
-                      </p:style>
-                    </p:cxnSp>
-                    <p:cxnSp>
-                      <p:nvCxnSpPr>
-                        <p:cNvPr id="744" name="Straight Connector 743"/>
-                        <p:cNvCxnSpPr/>
-                        <p:nvPr/>
-                      </p:nvCxnSpPr>
-                      <p:spPr>
-                        <a:xfrm>
-                          <a:off x="3424917" y="2985384"/>
-                          <a:ext cx="91440" cy="0"/>
-                        </a:xfrm>
-                        <a:prstGeom prst="line">
-                          <a:avLst/>
-                        </a:prstGeom>
-                        <a:ln w="22225">
-                          <a:solidFill>
-                            <a:schemeClr val="bg1"/>
-                          </a:solidFill>
-                        </a:ln>
-                      </p:spPr>
-                      <p:style>
-                        <a:lnRef idx="1">
-                          <a:schemeClr val="accent1"/>
-                        </a:lnRef>
-                        <a:fillRef idx="0">
-                          <a:schemeClr val="accent1"/>
-                        </a:fillRef>
-                        <a:effectRef idx="0">
-                          <a:schemeClr val="accent1"/>
-                        </a:effectRef>
-                        <a:fontRef idx="minor">
-                          <a:schemeClr val="tx1"/>
-                        </a:fontRef>
-                      </p:style>
-                    </p:cxnSp>
-                  </p:grpSp>
-                  <p:grpSp>
-                    <p:nvGrpSpPr>
-                      <p:cNvPr id="733" name="Group 732"/>
-                      <p:cNvGrpSpPr/>
-                      <p:nvPr/>
-                    </p:nvGrpSpPr>
-                    <p:grpSpPr>
-                      <a:xfrm>
-                        <a:off x="7407932" y="227271"/>
-                        <a:ext cx="197575" cy="80962"/>
-                        <a:chOff x="3371850" y="2904422"/>
-                        <a:chExt cx="197575" cy="80962"/>
-                      </a:xfrm>
-                    </p:grpSpPr>
-                    <p:cxnSp>
-                      <p:nvCxnSpPr>
-                        <p:cNvPr id="739" name="Straight Connector 738"/>
-                        <p:cNvCxnSpPr/>
-                        <p:nvPr/>
-                      </p:nvCxnSpPr>
-                      <p:spPr>
-                        <a:xfrm>
-                          <a:off x="3371850" y="2904422"/>
-                          <a:ext cx="197575" cy="0"/>
-                        </a:xfrm>
-                        <a:prstGeom prst="line">
-                          <a:avLst/>
-                        </a:prstGeom>
-                        <a:ln w="22225">
-                          <a:solidFill>
-                            <a:schemeClr val="bg1"/>
-                          </a:solidFill>
-                        </a:ln>
-                      </p:spPr>
-                      <p:style>
-                        <a:lnRef idx="1">
-                          <a:schemeClr val="accent1"/>
-                        </a:lnRef>
-                        <a:fillRef idx="0">
-                          <a:schemeClr val="accent1"/>
-                        </a:fillRef>
-                        <a:effectRef idx="0">
-                          <a:schemeClr val="accent1"/>
-                        </a:effectRef>
-                        <a:fontRef idx="minor">
-                          <a:schemeClr val="tx1"/>
-                        </a:fontRef>
-                      </p:style>
-                    </p:cxnSp>
-                    <p:cxnSp>
-                      <p:nvCxnSpPr>
-                        <p:cNvPr id="740" name="Straight Connector 739"/>
-                        <p:cNvCxnSpPr/>
-                        <p:nvPr/>
-                      </p:nvCxnSpPr>
-                      <p:spPr>
-                        <a:xfrm>
-                          <a:off x="3397485" y="2944903"/>
-                          <a:ext cx="146304" cy="0"/>
-                        </a:xfrm>
-                        <a:prstGeom prst="line">
-                          <a:avLst/>
-                        </a:prstGeom>
-                        <a:ln w="22225">
-                          <a:solidFill>
-                            <a:schemeClr val="bg1"/>
-                          </a:solidFill>
-                        </a:ln>
-                      </p:spPr>
-                      <p:style>
-                        <a:lnRef idx="1">
-                          <a:schemeClr val="accent1"/>
-                        </a:lnRef>
-                        <a:fillRef idx="0">
-                          <a:schemeClr val="accent1"/>
-                        </a:fillRef>
-                        <a:effectRef idx="0">
-                          <a:schemeClr val="accent1"/>
-                        </a:effectRef>
-                        <a:fontRef idx="minor">
-                          <a:schemeClr val="tx1"/>
-                        </a:fontRef>
-                      </p:style>
-                    </p:cxnSp>
-                    <p:cxnSp>
-                      <p:nvCxnSpPr>
-                        <p:cNvPr id="741" name="Straight Connector 740"/>
-                        <p:cNvCxnSpPr/>
-                        <p:nvPr/>
-                      </p:nvCxnSpPr>
-                      <p:spPr>
-                        <a:xfrm>
-                          <a:off x="3424917" y="2985384"/>
-                          <a:ext cx="91440" cy="0"/>
-                        </a:xfrm>
-                        <a:prstGeom prst="line">
-                          <a:avLst/>
-                        </a:prstGeom>
-                        <a:ln w="22225">
-                          <a:solidFill>
-                            <a:schemeClr val="bg1"/>
-                          </a:solidFill>
-                        </a:ln>
-                      </p:spPr>
-                      <p:style>
-                        <a:lnRef idx="1">
-                          <a:schemeClr val="accent1"/>
-                        </a:lnRef>
-                        <a:fillRef idx="0">
-                          <a:schemeClr val="accent1"/>
-                        </a:fillRef>
-                        <a:effectRef idx="0">
-                          <a:schemeClr val="accent1"/>
-                        </a:effectRef>
-                        <a:fontRef idx="minor">
-                          <a:schemeClr val="tx1"/>
-                        </a:fontRef>
-                      </p:style>
-                    </p:cxnSp>
-                  </p:grpSp>
-                  <p:grpSp>
-                    <p:nvGrpSpPr>
-                      <p:cNvPr id="734" name="Group 733"/>
-                      <p:cNvGrpSpPr/>
-                      <p:nvPr/>
-                    </p:nvGrpSpPr>
-                    <p:grpSpPr>
-                      <a:xfrm>
-                        <a:off x="5580872" y="227271"/>
-                        <a:ext cx="197575" cy="80962"/>
-                        <a:chOff x="3371850" y="2904422"/>
-                        <a:chExt cx="197575" cy="80962"/>
-                      </a:xfrm>
-                    </p:grpSpPr>
-                    <p:cxnSp>
-                      <p:nvCxnSpPr>
-                        <p:cNvPr id="736" name="Straight Connector 735"/>
-                        <p:cNvCxnSpPr/>
-                        <p:nvPr/>
-                      </p:nvCxnSpPr>
-                      <p:spPr>
-                        <a:xfrm>
-                          <a:off x="3371850" y="2904422"/>
-                          <a:ext cx="197575" cy="0"/>
-                        </a:xfrm>
-                        <a:prstGeom prst="line">
-                          <a:avLst/>
-                        </a:prstGeom>
-                        <a:ln w="22225">
-                          <a:solidFill>
-                            <a:schemeClr val="bg1"/>
-                          </a:solidFill>
-                        </a:ln>
-                      </p:spPr>
-                      <p:style>
-                        <a:lnRef idx="1">
-                          <a:schemeClr val="accent1"/>
-                        </a:lnRef>
-                        <a:fillRef idx="0">
-                          <a:schemeClr val="accent1"/>
-                        </a:fillRef>
-                        <a:effectRef idx="0">
-                          <a:schemeClr val="accent1"/>
-                        </a:effectRef>
-                        <a:fontRef idx="minor">
-                          <a:schemeClr val="tx1"/>
-                        </a:fontRef>
-                      </p:style>
-                    </p:cxnSp>
-                    <p:cxnSp>
-                      <p:nvCxnSpPr>
-                        <p:cNvPr id="737" name="Straight Connector 736"/>
-                        <p:cNvCxnSpPr/>
-                        <p:nvPr/>
-                      </p:nvCxnSpPr>
-                      <p:spPr>
-                        <a:xfrm>
-                          <a:off x="3397485" y="2944903"/>
-                          <a:ext cx="146304" cy="0"/>
-                        </a:xfrm>
-                        <a:prstGeom prst="line">
-                          <a:avLst/>
-                        </a:prstGeom>
-                        <a:ln w="22225">
-                          <a:solidFill>
-                            <a:schemeClr val="bg1"/>
-                          </a:solidFill>
-                        </a:ln>
-                      </p:spPr>
-                      <p:style>
-                        <a:lnRef idx="1">
-                          <a:schemeClr val="accent1"/>
-                        </a:lnRef>
-                        <a:fillRef idx="0">
-                          <a:schemeClr val="accent1"/>
-                        </a:fillRef>
-                        <a:effectRef idx="0">
-                          <a:schemeClr val="accent1"/>
-                        </a:effectRef>
-                        <a:fontRef idx="minor">
-                          <a:schemeClr val="tx1"/>
-                        </a:fontRef>
-                      </p:style>
-                    </p:cxnSp>
-                    <p:cxnSp>
-                      <p:nvCxnSpPr>
-                        <p:cNvPr id="738" name="Straight Connector 737"/>
-                        <p:cNvCxnSpPr/>
-                        <p:nvPr/>
-                      </p:nvCxnSpPr>
-                      <p:spPr>
-                        <a:xfrm>
-                          <a:off x="3424917" y="2985384"/>
-                          <a:ext cx="91440" cy="0"/>
-                        </a:xfrm>
-                        <a:prstGeom prst="line">
-                          <a:avLst/>
-                        </a:prstGeom>
-                        <a:ln w="22225">
-                          <a:solidFill>
-                            <a:schemeClr val="bg1"/>
-                          </a:solidFill>
-                        </a:ln>
-                      </p:spPr>
-                      <p:style>
-                        <a:lnRef idx="1">
-                          <a:schemeClr val="accent1"/>
-                        </a:lnRef>
-                        <a:fillRef idx="0">
-                          <a:schemeClr val="accent1"/>
-                        </a:fillRef>
-                        <a:effectRef idx="0">
-                          <a:schemeClr val="accent1"/>
-                        </a:effectRef>
-                        <a:fontRef idx="minor">
-                          <a:schemeClr val="tx1"/>
-                        </a:fontRef>
-                      </p:style>
-                    </p:cxnSp>
-                  </p:grpSp>
-                  <p:sp>
-                    <p:nvSpPr>
-                      <p:cNvPr id="735" name="TextBox 734"/>
-                      <p:cNvSpPr txBox="1"/>
-                      <p:nvPr/>
-                    </p:nvSpPr>
-                    <p:spPr>
-                      <a:xfrm>
-                        <a:off x="4258418" y="580351"/>
-                        <a:ext cx="1021404" cy="461665"/>
-                      </a:xfrm>
-                      <a:prstGeom prst="rect">
-                        <a:avLst/>
-                      </a:prstGeom>
-                      <a:noFill/>
-                    </p:spPr>
-                    <p:txBody>
-                      <a:bodyPr wrap="square" rtlCol="0">
-                        <a:spAutoFit/>
-                      </a:bodyPr>
-                      <a:lstStyle/>
-                      <a:p>
-                        <a:r>
-                          <a:rPr lang="en-US" sz="2400" dirty="0">
-                            <a:ln w="19050">
-                              <a:noFill/>
-                            </a:ln>
-                            <a:solidFill>
-                              <a:schemeClr val="bg1"/>
-                            </a:solidFill>
-                            <a:effectLst>
-                              <a:glow rad="63500">
-                                <a:schemeClr val="tx1"/>
-                              </a:glow>
-                            </a:effectLst>
-                          </a:rPr>
-                          <a:t>B</a:t>
-                        </a:r>
-                        <a:endParaRPr lang="en-US" sz="2400" dirty="0">
-                          <a:ln w="19050">
-                            <a:noFill/>
-                          </a:ln>
-                          <a:solidFill>
-                            <a:schemeClr val="bg1"/>
-                          </a:solidFill>
-                          <a:effectLst>
-                            <a:glow rad="63500">
-                              <a:schemeClr val="tx1"/>
-                            </a:glow>
-                          </a:effectLst>
-                        </a:endParaRPr>
-                      </a:p>
-                    </p:txBody>
-                  </p:sp>
-                </p:grpSp>
-                <p:grpSp>
-                  <p:nvGrpSpPr>
-                    <p:cNvPr id="2" name="Group 1"/>
-                    <p:cNvGrpSpPr/>
-                    <p:nvPr/>
-                  </p:nvGrpSpPr>
-                  <p:grpSpPr>
-                    <a:xfrm>
-                      <a:off x="8465553" y="1213579"/>
-                      <a:ext cx="197575" cy="80962"/>
-                      <a:chOff x="9528493" y="1365979"/>
-                      <a:chExt cx="197575" cy="80962"/>
-                    </a:xfrm>
-                  </p:grpSpPr>
-                  <p:cxnSp>
-                    <p:nvCxnSpPr>
-                      <p:cNvPr id="837" name="Straight Connector 836"/>
-                      <p:cNvCxnSpPr/>
-                      <p:nvPr/>
-                    </p:nvCxnSpPr>
-                    <p:spPr>
-                      <a:xfrm>
-                        <a:off x="9528493" y="1365979"/>
-                        <a:ext cx="197575" cy="0"/>
-                      </a:xfrm>
-                      <a:prstGeom prst="line">
-                        <a:avLst/>
-                      </a:prstGeom>
-                      <a:ln w="22225">
-                        <a:solidFill>
-                          <a:schemeClr val="bg1"/>
-                        </a:solidFill>
-                      </a:ln>
-                    </p:spPr>
-                    <p:style>
-                      <a:lnRef idx="1">
-                        <a:schemeClr val="accent1"/>
-                      </a:lnRef>
-                      <a:fillRef idx="0">
-                        <a:schemeClr val="accent1"/>
-                      </a:fillRef>
-                      <a:effectRef idx="0">
-                        <a:schemeClr val="accent1"/>
-                      </a:effectRef>
-                      <a:fontRef idx="minor">
-                        <a:schemeClr val="tx1"/>
-                      </a:fontRef>
-                    </p:style>
-                  </p:cxnSp>
-                  <p:cxnSp>
-                    <p:nvCxnSpPr>
-                      <p:cNvPr id="838" name="Straight Connector 837"/>
-                      <p:cNvCxnSpPr/>
-                      <p:nvPr/>
-                    </p:nvCxnSpPr>
-                    <p:spPr>
-                      <a:xfrm>
-                        <a:off x="9554128" y="1406460"/>
-                        <a:ext cx="146304" cy="0"/>
-                      </a:xfrm>
-                      <a:prstGeom prst="line">
-                        <a:avLst/>
-                      </a:prstGeom>
-                      <a:ln w="22225">
-                        <a:solidFill>
-                          <a:schemeClr val="bg1"/>
-                        </a:solidFill>
-                      </a:ln>
-                    </p:spPr>
-                    <p:style>
-                      <a:lnRef idx="1">
-                        <a:schemeClr val="accent1"/>
-                      </a:lnRef>
-                      <a:fillRef idx="0">
-                        <a:schemeClr val="accent1"/>
-                      </a:fillRef>
-                      <a:effectRef idx="0">
-                        <a:schemeClr val="accent1"/>
-                      </a:effectRef>
-                      <a:fontRef idx="minor">
-                        <a:schemeClr val="tx1"/>
-                      </a:fontRef>
-                    </p:style>
-                  </p:cxnSp>
-                  <p:cxnSp>
-                    <p:nvCxnSpPr>
-                      <p:cNvPr id="839" name="Straight Connector 838"/>
-                      <p:cNvCxnSpPr/>
-                      <p:nvPr/>
-                    </p:nvCxnSpPr>
-                    <p:spPr>
-                      <a:xfrm>
-                        <a:off x="9581560" y="1446941"/>
-                        <a:ext cx="91440" cy="0"/>
-                      </a:xfrm>
-                      <a:prstGeom prst="line">
-                        <a:avLst/>
-                      </a:prstGeom>
-                      <a:ln w="22225">
-                        <a:solidFill>
-                          <a:schemeClr val="bg1"/>
-                        </a:solidFill>
-                      </a:ln>
-                    </p:spPr>
-                    <p:style>
-                      <a:lnRef idx="1">
-                        <a:schemeClr val="accent1"/>
-                      </a:lnRef>
-                      <a:fillRef idx="0">
-                        <a:schemeClr val="accent1"/>
-                      </a:fillRef>
-                      <a:effectRef idx="0">
-                        <a:schemeClr val="accent1"/>
-                      </a:effectRef>
-                      <a:fontRef idx="minor">
-                        <a:schemeClr val="tx1"/>
-                      </a:fontRef>
-                    </p:style>
-                  </p:cxnSp>
-                </p:grpSp>
-                <p:grpSp>
-                  <p:nvGrpSpPr>
-                    <p:cNvPr id="840" name="Group 839"/>
-                    <p:cNvGrpSpPr/>
-                    <p:nvPr/>
-                  </p:nvGrpSpPr>
-                  <p:grpSpPr>
-                    <a:xfrm>
-                      <a:off x="10299960" y="1212086"/>
-                      <a:ext cx="197575" cy="80962"/>
-                      <a:chOff x="9528493" y="1365979"/>
-                      <a:chExt cx="197575" cy="80962"/>
-                    </a:xfrm>
-                  </p:grpSpPr>
-                  <p:cxnSp>
-                    <p:nvCxnSpPr>
-                      <p:cNvPr id="841" name="Straight Connector 840"/>
-                      <p:cNvCxnSpPr/>
-                      <p:nvPr/>
-                    </p:nvCxnSpPr>
-                    <p:spPr>
-                      <a:xfrm>
-                        <a:off x="9528493" y="1365979"/>
-                        <a:ext cx="197575" cy="0"/>
-                      </a:xfrm>
-                      <a:prstGeom prst="line">
-                        <a:avLst/>
-                      </a:prstGeom>
-                      <a:ln w="22225">
-                        <a:solidFill>
-                          <a:schemeClr val="bg1"/>
-                        </a:solidFill>
-                      </a:ln>
-                    </p:spPr>
-                    <p:style>
-                      <a:lnRef idx="1">
-                        <a:schemeClr val="accent1"/>
-                      </a:lnRef>
-                      <a:fillRef idx="0">
-                        <a:schemeClr val="accent1"/>
-                      </a:fillRef>
-                      <a:effectRef idx="0">
-                        <a:schemeClr val="accent1"/>
-                      </a:effectRef>
-                      <a:fontRef idx="minor">
-                        <a:schemeClr val="tx1"/>
-                      </a:fontRef>
-                    </p:style>
-                  </p:cxnSp>
-                  <p:cxnSp>
-                    <p:nvCxnSpPr>
-                      <p:cNvPr id="842" name="Straight Connector 841"/>
-                      <p:cNvCxnSpPr/>
-                      <p:nvPr/>
-                    </p:nvCxnSpPr>
-                    <p:spPr>
-                      <a:xfrm>
-                        <a:off x="9554128" y="1406460"/>
-                        <a:ext cx="146304" cy="0"/>
-                      </a:xfrm>
-                      <a:prstGeom prst="line">
-                        <a:avLst/>
-                      </a:prstGeom>
-                      <a:ln w="22225">
-                        <a:solidFill>
-                          <a:schemeClr val="bg1"/>
-                        </a:solidFill>
-                      </a:ln>
-                    </p:spPr>
-                    <p:style>
-                      <a:lnRef idx="1">
-                        <a:schemeClr val="accent1"/>
-                      </a:lnRef>
-                      <a:fillRef idx="0">
-                        <a:schemeClr val="accent1"/>
-                      </a:fillRef>
-                      <a:effectRef idx="0">
-                        <a:schemeClr val="accent1"/>
-                      </a:effectRef>
-                      <a:fontRef idx="minor">
-                        <a:schemeClr val="tx1"/>
-                      </a:fontRef>
-                    </p:style>
-                  </p:cxnSp>
-                  <p:cxnSp>
-                    <p:nvCxnSpPr>
-                      <p:cNvPr id="843" name="Straight Connector 842"/>
-                      <p:cNvCxnSpPr/>
-                      <p:nvPr/>
-                    </p:nvCxnSpPr>
-                    <p:spPr>
-                      <a:xfrm>
-                        <a:off x="9581560" y="1446941"/>
-                        <a:ext cx="91440" cy="0"/>
-                      </a:xfrm>
-                      <a:prstGeom prst="line">
-                        <a:avLst/>
-                      </a:prstGeom>
-                      <a:ln w="22225">
-                        <a:solidFill>
-                          <a:schemeClr val="bg1"/>
-                        </a:solidFill>
-                      </a:ln>
-                    </p:spPr>
-                    <p:style>
-                      <a:lnRef idx="1">
-                        <a:schemeClr val="accent1"/>
-                      </a:lnRef>
-                      <a:fillRef idx="0">
-                        <a:schemeClr val="accent1"/>
-                      </a:fillRef>
-                      <a:effectRef idx="0">
-                        <a:schemeClr val="accent1"/>
-                      </a:effectRef>
-                      <a:fontRef idx="minor">
-                        <a:schemeClr val="tx1"/>
-                      </a:fontRef>
-                    </p:style>
-                  </p:cxnSp>
-                </p:grpSp>
-              </p:grpSp>
-              <p:grpSp>
-                <p:nvGrpSpPr>
-                  <p:cNvPr id="468" name="Group 467"/>
-                  <p:cNvGrpSpPr/>
-                  <p:nvPr/>
-                </p:nvGrpSpPr>
-                <p:grpSpPr>
-                  <a:xfrm>
-                    <a:off x="8113016" y="33268"/>
-                    <a:ext cx="3683452" cy="1396877"/>
-                    <a:chOff x="758497" y="1596989"/>
-                    <a:chExt cx="3683452" cy="1396877"/>
-                  </a:xfrm>
-                </p:grpSpPr>
-                <p:grpSp>
-                  <p:nvGrpSpPr>
-                    <p:cNvPr id="469" name="Group 468"/>
-                    <p:cNvGrpSpPr/>
-                    <p:nvPr/>
-                  </p:nvGrpSpPr>
-                  <p:grpSpPr>
-                    <a:xfrm>
-                      <a:off x="758497" y="1596989"/>
-                      <a:ext cx="47339" cy="1396131"/>
-                      <a:chOff x="8537448" y="2183518"/>
-                      <a:chExt cx="265176" cy="768872"/>
-                    </a:xfrm>
-                  </p:grpSpPr>
-                  <p:cxnSp>
-                    <p:nvCxnSpPr>
-                      <p:cNvPr id="476" name="Straight Connector 475"/>
-                      <p:cNvCxnSpPr/>
-                      <p:nvPr/>
-                    </p:nvCxnSpPr>
-                    <p:spPr>
-                      <a:xfrm>
-                        <a:off x="8537448" y="2183518"/>
-                        <a:ext cx="265176" cy="0"/>
-                      </a:xfrm>
-                      <a:prstGeom prst="line">
-                        <a:avLst/>
-                      </a:prstGeom>
-                      <a:ln w="22225">
-                        <a:solidFill>
-                          <a:schemeClr val="tx1"/>
-                        </a:solidFill>
-                      </a:ln>
-                    </p:spPr>
-                    <p:style>
-                      <a:lnRef idx="1">
-                        <a:schemeClr val="accent1"/>
-                      </a:lnRef>
-                      <a:fillRef idx="0">
-                        <a:schemeClr val="accent1"/>
-                      </a:fillRef>
-                      <a:effectRef idx="0">
-                        <a:schemeClr val="accent1"/>
-                      </a:effectRef>
-                      <a:fontRef idx="minor">
-                        <a:schemeClr val="tx1"/>
-                      </a:fontRef>
-                    </p:style>
-                  </p:cxnSp>
-                  <p:cxnSp>
-                    <p:nvCxnSpPr>
-                      <p:cNvPr id="477" name="Straight Connector 476"/>
-                      <p:cNvCxnSpPr/>
-                      <p:nvPr/>
-                    </p:nvCxnSpPr>
-                    <p:spPr>
-                      <a:xfrm>
-                        <a:off x="8537448" y="2375736"/>
-                        <a:ext cx="265176" cy="0"/>
-                      </a:xfrm>
-                      <a:prstGeom prst="line">
-                        <a:avLst/>
-                      </a:prstGeom>
-                      <a:ln w="22225">
-                        <a:solidFill>
-                          <a:schemeClr val="tx1"/>
-                        </a:solidFill>
-                      </a:ln>
-                    </p:spPr>
-                    <p:style>
-                      <a:lnRef idx="1">
-                        <a:schemeClr val="accent1"/>
-                      </a:lnRef>
-                      <a:fillRef idx="0">
-                        <a:schemeClr val="accent1"/>
-                      </a:fillRef>
-                      <a:effectRef idx="0">
-                        <a:schemeClr val="accent1"/>
-                      </a:effectRef>
-                      <a:fontRef idx="minor">
-                        <a:schemeClr val="tx1"/>
-                      </a:fontRef>
-                    </p:style>
-                  </p:cxnSp>
-                  <p:cxnSp>
-                    <p:nvCxnSpPr>
-                      <p:cNvPr id="478" name="Straight Connector 477"/>
-                      <p:cNvCxnSpPr/>
-                      <p:nvPr/>
-                    </p:nvCxnSpPr>
-                    <p:spPr>
-                      <a:xfrm>
-                        <a:off x="8537448" y="2567954"/>
-                        <a:ext cx="265176" cy="0"/>
-                      </a:xfrm>
-                      <a:prstGeom prst="line">
-                        <a:avLst/>
-                      </a:prstGeom>
-                      <a:ln w="22225">
-                        <a:solidFill>
-                          <a:schemeClr val="tx1"/>
-                        </a:solidFill>
-                      </a:ln>
-                    </p:spPr>
-                    <p:style>
-                      <a:lnRef idx="1">
-                        <a:schemeClr val="accent1"/>
-                      </a:lnRef>
-                      <a:fillRef idx="0">
-                        <a:schemeClr val="accent1"/>
-                      </a:fillRef>
-                      <a:effectRef idx="0">
-                        <a:schemeClr val="accent1"/>
-                      </a:effectRef>
-                      <a:fontRef idx="minor">
-                        <a:schemeClr val="tx1"/>
-                      </a:fontRef>
-                    </p:style>
-                  </p:cxnSp>
-                  <p:cxnSp>
-                    <p:nvCxnSpPr>
-                      <p:cNvPr id="479" name="Straight Connector 478"/>
-                      <p:cNvCxnSpPr/>
-                      <p:nvPr/>
-                    </p:nvCxnSpPr>
-                    <p:spPr>
-                      <a:xfrm>
-                        <a:off x="8537448" y="2760172"/>
-                        <a:ext cx="265176" cy="0"/>
-                      </a:xfrm>
-                      <a:prstGeom prst="line">
-                        <a:avLst/>
-                      </a:prstGeom>
-                      <a:ln w="22225">
-                        <a:solidFill>
-                          <a:schemeClr val="tx1"/>
-                        </a:solidFill>
-                      </a:ln>
-                    </p:spPr>
-                    <p:style>
-                      <a:lnRef idx="1">
-                        <a:schemeClr val="accent1"/>
-                      </a:lnRef>
-                      <a:fillRef idx="0">
-                        <a:schemeClr val="accent1"/>
-                      </a:fillRef>
-                      <a:effectRef idx="0">
-                        <a:schemeClr val="accent1"/>
-                      </a:effectRef>
-                      <a:fontRef idx="minor">
-                        <a:schemeClr val="tx1"/>
-                      </a:fontRef>
-                    </p:style>
-                  </p:cxnSp>
-                  <p:cxnSp>
-                    <p:nvCxnSpPr>
-                      <p:cNvPr id="480" name="Straight Connector 479"/>
-                      <p:cNvCxnSpPr/>
-                      <p:nvPr/>
-                    </p:nvCxnSpPr>
-                    <p:spPr>
-                      <a:xfrm>
-                        <a:off x="8537448" y="2952390"/>
-                        <a:ext cx="265176" cy="0"/>
-                      </a:xfrm>
-                      <a:prstGeom prst="line">
-                        <a:avLst/>
-                      </a:prstGeom>
-                      <a:ln w="22225">
-                        <a:solidFill>
-                          <a:schemeClr val="tx1"/>
-                        </a:solidFill>
-                      </a:ln>
-                    </p:spPr>
-                    <p:style>
-                      <a:lnRef idx="1">
-                        <a:schemeClr val="accent1"/>
-                      </a:lnRef>
-                      <a:fillRef idx="0">
-                        <a:schemeClr val="accent1"/>
-                      </a:fillRef>
-                      <a:effectRef idx="0">
-                        <a:schemeClr val="accent1"/>
-                      </a:effectRef>
-                      <a:fontRef idx="minor">
-                        <a:schemeClr val="tx1"/>
-                      </a:fontRef>
-                    </p:style>
-                  </p:cxnSp>
-                </p:grpSp>
-                <p:grpSp>
-                  <p:nvGrpSpPr>
-                    <p:cNvPr id="470" name="Group 469"/>
-                    <p:cNvGrpSpPr/>
-                    <p:nvPr/>
-                  </p:nvGrpSpPr>
-                  <p:grpSpPr>
-                    <a:xfrm>
-                      <a:off x="761528" y="2947483"/>
-                      <a:ext cx="3680421" cy="46383"/>
-                      <a:chOff x="1957787" y="5948602"/>
-                      <a:chExt cx="3647347" cy="45720"/>
-                    </a:xfrm>
-                  </p:grpSpPr>
-                  <p:cxnSp>
-                    <p:nvCxnSpPr>
-                      <p:cNvPr id="471" name="Straight Connector 470"/>
-                      <p:cNvCxnSpPr/>
-                      <p:nvPr/>
-                    </p:nvCxnSpPr>
-                    <p:spPr>
-                      <a:xfrm>
-                        <a:off x="5605134" y="5948602"/>
-                        <a:ext cx="0" cy="45720"/>
-                      </a:xfrm>
-                      <a:prstGeom prst="line">
-                        <a:avLst/>
-                      </a:prstGeom>
-                      <a:ln w="22225">
-                        <a:solidFill>
-                          <a:schemeClr val="tx1"/>
-                        </a:solidFill>
-                      </a:ln>
-                    </p:spPr>
-                    <p:style>
-                      <a:lnRef idx="1">
-                        <a:schemeClr val="accent1"/>
-                      </a:lnRef>
-                      <a:fillRef idx="0">
-                        <a:schemeClr val="accent1"/>
-                      </a:fillRef>
-                      <a:effectRef idx="0">
-                        <a:schemeClr val="accent1"/>
-                      </a:effectRef>
-                      <a:fontRef idx="minor">
-                        <a:schemeClr val="tx1"/>
-                      </a:fontRef>
-                    </p:style>
-                  </p:cxnSp>
-                  <p:cxnSp>
-                    <p:nvCxnSpPr>
-                      <p:cNvPr id="472" name="Straight Connector 471"/>
-                      <p:cNvCxnSpPr/>
-                      <p:nvPr/>
-                    </p:nvCxnSpPr>
-                    <p:spPr>
-                      <a:xfrm>
-                        <a:off x="1957787" y="5948602"/>
-                        <a:ext cx="0" cy="45720"/>
-                      </a:xfrm>
-                      <a:prstGeom prst="line">
-                        <a:avLst/>
-                      </a:prstGeom>
-                      <a:ln w="22225">
-                        <a:solidFill>
-                          <a:schemeClr val="tx1"/>
-                        </a:solidFill>
-                      </a:ln>
-                    </p:spPr>
-                    <p:style>
-                      <a:lnRef idx="1">
-                        <a:schemeClr val="accent1"/>
-                      </a:lnRef>
-                      <a:fillRef idx="0">
-                        <a:schemeClr val="accent1"/>
-                      </a:fillRef>
-                      <a:effectRef idx="0">
-                        <a:schemeClr val="accent1"/>
-                      </a:effectRef>
-                      <a:fontRef idx="minor">
-                        <a:schemeClr val="tx1"/>
-                      </a:fontRef>
-                    </p:style>
-                  </p:cxnSp>
-                  <p:cxnSp>
-                    <p:nvCxnSpPr>
-                      <p:cNvPr id="473" name="Straight Connector 472"/>
-                      <p:cNvCxnSpPr/>
-                      <p:nvPr/>
-                    </p:nvCxnSpPr>
-                    <p:spPr>
-                      <a:xfrm>
-                        <a:off x="2872492" y="5948602"/>
-                        <a:ext cx="0" cy="45720"/>
-                      </a:xfrm>
-                      <a:prstGeom prst="line">
-                        <a:avLst/>
-                      </a:prstGeom>
-                      <a:ln w="22225">
-                        <a:solidFill>
-                          <a:schemeClr val="tx1"/>
-                        </a:solidFill>
-                      </a:ln>
-                    </p:spPr>
-                    <p:style>
-                      <a:lnRef idx="1">
-                        <a:schemeClr val="accent1"/>
-                      </a:lnRef>
-                      <a:fillRef idx="0">
-                        <a:schemeClr val="accent1"/>
-                      </a:fillRef>
-                      <a:effectRef idx="0">
-                        <a:schemeClr val="accent1"/>
-                      </a:effectRef>
-                      <a:fontRef idx="minor">
-                        <a:schemeClr val="tx1"/>
-                      </a:fontRef>
-                    </p:style>
-                  </p:cxnSp>
-                  <p:cxnSp>
-                    <p:nvCxnSpPr>
-                      <p:cNvPr id="474" name="Straight Connector 473"/>
-                      <p:cNvCxnSpPr/>
-                      <p:nvPr/>
-                    </p:nvCxnSpPr>
-                    <p:spPr>
-                      <a:xfrm>
-                        <a:off x="3787197" y="5948602"/>
-                        <a:ext cx="0" cy="45720"/>
-                      </a:xfrm>
-                      <a:prstGeom prst="line">
-                        <a:avLst/>
-                      </a:prstGeom>
-                      <a:ln w="22225">
-                        <a:solidFill>
-                          <a:schemeClr val="tx1"/>
-                        </a:solidFill>
-                      </a:ln>
-                    </p:spPr>
-                    <p:style>
-                      <a:lnRef idx="1">
-                        <a:schemeClr val="accent1"/>
-                      </a:lnRef>
-                      <a:fillRef idx="0">
-                        <a:schemeClr val="accent1"/>
-                      </a:fillRef>
-                      <a:effectRef idx="0">
-                        <a:schemeClr val="accent1"/>
-                      </a:effectRef>
-                      <a:fontRef idx="minor">
-                        <a:schemeClr val="tx1"/>
-                      </a:fontRef>
-                    </p:style>
-                  </p:cxnSp>
-                  <p:cxnSp>
-                    <p:nvCxnSpPr>
-                      <p:cNvPr id="475" name="Straight Connector 474"/>
-                      <p:cNvCxnSpPr/>
-                      <p:nvPr/>
-                    </p:nvCxnSpPr>
-                    <p:spPr>
-                      <a:xfrm>
-                        <a:off x="4701902" y="5948602"/>
-                        <a:ext cx="0" cy="45720"/>
-                      </a:xfrm>
-                      <a:prstGeom prst="line">
-                        <a:avLst/>
-                      </a:prstGeom>
-                      <a:ln w="22225">
-                        <a:solidFill>
-                          <a:schemeClr val="tx1"/>
-                        </a:solidFill>
-                      </a:ln>
-                    </p:spPr>
-                    <p:style>
-                      <a:lnRef idx="1">
-                        <a:schemeClr val="accent1"/>
-                      </a:lnRef>
-                      <a:fillRef idx="0">
-                        <a:schemeClr val="accent1"/>
-                      </a:fillRef>
-                      <a:effectRef idx="0">
-                        <a:schemeClr val="accent1"/>
-                      </a:effectRef>
-                      <a:fontRef idx="minor">
-                        <a:schemeClr val="tx1"/>
-                      </a:fontRef>
-                    </p:style>
-                  </p:cxnSp>
-                </p:grpSp>
-              </p:grpSp>
-            </p:grpSp>
+                <a:prstGeom prst="line">
+                  <a:avLst/>
+                </a:prstGeom>
+                <a:ln w="22225">
+                  <a:solidFill>
+                    <a:schemeClr val="bg1"/>
+                  </a:solidFill>
+                </a:ln>
+              </p:spPr>
+              <p:style>
+                <a:lnRef idx="1">
+                  <a:schemeClr val="accent1"/>
+                </a:lnRef>
+                <a:fillRef idx="0">
+                  <a:schemeClr val="accent1"/>
+                </a:fillRef>
+                <a:effectRef idx="0">
+                  <a:schemeClr val="accent1"/>
+                </a:effectRef>
+                <a:fontRef idx="minor">
+                  <a:schemeClr val="tx1"/>
+                </a:fontRef>
+              </p:style>
+            </p:cxnSp>
+            <p:cxnSp>
+              <p:nvCxnSpPr>
+                <p:cNvPr id="839" name="Straight Connector 838"/>
+                <p:cNvCxnSpPr/>
+                <p:nvPr/>
+              </p:nvCxnSpPr>
+              <p:spPr>
+                <a:xfrm>
+                  <a:off x="9581560" y="1446941"/>
+                  <a:ext cx="91440" cy="0"/>
+                </a:xfrm>
+                <a:prstGeom prst="line">
+                  <a:avLst/>
+                </a:prstGeom>
+                <a:ln w="22225">
+                  <a:solidFill>
+                    <a:schemeClr val="bg1"/>
+                  </a:solidFill>
+                </a:ln>
+              </p:spPr>
+              <p:style>
+                <a:lnRef idx="1">
+                  <a:schemeClr val="accent1"/>
+                </a:lnRef>
+                <a:fillRef idx="0">
+                  <a:schemeClr val="accent1"/>
+                </a:fillRef>
+                <a:effectRef idx="0">
+                  <a:schemeClr val="accent1"/>
+                </a:effectRef>
+                <a:fontRef idx="minor">
+                  <a:schemeClr val="tx1"/>
+                </a:fontRef>
+              </p:style>
+            </p:cxnSp>
+          </p:grpSp>
+          <p:grpSp>
+            <p:nvGrpSpPr>
+              <p:cNvPr id="840" name="Group 839"/>
+              <p:cNvGrpSpPr/>
+              <p:nvPr/>
+            </p:nvGrpSpPr>
+            <p:grpSpPr>
+              <a:xfrm>
+                <a:off x="10299960" y="1212086"/>
+                <a:ext cx="197575" cy="80962"/>
+                <a:chOff x="9528493" y="1365979"/>
+                <a:chExt cx="197575" cy="80962"/>
+              </a:xfrm>
+            </p:grpSpPr>
+            <p:cxnSp>
+              <p:nvCxnSpPr>
+                <p:cNvPr id="841" name="Straight Connector 840"/>
+                <p:cNvCxnSpPr/>
+                <p:nvPr/>
+              </p:nvCxnSpPr>
+              <p:spPr>
+                <a:xfrm>
+                  <a:off x="9528493" y="1365979"/>
+                  <a:ext cx="197575" cy="0"/>
+                </a:xfrm>
+                <a:prstGeom prst="line">
+                  <a:avLst/>
+                </a:prstGeom>
+                <a:ln w="22225">
+                  <a:solidFill>
+                    <a:schemeClr val="bg1"/>
+                  </a:solidFill>
+                </a:ln>
+              </p:spPr>
+              <p:style>
+                <a:lnRef idx="1">
+                  <a:schemeClr val="accent1"/>
+                </a:lnRef>
+                <a:fillRef idx="0">
+                  <a:schemeClr val="accent1"/>
+                </a:fillRef>
+                <a:effectRef idx="0">
+                  <a:schemeClr val="accent1"/>
+                </a:effectRef>
+                <a:fontRef idx="minor">
+                  <a:schemeClr val="tx1"/>
+                </a:fontRef>
+              </p:style>
+            </p:cxnSp>
+            <p:cxnSp>
+              <p:nvCxnSpPr>
+                <p:cNvPr id="842" name="Straight Connector 841"/>
+                <p:cNvCxnSpPr/>
+                <p:nvPr/>
+              </p:nvCxnSpPr>
+              <p:spPr>
+                <a:xfrm>
+                  <a:off x="9554128" y="1406460"/>
+                  <a:ext cx="146304" cy="0"/>
+                </a:xfrm>
+                <a:prstGeom prst="line">
+                  <a:avLst/>
+                </a:prstGeom>
+                <a:ln w="22225">
+                  <a:solidFill>
+                    <a:schemeClr val="bg1"/>
+                  </a:solidFill>
+                </a:ln>
+              </p:spPr>
+              <p:style>
+                <a:lnRef idx="1">
+                  <a:schemeClr val="accent1"/>
+                </a:lnRef>
+                <a:fillRef idx="0">
+                  <a:schemeClr val="accent1"/>
+                </a:fillRef>
+                <a:effectRef idx="0">
+                  <a:schemeClr val="accent1"/>
+                </a:effectRef>
+                <a:fontRef idx="minor">
+                  <a:schemeClr val="tx1"/>
+                </a:fontRef>
+              </p:style>
+            </p:cxnSp>
+            <p:cxnSp>
+              <p:nvCxnSpPr>
+                <p:cNvPr id="843" name="Straight Connector 842"/>
+                <p:cNvCxnSpPr/>
+                <p:nvPr/>
+              </p:nvCxnSpPr>
+              <p:spPr>
+                <a:xfrm>
+                  <a:off x="9581560" y="1446941"/>
+                  <a:ext cx="91440" cy="0"/>
+                </a:xfrm>
+                <a:prstGeom prst="line">
+                  <a:avLst/>
+                </a:prstGeom>
+                <a:ln w="22225">
+                  <a:solidFill>
+                    <a:schemeClr val="bg1"/>
+                  </a:solidFill>
+                </a:ln>
+              </p:spPr>
+              <p:style>
+                <a:lnRef idx="1">
+                  <a:schemeClr val="accent1"/>
+                </a:lnRef>
+                <a:fillRef idx="0">
+                  <a:schemeClr val="accent1"/>
+                </a:fillRef>
+                <a:effectRef idx="0">
+                  <a:schemeClr val="accent1"/>
+                </a:effectRef>
+                <a:fontRef idx="minor">
+                  <a:schemeClr val="tx1"/>
+                </a:fontRef>
+              </p:style>
+            </p:cxnSp>
+          </p:grpSp>
+        </p:grpSp>
+        <p:grpSp>
+          <p:nvGrpSpPr>
+            <p:cNvPr id="468" name="Group 467"/>
+            <p:cNvGrpSpPr/>
+            <p:nvPr/>
+          </p:nvGrpSpPr>
+          <p:grpSpPr>
+            <a:xfrm>
+              <a:off x="8113016" y="33268"/>
+              <a:ext cx="3683452" cy="1396877"/>
+              <a:chOff x="758497" y="1596989"/>
+              <a:chExt cx="3683452" cy="1396877"/>
+            </a:xfrm>
+          </p:grpSpPr>
+          <p:grpSp>
+            <p:nvGrpSpPr>
+              <p:cNvPr id="469" name="Group 468"/>
+              <p:cNvGrpSpPr/>
+              <p:nvPr/>
+            </p:nvGrpSpPr>
+            <p:grpSpPr>
+              <a:xfrm>
+                <a:off x="758497" y="1596989"/>
+                <a:ext cx="47339" cy="1396131"/>
+                <a:chOff x="8537448" y="2183518"/>
+                <a:chExt cx="265176" cy="768872"/>
+              </a:xfrm>
+            </p:grpSpPr>
+            <p:cxnSp>
+              <p:nvCxnSpPr>
+                <p:cNvPr id="476" name="Straight Connector 475"/>
+                <p:cNvCxnSpPr/>
+                <p:nvPr/>
+              </p:nvCxnSpPr>
+              <p:spPr>
+                <a:xfrm>
+                  <a:off x="8537448" y="2183518"/>
+                  <a:ext cx="265176" cy="0"/>
+                </a:xfrm>
+                <a:prstGeom prst="line">
+                  <a:avLst/>
+                </a:prstGeom>
+                <a:ln w="22225">
+                  <a:solidFill>
+                    <a:schemeClr val="tx1"/>
+                  </a:solidFill>
+                </a:ln>
+              </p:spPr>
+              <p:style>
+                <a:lnRef idx="1">
+                  <a:schemeClr val="accent1"/>
+                </a:lnRef>
+                <a:fillRef idx="0">
+                  <a:schemeClr val="accent1"/>
+                </a:fillRef>
+                <a:effectRef idx="0">
+                  <a:schemeClr val="accent1"/>
+                </a:effectRef>
+                <a:fontRef idx="minor">
+                  <a:schemeClr val="tx1"/>
+                </a:fontRef>
+              </p:style>
+            </p:cxnSp>
+            <p:cxnSp>
+              <p:nvCxnSpPr>
+                <p:cNvPr id="477" name="Straight Connector 476"/>
+                <p:cNvCxnSpPr/>
+                <p:nvPr/>
+              </p:nvCxnSpPr>
+              <p:spPr>
+                <a:xfrm>
+                  <a:off x="8537448" y="2375736"/>
+                  <a:ext cx="265176" cy="0"/>
+                </a:xfrm>
+                <a:prstGeom prst="line">
+                  <a:avLst/>
+                </a:prstGeom>
+                <a:ln w="22225">
+                  <a:solidFill>
+                    <a:schemeClr val="tx1"/>
+                  </a:solidFill>
+                </a:ln>
+              </p:spPr>
+              <p:style>
+                <a:lnRef idx="1">
+                  <a:schemeClr val="accent1"/>
+                </a:lnRef>
+                <a:fillRef idx="0">
+                  <a:schemeClr val="accent1"/>
+                </a:fillRef>
+                <a:effectRef idx="0">
+                  <a:schemeClr val="accent1"/>
+                </a:effectRef>
+                <a:fontRef idx="minor">
+                  <a:schemeClr val="tx1"/>
+                </a:fontRef>
+              </p:style>
+            </p:cxnSp>
+            <p:cxnSp>
+              <p:nvCxnSpPr>
+                <p:cNvPr id="478" name="Straight Connector 477"/>
+                <p:cNvCxnSpPr/>
+                <p:nvPr/>
+              </p:nvCxnSpPr>
+              <p:spPr>
+                <a:xfrm>
+                  <a:off x="8537448" y="2567954"/>
+                  <a:ext cx="265176" cy="0"/>
+                </a:xfrm>
+                <a:prstGeom prst="line">
+                  <a:avLst/>
+                </a:prstGeom>
+                <a:ln w="22225">
+                  <a:solidFill>
+                    <a:schemeClr val="tx1"/>
+                  </a:solidFill>
+                </a:ln>
+              </p:spPr>
+              <p:style>
+                <a:lnRef idx="1">
+                  <a:schemeClr val="accent1"/>
+                </a:lnRef>
+                <a:fillRef idx="0">
+                  <a:schemeClr val="accent1"/>
+                </a:fillRef>
+                <a:effectRef idx="0">
+                  <a:schemeClr val="accent1"/>
+                </a:effectRef>
+                <a:fontRef idx="minor">
+                  <a:schemeClr val="tx1"/>
+                </a:fontRef>
+              </p:style>
+            </p:cxnSp>
+            <p:cxnSp>
+              <p:nvCxnSpPr>
+                <p:cNvPr id="479" name="Straight Connector 478"/>
+                <p:cNvCxnSpPr/>
+                <p:nvPr/>
+              </p:nvCxnSpPr>
+              <p:spPr>
+                <a:xfrm>
+                  <a:off x="8537448" y="2760172"/>
+                  <a:ext cx="265176" cy="0"/>
+                </a:xfrm>
+                <a:prstGeom prst="line">
+                  <a:avLst/>
+                </a:prstGeom>
+                <a:ln w="22225">
+                  <a:solidFill>
+                    <a:schemeClr val="tx1"/>
+                  </a:solidFill>
+                </a:ln>
+              </p:spPr>
+              <p:style>
+                <a:lnRef idx="1">
+                  <a:schemeClr val="accent1"/>
+                </a:lnRef>
+                <a:fillRef idx="0">
+                  <a:schemeClr val="accent1"/>
+                </a:fillRef>
+                <a:effectRef idx="0">
+                  <a:schemeClr val="accent1"/>
+                </a:effectRef>
+                <a:fontRef idx="minor">
+                  <a:schemeClr val="tx1"/>
+                </a:fontRef>
+              </p:style>
+            </p:cxnSp>
+            <p:cxnSp>
+              <p:nvCxnSpPr>
+                <p:cNvPr id="480" name="Straight Connector 479"/>
+                <p:cNvCxnSpPr/>
+                <p:nvPr/>
+              </p:nvCxnSpPr>
+              <p:spPr>
+                <a:xfrm>
+                  <a:off x="8537448" y="2952390"/>
+                  <a:ext cx="265176" cy="0"/>
+                </a:xfrm>
+                <a:prstGeom prst="line">
+                  <a:avLst/>
+                </a:prstGeom>
+                <a:ln w="22225">
+                  <a:solidFill>
+                    <a:schemeClr val="tx1"/>
+                  </a:solidFill>
+                </a:ln>
+              </p:spPr>
+              <p:style>
+                <a:lnRef idx="1">
+                  <a:schemeClr val="accent1"/>
+                </a:lnRef>
+                <a:fillRef idx="0">
+                  <a:schemeClr val="accent1"/>
+                </a:fillRef>
+                <a:effectRef idx="0">
+                  <a:schemeClr val="accent1"/>
+                </a:effectRef>
+                <a:fontRef idx="minor">
+                  <a:schemeClr val="tx1"/>
+                </a:fontRef>
+              </p:style>
+            </p:cxnSp>
+          </p:grpSp>
+          <p:grpSp>
+            <p:nvGrpSpPr>
+              <p:cNvPr id="470" name="Group 469"/>
+              <p:cNvGrpSpPr/>
+              <p:nvPr/>
+            </p:nvGrpSpPr>
+            <p:grpSpPr>
+              <a:xfrm>
+                <a:off x="761528" y="2947483"/>
+                <a:ext cx="3680421" cy="46383"/>
+                <a:chOff x="1957787" y="5948602"/>
+                <a:chExt cx="3647347" cy="45720"/>
+              </a:xfrm>
+            </p:grpSpPr>
+            <p:cxnSp>
+              <p:nvCxnSpPr>
+                <p:cNvPr id="471" name="Straight Connector 470"/>
+                <p:cNvCxnSpPr/>
+                <p:nvPr/>
+              </p:nvCxnSpPr>
+              <p:spPr>
+                <a:xfrm>
+                  <a:off x="5605134" y="5948602"/>
+                  <a:ext cx="0" cy="45720"/>
+                </a:xfrm>
+                <a:prstGeom prst="line">
+                  <a:avLst/>
+                </a:prstGeom>
+                <a:ln w="22225">
+                  <a:solidFill>
+                    <a:schemeClr val="tx1"/>
+                  </a:solidFill>
+                </a:ln>
+              </p:spPr>
+              <p:style>
+                <a:lnRef idx="1">
+                  <a:schemeClr val="accent1"/>
+                </a:lnRef>
+                <a:fillRef idx="0">
+                  <a:schemeClr val="accent1"/>
+                </a:fillRef>
+                <a:effectRef idx="0">
+                  <a:schemeClr val="accent1"/>
+                </a:effectRef>
+                <a:fontRef idx="minor">
+                  <a:schemeClr val="tx1"/>
+                </a:fontRef>
+              </p:style>
+            </p:cxnSp>
+            <p:cxnSp>
+              <p:nvCxnSpPr>
+                <p:cNvPr id="472" name="Straight Connector 471"/>
+                <p:cNvCxnSpPr/>
+                <p:nvPr/>
+              </p:nvCxnSpPr>
+              <p:spPr>
+                <a:xfrm>
+                  <a:off x="1957787" y="5948602"/>
+                  <a:ext cx="0" cy="45720"/>
+                </a:xfrm>
+                <a:prstGeom prst="line">
+                  <a:avLst/>
+                </a:prstGeom>
+                <a:ln w="22225">
+                  <a:solidFill>
+                    <a:schemeClr val="tx1"/>
+                  </a:solidFill>
+                </a:ln>
+              </p:spPr>
+              <p:style>
+                <a:lnRef idx="1">
+                  <a:schemeClr val="accent1"/>
+                </a:lnRef>
+                <a:fillRef idx="0">
+                  <a:schemeClr val="accent1"/>
+                </a:fillRef>
+                <a:effectRef idx="0">
+                  <a:schemeClr val="accent1"/>
+                </a:effectRef>
+                <a:fontRef idx="minor">
+                  <a:schemeClr val="tx1"/>
+                </a:fontRef>
+              </p:style>
+            </p:cxnSp>
+            <p:cxnSp>
+              <p:nvCxnSpPr>
+                <p:cNvPr id="473" name="Straight Connector 472"/>
+                <p:cNvCxnSpPr/>
+                <p:nvPr/>
+              </p:nvCxnSpPr>
+              <p:spPr>
+                <a:xfrm>
+                  <a:off x="2872492" y="5948602"/>
+                  <a:ext cx="0" cy="45720"/>
+                </a:xfrm>
+                <a:prstGeom prst="line">
+                  <a:avLst/>
+                </a:prstGeom>
+                <a:ln w="22225">
+                  <a:solidFill>
+                    <a:schemeClr val="tx1"/>
+                  </a:solidFill>
+                </a:ln>
+              </p:spPr>
+              <p:style>
+                <a:lnRef idx="1">
+                  <a:schemeClr val="accent1"/>
+                </a:lnRef>
+                <a:fillRef idx="0">
+                  <a:schemeClr val="accent1"/>
+                </a:fillRef>
+                <a:effectRef idx="0">
+                  <a:schemeClr val="accent1"/>
+                </a:effectRef>
+                <a:fontRef idx="minor">
+                  <a:schemeClr val="tx1"/>
+                </a:fontRef>
+              </p:style>
+            </p:cxnSp>
+            <p:cxnSp>
+              <p:nvCxnSpPr>
+                <p:cNvPr id="474" name="Straight Connector 473"/>
+                <p:cNvCxnSpPr/>
+                <p:nvPr/>
+              </p:nvCxnSpPr>
+              <p:spPr>
+                <a:xfrm>
+                  <a:off x="3787197" y="5948602"/>
+                  <a:ext cx="0" cy="45720"/>
+                </a:xfrm>
+                <a:prstGeom prst="line">
+                  <a:avLst/>
+                </a:prstGeom>
+                <a:ln w="22225">
+                  <a:solidFill>
+                    <a:schemeClr val="tx1"/>
+                  </a:solidFill>
+                </a:ln>
+              </p:spPr>
+              <p:style>
+                <a:lnRef idx="1">
+                  <a:schemeClr val="accent1"/>
+                </a:lnRef>
+                <a:fillRef idx="0">
+                  <a:schemeClr val="accent1"/>
+                </a:fillRef>
+                <a:effectRef idx="0">
+                  <a:schemeClr val="accent1"/>
+                </a:effectRef>
+                <a:fontRef idx="minor">
+                  <a:schemeClr val="tx1"/>
+                </a:fontRef>
+              </p:style>
+            </p:cxnSp>
+            <p:cxnSp>
+              <p:nvCxnSpPr>
+                <p:cNvPr id="475" name="Straight Connector 474"/>
+                <p:cNvCxnSpPr/>
+                <p:nvPr/>
+              </p:nvCxnSpPr>
+              <p:spPr>
+                <a:xfrm>
+                  <a:off x="4701902" y="5948602"/>
+                  <a:ext cx="0" cy="45720"/>
+                </a:xfrm>
+                <a:prstGeom prst="line">
+                  <a:avLst/>
+                </a:prstGeom>
+                <a:ln w="22225">
+                  <a:solidFill>
+                    <a:schemeClr val="tx1"/>
+                  </a:solidFill>
+                </a:ln>
+              </p:spPr>
+              <p:style>
+                <a:lnRef idx="1">
+                  <a:schemeClr val="accent1"/>
+                </a:lnRef>
+                <a:fillRef idx="0">
+                  <a:schemeClr val="accent1"/>
+                </a:fillRef>
+                <a:effectRef idx="0">
+                  <a:schemeClr val="accent1"/>
+                </a:effectRef>
+                <a:fontRef idx="minor">
+                  <a:schemeClr val="tx1"/>
+                </a:fontRef>
+              </p:style>
+            </p:cxnSp>
           </p:grpSp>
         </p:grpSp>
       </p:grpSp>
@@ -13784,6 +12769,969 @@
           </a:p>
         </p:txBody>
       </p:sp>
+      <p:grpSp>
+        <p:nvGrpSpPr>
+          <p:cNvPr id="20" name="Group 19"/>
+          <p:cNvGrpSpPr/>
+          <p:nvPr/>
+        </p:nvGrpSpPr>
+        <p:grpSpPr>
+          <a:xfrm>
+            <a:off x="890939" y="-10702"/>
+            <a:ext cx="3028648" cy="1475998"/>
+            <a:chOff x="880918" y="1448511"/>
+            <a:chExt cx="3028648" cy="1475998"/>
+          </a:xfrm>
+        </p:grpSpPr>
+        <p:sp>
+          <p:nvSpPr>
+            <p:cNvPr id="277" name="TextBox 276"/>
+            <p:cNvSpPr txBox="1"/>
+            <p:nvPr/>
+          </p:nvSpPr>
+          <p:spPr>
+            <a:xfrm>
+              <a:off x="1721583" y="1448511"/>
+              <a:ext cx="502920" cy="461665"/>
+            </a:xfrm>
+            <a:prstGeom prst="rect">
+              <a:avLst/>
+            </a:prstGeom>
+            <a:noFill/>
+          </p:spPr>
+          <p:txBody>
+            <a:bodyPr wrap="square" rtlCol="0">
+              <a:spAutoFit/>
+            </a:bodyPr>
+            <a:lstStyle/>
+            <a:p>
+              <a:r>
+                <a:rPr lang="en-US" sz="2400" dirty="0">
+                  <a:solidFill>
+                    <a:schemeClr val="bg1"/>
+                  </a:solidFill>
+                </a:rPr>
+                <a:t>+</a:t>
+              </a:r>
+            </a:p>
+          </p:txBody>
+        </p:sp>
+        <p:sp>
+          <p:nvSpPr>
+            <p:cNvPr id="278" name="TextBox 277"/>
+            <p:cNvSpPr txBox="1"/>
+            <p:nvPr/>
+          </p:nvSpPr>
+          <p:spPr>
+            <a:xfrm>
+              <a:off x="3545178" y="1448511"/>
+              <a:ext cx="283862" cy="461665"/>
+            </a:xfrm>
+            <a:prstGeom prst="rect">
+              <a:avLst/>
+            </a:prstGeom>
+            <a:noFill/>
+          </p:spPr>
+          <p:txBody>
+            <a:bodyPr wrap="square" rtlCol="0">
+              <a:spAutoFit/>
+            </a:bodyPr>
+            <a:lstStyle/>
+            <a:p>
+              <a:r>
+                <a:rPr lang="en-US" sz="2400" dirty="0">
+                  <a:solidFill>
+                    <a:schemeClr val="bg1"/>
+                  </a:solidFill>
+                </a:rPr>
+                <a:t>+</a:t>
+              </a:r>
+            </a:p>
+          </p:txBody>
+        </p:sp>
+        <p:sp>
+          <p:nvSpPr>
+            <p:cNvPr id="279" name="TextBox 278"/>
+            <p:cNvSpPr txBox="1"/>
+            <p:nvPr/>
+          </p:nvSpPr>
+          <p:spPr>
+            <a:xfrm>
+              <a:off x="3523506" y="2555177"/>
+              <a:ext cx="386060" cy="369332"/>
+            </a:xfrm>
+            <a:prstGeom prst="rect">
+              <a:avLst/>
+            </a:prstGeom>
+            <a:noFill/>
+          </p:spPr>
+          <p:txBody>
+            <a:bodyPr wrap="square" rtlCol="0">
+              <a:spAutoFit/>
+            </a:bodyPr>
+            <a:lstStyle/>
+            <a:p>
+              <a:r>
+                <a:rPr lang="en-US" b="1" dirty="0">
+                  <a:solidFill>
+                    <a:schemeClr val="bg1"/>
+                  </a:solidFill>
+                </a:rPr>
+                <a:t>—</a:t>
+              </a:r>
+            </a:p>
+          </p:txBody>
+        </p:sp>
+        <p:sp>
+          <p:nvSpPr>
+            <p:cNvPr id="280" name="TextBox 279"/>
+            <p:cNvSpPr txBox="1"/>
+            <p:nvPr/>
+          </p:nvSpPr>
+          <p:spPr>
+            <a:xfrm>
+              <a:off x="1696003" y="2555177"/>
+              <a:ext cx="765810" cy="369332"/>
+            </a:xfrm>
+            <a:prstGeom prst="rect">
+              <a:avLst/>
+            </a:prstGeom>
+            <a:noFill/>
+          </p:spPr>
+          <p:txBody>
+            <a:bodyPr wrap="square" rtlCol="0">
+              <a:spAutoFit/>
+            </a:bodyPr>
+            <a:lstStyle/>
+            <a:p>
+              <a:r>
+                <a:rPr lang="en-US" b="1" dirty="0">
+                  <a:solidFill>
+                    <a:schemeClr val="bg1"/>
+                  </a:solidFill>
+                </a:rPr>
+                <a:t>—</a:t>
+              </a:r>
+            </a:p>
+          </p:txBody>
+        </p:sp>
+        <p:grpSp>
+          <p:nvGrpSpPr>
+            <p:cNvPr id="281" name="Group 280"/>
+            <p:cNvGrpSpPr/>
+            <p:nvPr/>
+          </p:nvGrpSpPr>
+          <p:grpSpPr>
+            <a:xfrm>
+              <a:off x="2704753" y="2699362"/>
+              <a:ext cx="197575" cy="80962"/>
+              <a:chOff x="3371850" y="2904422"/>
+              <a:chExt cx="197575" cy="80962"/>
+            </a:xfrm>
+          </p:grpSpPr>
+          <p:cxnSp>
+            <p:nvCxnSpPr>
+              <p:cNvPr id="295" name="Straight Connector 294"/>
+              <p:cNvCxnSpPr/>
+              <p:nvPr/>
+            </p:nvCxnSpPr>
+            <p:spPr>
+              <a:xfrm>
+                <a:off x="3371850" y="2904422"/>
+                <a:ext cx="197575" cy="0"/>
+              </a:xfrm>
+              <a:prstGeom prst="line">
+                <a:avLst/>
+              </a:prstGeom>
+              <a:ln w="22225">
+                <a:solidFill>
+                  <a:schemeClr val="bg1"/>
+                </a:solidFill>
+              </a:ln>
+            </p:spPr>
+            <p:style>
+              <a:lnRef idx="1">
+                <a:schemeClr val="accent1"/>
+              </a:lnRef>
+              <a:fillRef idx="0">
+                <a:schemeClr val="accent1"/>
+              </a:fillRef>
+              <a:effectRef idx="0">
+                <a:schemeClr val="accent1"/>
+              </a:effectRef>
+              <a:fontRef idx="minor">
+                <a:schemeClr val="tx1"/>
+              </a:fontRef>
+            </p:style>
+          </p:cxnSp>
+          <p:cxnSp>
+            <p:nvCxnSpPr>
+              <p:cNvPr id="296" name="Straight Connector 295"/>
+              <p:cNvCxnSpPr/>
+              <p:nvPr/>
+            </p:nvCxnSpPr>
+            <p:spPr>
+              <a:xfrm>
+                <a:off x="3397485" y="2944903"/>
+                <a:ext cx="146304" cy="0"/>
+              </a:xfrm>
+              <a:prstGeom prst="line">
+                <a:avLst/>
+              </a:prstGeom>
+              <a:ln w="22225">
+                <a:solidFill>
+                  <a:schemeClr val="bg1"/>
+                </a:solidFill>
+              </a:ln>
+            </p:spPr>
+            <p:style>
+              <a:lnRef idx="1">
+                <a:schemeClr val="accent1"/>
+              </a:lnRef>
+              <a:fillRef idx="0">
+                <a:schemeClr val="accent1"/>
+              </a:fillRef>
+              <a:effectRef idx="0">
+                <a:schemeClr val="accent1"/>
+              </a:effectRef>
+              <a:fontRef idx="minor">
+                <a:schemeClr val="tx1"/>
+              </a:fontRef>
+            </p:style>
+          </p:cxnSp>
+          <p:cxnSp>
+            <p:nvCxnSpPr>
+              <p:cNvPr id="297" name="Straight Connector 296"/>
+              <p:cNvCxnSpPr/>
+              <p:nvPr/>
+            </p:nvCxnSpPr>
+            <p:spPr>
+              <a:xfrm>
+                <a:off x="3424917" y="2985384"/>
+                <a:ext cx="91440" cy="0"/>
+              </a:xfrm>
+              <a:prstGeom prst="line">
+                <a:avLst/>
+              </a:prstGeom>
+              <a:ln w="22225">
+                <a:solidFill>
+                  <a:schemeClr val="bg1"/>
+                </a:solidFill>
+              </a:ln>
+            </p:spPr>
+            <p:style>
+              <a:lnRef idx="1">
+                <a:schemeClr val="accent1"/>
+              </a:lnRef>
+              <a:fillRef idx="0">
+                <a:schemeClr val="accent1"/>
+              </a:fillRef>
+              <a:effectRef idx="0">
+                <a:schemeClr val="accent1"/>
+              </a:effectRef>
+              <a:fontRef idx="minor">
+                <a:schemeClr val="tx1"/>
+              </a:fontRef>
+            </p:style>
+          </p:cxnSp>
+        </p:grpSp>
+        <p:grpSp>
+          <p:nvGrpSpPr>
+            <p:cNvPr id="282" name="Group 281"/>
+            <p:cNvGrpSpPr/>
+            <p:nvPr/>
+          </p:nvGrpSpPr>
+          <p:grpSpPr>
+            <a:xfrm>
+              <a:off x="880918" y="2699362"/>
+              <a:ext cx="197575" cy="80962"/>
+              <a:chOff x="3371850" y="2904422"/>
+              <a:chExt cx="197575" cy="80962"/>
+            </a:xfrm>
+          </p:grpSpPr>
+          <p:cxnSp>
+            <p:nvCxnSpPr>
+              <p:cNvPr id="292" name="Straight Connector 291"/>
+              <p:cNvCxnSpPr/>
+              <p:nvPr/>
+            </p:nvCxnSpPr>
+            <p:spPr>
+              <a:xfrm>
+                <a:off x="3371850" y="2904422"/>
+                <a:ext cx="197575" cy="0"/>
+              </a:xfrm>
+              <a:prstGeom prst="line">
+                <a:avLst/>
+              </a:prstGeom>
+              <a:ln w="22225">
+                <a:solidFill>
+                  <a:schemeClr val="bg1"/>
+                </a:solidFill>
+              </a:ln>
+            </p:spPr>
+            <p:style>
+              <a:lnRef idx="1">
+                <a:schemeClr val="accent1"/>
+              </a:lnRef>
+              <a:fillRef idx="0">
+                <a:schemeClr val="accent1"/>
+              </a:fillRef>
+              <a:effectRef idx="0">
+                <a:schemeClr val="accent1"/>
+              </a:effectRef>
+              <a:fontRef idx="minor">
+                <a:schemeClr val="tx1"/>
+              </a:fontRef>
+            </p:style>
+          </p:cxnSp>
+          <p:cxnSp>
+            <p:nvCxnSpPr>
+              <p:cNvPr id="293" name="Straight Connector 292"/>
+              <p:cNvCxnSpPr/>
+              <p:nvPr/>
+            </p:nvCxnSpPr>
+            <p:spPr>
+              <a:xfrm>
+                <a:off x="3397485" y="2944903"/>
+                <a:ext cx="146304" cy="0"/>
+              </a:xfrm>
+              <a:prstGeom prst="line">
+                <a:avLst/>
+              </a:prstGeom>
+              <a:ln w="22225">
+                <a:solidFill>
+                  <a:schemeClr val="bg1"/>
+                </a:solidFill>
+              </a:ln>
+            </p:spPr>
+            <p:style>
+              <a:lnRef idx="1">
+                <a:schemeClr val="accent1"/>
+              </a:lnRef>
+              <a:fillRef idx="0">
+                <a:schemeClr val="accent1"/>
+              </a:fillRef>
+              <a:effectRef idx="0">
+                <a:schemeClr val="accent1"/>
+              </a:effectRef>
+              <a:fontRef idx="minor">
+                <a:schemeClr val="tx1"/>
+              </a:fontRef>
+            </p:style>
+          </p:cxnSp>
+          <p:cxnSp>
+            <p:nvCxnSpPr>
+              <p:cNvPr id="294" name="Straight Connector 293"/>
+              <p:cNvCxnSpPr/>
+              <p:nvPr/>
+            </p:nvCxnSpPr>
+            <p:spPr>
+              <a:xfrm>
+                <a:off x="3424917" y="2985384"/>
+                <a:ext cx="91440" cy="0"/>
+              </a:xfrm>
+              <a:prstGeom prst="line">
+                <a:avLst/>
+              </a:prstGeom>
+              <a:ln w="22225">
+                <a:solidFill>
+                  <a:schemeClr val="bg1"/>
+                </a:solidFill>
+              </a:ln>
+            </p:spPr>
+            <p:style>
+              <a:lnRef idx="1">
+                <a:schemeClr val="accent1"/>
+              </a:lnRef>
+              <a:fillRef idx="0">
+                <a:schemeClr val="accent1"/>
+              </a:fillRef>
+              <a:effectRef idx="0">
+                <a:schemeClr val="accent1"/>
+              </a:effectRef>
+              <a:fontRef idx="minor">
+                <a:schemeClr val="tx1"/>
+              </a:fontRef>
+            </p:style>
+          </p:cxnSp>
+        </p:grpSp>
+        <p:grpSp>
+          <p:nvGrpSpPr>
+            <p:cNvPr id="283" name="Group 282"/>
+            <p:cNvGrpSpPr/>
+            <p:nvPr/>
+          </p:nvGrpSpPr>
+          <p:grpSpPr>
+            <a:xfrm>
+              <a:off x="2704753" y="1638862"/>
+              <a:ext cx="197575" cy="80962"/>
+              <a:chOff x="3371850" y="2904422"/>
+              <a:chExt cx="197575" cy="80962"/>
+            </a:xfrm>
+          </p:grpSpPr>
+          <p:cxnSp>
+            <p:nvCxnSpPr>
+              <p:cNvPr id="289" name="Straight Connector 288"/>
+              <p:cNvCxnSpPr/>
+              <p:nvPr/>
+            </p:nvCxnSpPr>
+            <p:spPr>
+              <a:xfrm>
+                <a:off x="3371850" y="2904422"/>
+                <a:ext cx="197575" cy="0"/>
+              </a:xfrm>
+              <a:prstGeom prst="line">
+                <a:avLst/>
+              </a:prstGeom>
+              <a:ln w="22225">
+                <a:solidFill>
+                  <a:schemeClr val="bg1"/>
+                </a:solidFill>
+              </a:ln>
+            </p:spPr>
+            <p:style>
+              <a:lnRef idx="1">
+                <a:schemeClr val="accent1"/>
+              </a:lnRef>
+              <a:fillRef idx="0">
+                <a:schemeClr val="accent1"/>
+              </a:fillRef>
+              <a:effectRef idx="0">
+                <a:schemeClr val="accent1"/>
+              </a:effectRef>
+              <a:fontRef idx="minor">
+                <a:schemeClr val="tx1"/>
+              </a:fontRef>
+            </p:style>
+          </p:cxnSp>
+          <p:cxnSp>
+            <p:nvCxnSpPr>
+              <p:cNvPr id="290" name="Straight Connector 289"/>
+              <p:cNvCxnSpPr/>
+              <p:nvPr/>
+            </p:nvCxnSpPr>
+            <p:spPr>
+              <a:xfrm>
+                <a:off x="3397485" y="2944903"/>
+                <a:ext cx="146304" cy="0"/>
+              </a:xfrm>
+              <a:prstGeom prst="line">
+                <a:avLst/>
+              </a:prstGeom>
+              <a:ln w="22225">
+                <a:solidFill>
+                  <a:schemeClr val="bg1"/>
+                </a:solidFill>
+              </a:ln>
+            </p:spPr>
+            <p:style>
+              <a:lnRef idx="1">
+                <a:schemeClr val="accent1"/>
+              </a:lnRef>
+              <a:fillRef idx="0">
+                <a:schemeClr val="accent1"/>
+              </a:fillRef>
+              <a:effectRef idx="0">
+                <a:schemeClr val="accent1"/>
+              </a:effectRef>
+              <a:fontRef idx="minor">
+                <a:schemeClr val="tx1"/>
+              </a:fontRef>
+            </p:style>
+          </p:cxnSp>
+          <p:cxnSp>
+            <p:nvCxnSpPr>
+              <p:cNvPr id="291" name="Straight Connector 290"/>
+              <p:cNvCxnSpPr/>
+              <p:nvPr/>
+            </p:nvCxnSpPr>
+            <p:spPr>
+              <a:xfrm>
+                <a:off x="3424917" y="2985384"/>
+                <a:ext cx="91440" cy="0"/>
+              </a:xfrm>
+              <a:prstGeom prst="line">
+                <a:avLst/>
+              </a:prstGeom>
+              <a:ln w="22225">
+                <a:solidFill>
+                  <a:schemeClr val="bg1"/>
+                </a:solidFill>
+              </a:ln>
+            </p:spPr>
+            <p:style>
+              <a:lnRef idx="1">
+                <a:schemeClr val="accent1"/>
+              </a:lnRef>
+              <a:fillRef idx="0">
+                <a:schemeClr val="accent1"/>
+              </a:fillRef>
+              <a:effectRef idx="0">
+                <a:schemeClr val="accent1"/>
+              </a:effectRef>
+              <a:fontRef idx="minor">
+                <a:schemeClr val="tx1"/>
+              </a:fontRef>
+            </p:style>
+          </p:cxnSp>
+        </p:grpSp>
+        <p:grpSp>
+          <p:nvGrpSpPr>
+            <p:cNvPr id="284" name="Group 283"/>
+            <p:cNvGrpSpPr/>
+            <p:nvPr/>
+          </p:nvGrpSpPr>
+          <p:grpSpPr>
+            <a:xfrm>
+              <a:off x="880918" y="1638862"/>
+              <a:ext cx="197575" cy="80962"/>
+              <a:chOff x="3371850" y="2904422"/>
+              <a:chExt cx="197575" cy="80962"/>
+            </a:xfrm>
+          </p:grpSpPr>
+          <p:cxnSp>
+            <p:nvCxnSpPr>
+              <p:cNvPr id="286" name="Straight Connector 285"/>
+              <p:cNvCxnSpPr/>
+              <p:nvPr/>
+            </p:nvCxnSpPr>
+            <p:spPr>
+              <a:xfrm>
+                <a:off x="3371850" y="2904422"/>
+                <a:ext cx="197575" cy="0"/>
+              </a:xfrm>
+              <a:prstGeom prst="line">
+                <a:avLst/>
+              </a:prstGeom>
+              <a:ln w="22225">
+                <a:solidFill>
+                  <a:schemeClr val="bg1"/>
+                </a:solidFill>
+              </a:ln>
+            </p:spPr>
+            <p:style>
+              <a:lnRef idx="1">
+                <a:schemeClr val="accent1"/>
+              </a:lnRef>
+              <a:fillRef idx="0">
+                <a:schemeClr val="accent1"/>
+              </a:fillRef>
+              <a:effectRef idx="0">
+                <a:schemeClr val="accent1"/>
+              </a:effectRef>
+              <a:fontRef idx="minor">
+                <a:schemeClr val="tx1"/>
+              </a:fontRef>
+            </p:style>
+          </p:cxnSp>
+          <p:cxnSp>
+            <p:nvCxnSpPr>
+              <p:cNvPr id="287" name="Straight Connector 286"/>
+              <p:cNvCxnSpPr/>
+              <p:nvPr/>
+            </p:nvCxnSpPr>
+            <p:spPr>
+              <a:xfrm>
+                <a:off x="3397485" y="2944903"/>
+                <a:ext cx="146304" cy="0"/>
+              </a:xfrm>
+              <a:prstGeom prst="line">
+                <a:avLst/>
+              </a:prstGeom>
+              <a:ln w="22225">
+                <a:solidFill>
+                  <a:schemeClr val="bg1"/>
+                </a:solidFill>
+              </a:ln>
+            </p:spPr>
+            <p:style>
+              <a:lnRef idx="1">
+                <a:schemeClr val="accent1"/>
+              </a:lnRef>
+              <a:fillRef idx="0">
+                <a:schemeClr val="accent1"/>
+              </a:fillRef>
+              <a:effectRef idx="0">
+                <a:schemeClr val="accent1"/>
+              </a:effectRef>
+              <a:fontRef idx="minor">
+                <a:schemeClr val="tx1"/>
+              </a:fontRef>
+            </p:style>
+          </p:cxnSp>
+          <p:cxnSp>
+            <p:nvCxnSpPr>
+              <p:cNvPr id="288" name="Straight Connector 287"/>
+              <p:cNvCxnSpPr/>
+              <p:nvPr/>
+            </p:nvCxnSpPr>
+            <p:spPr>
+              <a:xfrm>
+                <a:off x="3424917" y="2985384"/>
+                <a:ext cx="91440" cy="0"/>
+              </a:xfrm>
+              <a:prstGeom prst="line">
+                <a:avLst/>
+              </a:prstGeom>
+              <a:ln w="22225">
+                <a:solidFill>
+                  <a:schemeClr val="bg1"/>
+                </a:solidFill>
+              </a:ln>
+            </p:spPr>
+            <p:style>
+              <a:lnRef idx="1">
+                <a:schemeClr val="accent1"/>
+              </a:lnRef>
+              <a:fillRef idx="0">
+                <a:schemeClr val="accent1"/>
+              </a:fillRef>
+              <a:effectRef idx="0">
+                <a:schemeClr val="accent1"/>
+              </a:effectRef>
+              <a:fontRef idx="minor">
+                <a:schemeClr val="tx1"/>
+              </a:fontRef>
+            </p:style>
+          </p:cxnSp>
+        </p:grpSp>
+      </p:grpSp>
+      <p:grpSp>
+        <p:nvGrpSpPr>
+          <p:cNvPr id="484" name="Group 483"/>
+          <p:cNvGrpSpPr/>
+          <p:nvPr/>
+        </p:nvGrpSpPr>
+        <p:grpSpPr>
+          <a:xfrm>
+            <a:off x="4681373" y="159036"/>
+            <a:ext cx="2031982" cy="82455"/>
+            <a:chOff x="5599030" y="1641760"/>
+            <a:chExt cx="2031982" cy="82455"/>
+          </a:xfrm>
+        </p:grpSpPr>
+        <p:grpSp>
+          <p:nvGrpSpPr>
+            <p:cNvPr id="485" name="Group 484"/>
+            <p:cNvGrpSpPr/>
+            <p:nvPr/>
+          </p:nvGrpSpPr>
+          <p:grpSpPr>
+            <a:xfrm>
+              <a:off x="5599030" y="1643253"/>
+              <a:ext cx="197575" cy="80962"/>
+              <a:chOff x="9528493" y="1365979"/>
+              <a:chExt cx="197575" cy="80962"/>
+            </a:xfrm>
+          </p:grpSpPr>
+          <p:cxnSp>
+            <p:nvCxnSpPr>
+              <p:cNvPr id="490" name="Straight Connector 489"/>
+              <p:cNvCxnSpPr/>
+              <p:nvPr/>
+            </p:nvCxnSpPr>
+            <p:spPr>
+              <a:xfrm>
+                <a:off x="9528493" y="1365979"/>
+                <a:ext cx="197575" cy="0"/>
+              </a:xfrm>
+              <a:prstGeom prst="line">
+                <a:avLst/>
+              </a:prstGeom>
+              <a:ln w="22225">
+                <a:solidFill>
+                  <a:schemeClr val="bg1"/>
+                </a:solidFill>
+              </a:ln>
+            </p:spPr>
+            <p:style>
+              <a:lnRef idx="1">
+                <a:schemeClr val="accent1"/>
+              </a:lnRef>
+              <a:fillRef idx="0">
+                <a:schemeClr val="accent1"/>
+              </a:fillRef>
+              <a:effectRef idx="0">
+                <a:schemeClr val="accent1"/>
+              </a:effectRef>
+              <a:fontRef idx="minor">
+                <a:schemeClr val="tx1"/>
+              </a:fontRef>
+            </p:style>
+          </p:cxnSp>
+          <p:cxnSp>
+            <p:nvCxnSpPr>
+              <p:cNvPr id="491" name="Straight Connector 490"/>
+              <p:cNvCxnSpPr/>
+              <p:nvPr/>
+            </p:nvCxnSpPr>
+            <p:spPr>
+              <a:xfrm>
+                <a:off x="9554128" y="1406460"/>
+                <a:ext cx="146304" cy="0"/>
+              </a:xfrm>
+              <a:prstGeom prst="line">
+                <a:avLst/>
+              </a:prstGeom>
+              <a:ln w="22225">
+                <a:solidFill>
+                  <a:schemeClr val="bg1"/>
+                </a:solidFill>
+              </a:ln>
+            </p:spPr>
+            <p:style>
+              <a:lnRef idx="1">
+                <a:schemeClr val="accent1"/>
+              </a:lnRef>
+              <a:fillRef idx="0">
+                <a:schemeClr val="accent1"/>
+              </a:fillRef>
+              <a:effectRef idx="0">
+                <a:schemeClr val="accent1"/>
+              </a:effectRef>
+              <a:fontRef idx="minor">
+                <a:schemeClr val="tx1"/>
+              </a:fontRef>
+            </p:style>
+          </p:cxnSp>
+          <p:cxnSp>
+            <p:nvCxnSpPr>
+              <p:cNvPr id="492" name="Straight Connector 491"/>
+              <p:cNvCxnSpPr/>
+              <p:nvPr/>
+            </p:nvCxnSpPr>
+            <p:spPr>
+              <a:xfrm>
+                <a:off x="9581560" y="1446941"/>
+                <a:ext cx="91440" cy="0"/>
+              </a:xfrm>
+              <a:prstGeom prst="line">
+                <a:avLst/>
+              </a:prstGeom>
+              <a:ln w="22225">
+                <a:solidFill>
+                  <a:schemeClr val="bg1"/>
+                </a:solidFill>
+              </a:ln>
+            </p:spPr>
+            <p:style>
+              <a:lnRef idx="1">
+                <a:schemeClr val="accent1"/>
+              </a:lnRef>
+              <a:fillRef idx="0">
+                <a:schemeClr val="accent1"/>
+              </a:fillRef>
+              <a:effectRef idx="0">
+                <a:schemeClr val="accent1"/>
+              </a:effectRef>
+              <a:fontRef idx="minor">
+                <a:schemeClr val="tx1"/>
+              </a:fontRef>
+            </p:style>
+          </p:cxnSp>
+        </p:grpSp>
+        <p:grpSp>
+          <p:nvGrpSpPr>
+            <p:cNvPr id="486" name="Group 485"/>
+            <p:cNvGrpSpPr/>
+            <p:nvPr/>
+          </p:nvGrpSpPr>
+          <p:grpSpPr>
+            <a:xfrm>
+              <a:off x="7433437" y="1641760"/>
+              <a:ext cx="197575" cy="80962"/>
+              <a:chOff x="9528493" y="1365979"/>
+              <a:chExt cx="197575" cy="80962"/>
+            </a:xfrm>
+          </p:grpSpPr>
+          <p:cxnSp>
+            <p:nvCxnSpPr>
+              <p:cNvPr id="487" name="Straight Connector 486"/>
+              <p:cNvCxnSpPr/>
+              <p:nvPr/>
+            </p:nvCxnSpPr>
+            <p:spPr>
+              <a:xfrm>
+                <a:off x="9528493" y="1365979"/>
+                <a:ext cx="197575" cy="0"/>
+              </a:xfrm>
+              <a:prstGeom prst="line">
+                <a:avLst/>
+              </a:prstGeom>
+              <a:ln w="22225">
+                <a:solidFill>
+                  <a:schemeClr val="bg1"/>
+                </a:solidFill>
+              </a:ln>
+            </p:spPr>
+            <p:style>
+              <a:lnRef idx="1">
+                <a:schemeClr val="accent1"/>
+              </a:lnRef>
+              <a:fillRef idx="0">
+                <a:schemeClr val="accent1"/>
+              </a:fillRef>
+              <a:effectRef idx="0">
+                <a:schemeClr val="accent1"/>
+              </a:effectRef>
+              <a:fontRef idx="minor">
+                <a:schemeClr val="tx1"/>
+              </a:fontRef>
+            </p:style>
+          </p:cxnSp>
+          <p:cxnSp>
+            <p:nvCxnSpPr>
+              <p:cNvPr id="488" name="Straight Connector 487"/>
+              <p:cNvCxnSpPr/>
+              <p:nvPr/>
+            </p:nvCxnSpPr>
+            <p:spPr>
+              <a:xfrm>
+                <a:off x="9554128" y="1406460"/>
+                <a:ext cx="146304" cy="0"/>
+              </a:xfrm>
+              <a:prstGeom prst="line">
+                <a:avLst/>
+              </a:prstGeom>
+              <a:ln w="22225">
+                <a:solidFill>
+                  <a:schemeClr val="bg1"/>
+                </a:solidFill>
+              </a:ln>
+            </p:spPr>
+            <p:style>
+              <a:lnRef idx="1">
+                <a:schemeClr val="accent1"/>
+              </a:lnRef>
+              <a:fillRef idx="0">
+                <a:schemeClr val="accent1"/>
+              </a:fillRef>
+              <a:effectRef idx="0">
+                <a:schemeClr val="accent1"/>
+              </a:effectRef>
+              <a:fontRef idx="minor">
+                <a:schemeClr val="tx1"/>
+              </a:fontRef>
+            </p:style>
+          </p:cxnSp>
+          <p:cxnSp>
+            <p:nvCxnSpPr>
+              <p:cNvPr id="489" name="Straight Connector 488"/>
+              <p:cNvCxnSpPr/>
+              <p:nvPr/>
+            </p:nvCxnSpPr>
+            <p:spPr>
+              <a:xfrm>
+                <a:off x="9581560" y="1446941"/>
+                <a:ext cx="91440" cy="0"/>
+              </a:xfrm>
+              <a:prstGeom prst="line">
+                <a:avLst/>
+              </a:prstGeom>
+              <a:ln w="22225">
+                <a:solidFill>
+                  <a:schemeClr val="bg1"/>
+                </a:solidFill>
+              </a:ln>
+            </p:spPr>
+            <p:style>
+              <a:lnRef idx="1">
+                <a:schemeClr val="accent1"/>
+              </a:lnRef>
+              <a:fillRef idx="0">
+                <a:schemeClr val="accent1"/>
+              </a:fillRef>
+              <a:effectRef idx="0">
+                <a:schemeClr val="accent1"/>
+              </a:effectRef>
+              <a:fontRef idx="minor">
+                <a:schemeClr val="tx1"/>
+              </a:fontRef>
+            </p:style>
+          </p:cxnSp>
+        </p:grpSp>
+      </p:grpSp>
+      <p:grpSp>
+        <p:nvGrpSpPr>
+          <p:cNvPr id="21" name="Group 20"/>
+          <p:cNvGrpSpPr/>
+          <p:nvPr/>
+        </p:nvGrpSpPr>
+        <p:grpSpPr>
+          <a:xfrm>
+            <a:off x="5512752" y="1064243"/>
+            <a:ext cx="2587480" cy="369332"/>
+            <a:chOff x="4602594" y="2554478"/>
+            <a:chExt cx="2587480" cy="369332"/>
+          </a:xfrm>
+        </p:grpSpPr>
+        <p:sp>
+          <p:nvSpPr>
+            <p:cNvPr id="868" name="TextBox 867"/>
+            <p:cNvSpPr txBox="1"/>
+            <p:nvPr/>
+          </p:nvSpPr>
+          <p:spPr>
+            <a:xfrm>
+              <a:off x="6424264" y="2554478"/>
+              <a:ext cx="765810" cy="369332"/>
+            </a:xfrm>
+            <a:prstGeom prst="rect">
+              <a:avLst/>
+            </a:prstGeom>
+            <a:noFill/>
+          </p:spPr>
+          <p:txBody>
+            <a:bodyPr wrap="square" rtlCol="0">
+              <a:spAutoFit/>
+            </a:bodyPr>
+            <a:lstStyle/>
+            <a:p>
+              <a:r>
+                <a:rPr lang="en-US" b="1" dirty="0">
+                  <a:solidFill>
+                    <a:schemeClr val="bg1"/>
+                  </a:solidFill>
+                </a:rPr>
+                <a:t>—</a:t>
+              </a:r>
+            </a:p>
+          </p:txBody>
+        </p:sp>
+        <p:sp>
+          <p:nvSpPr>
+            <p:cNvPr id="869" name="TextBox 868"/>
+            <p:cNvSpPr txBox="1"/>
+            <p:nvPr/>
+          </p:nvSpPr>
+          <p:spPr>
+            <a:xfrm>
+              <a:off x="4602594" y="2554478"/>
+              <a:ext cx="765810" cy="369332"/>
+            </a:xfrm>
+            <a:prstGeom prst="rect">
+              <a:avLst/>
+            </a:prstGeom>
+            <a:noFill/>
+          </p:spPr>
+          <p:txBody>
+            <a:bodyPr wrap="square" rtlCol="0">
+              <a:spAutoFit/>
+            </a:bodyPr>
+            <a:lstStyle/>
+            <a:p>
+              <a:r>
+                <a:rPr lang="en-US" b="1" dirty="0">
+                  <a:solidFill>
+                    <a:schemeClr val="bg1"/>
+                  </a:solidFill>
+                </a:rPr>
+                <a:t>—</a:t>
+              </a:r>
+            </a:p>
+          </p:txBody>
+        </p:sp>
+      </p:grpSp>
     </p:spTree>
     <p:extLst>
       <p:ext uri="{BB962C8B-B14F-4D97-AF65-F5344CB8AC3E}">
